--- a/Installation and Git Workshop.pptx
+++ b/Installation and Git Workshop.pptx
@@ -1,35 +1,34 @@
 
 <file path=ppt/presentation.xml><?xml version="1.0" encoding="utf-8"?>
-<p:presentation xmlns:a="http://schemas.openxmlformats.org/drawingml/2006/main" xmlns:r="http://schemas.openxmlformats.org/officeDocument/2006/relationships" xmlns:mc="http://schemas.openxmlformats.org/markup-compatibility/2006" xmlns:mv="urn:schemas-microsoft-com:mac:vml" xmlns:p="http://schemas.openxmlformats.org/presentationml/2006/main" xmlns:c="http://schemas.openxmlformats.org/drawingml/2006/chart" xmlns:dgm="http://schemas.openxmlformats.org/drawingml/2006/diagram" xmlns:o="urn:schemas-microsoft-com:office:office" xmlns:v="urn:schemas-microsoft-com:vml" xmlns:pvml="urn:schemas-microsoft-com:office:powerpoint" xmlns:com="http://schemas.openxmlformats.org/drawingml/2006/compatibility" xmlns:p14="http://schemas.microsoft.com/office/powerpoint/2010/main" xmlns:p15="http://schemas.microsoft.com/office/powerpoint/2012/main" autoCompressPictures="0" strictFirstAndLastChars="0" saveSubsetFonts="1">
+<p:presentation xmlns:a="http://schemas.openxmlformats.org/drawingml/2006/main" xmlns:r="http://schemas.openxmlformats.org/officeDocument/2006/relationships" xmlns:p="http://schemas.openxmlformats.org/presentationml/2006/main" strictFirstAndLastChars="0" saveSubsetFonts="1" autoCompressPictures="0">
   <p:sldMasterIdLst>
-    <p:sldMasterId id="2147483659" r:id="rId4"/>
+    <p:sldMasterId id="2147483659" r:id="rId1"/>
   </p:sldMasterIdLst>
   <p:notesMasterIdLst>
-    <p:notesMasterId r:id="rId5"/>
+    <p:notesMasterId r:id="rId18"/>
   </p:notesMasterIdLst>
   <p:sldIdLst>
-    <p:sldId id="256" r:id="rId6"/>
-    <p:sldId id="257" r:id="rId7"/>
-    <p:sldId id="258" r:id="rId8"/>
-    <p:sldId id="259" r:id="rId9"/>
-    <p:sldId id="260" r:id="rId10"/>
-    <p:sldId id="261" r:id="rId11"/>
-    <p:sldId id="262" r:id="rId12"/>
-    <p:sldId id="263" r:id="rId13"/>
-    <p:sldId id="264" r:id="rId14"/>
-    <p:sldId id="265" r:id="rId15"/>
-    <p:sldId id="266" r:id="rId16"/>
-    <p:sldId id="267" r:id="rId17"/>
-    <p:sldId id="268" r:id="rId18"/>
-    <p:sldId id="269" r:id="rId19"/>
-    <p:sldId id="270" r:id="rId20"/>
-    <p:sldId id="271" r:id="rId21"/>
-    <p:sldId id="272" r:id="rId22"/>
+    <p:sldId id="256" r:id="rId2"/>
+    <p:sldId id="257" r:id="rId3"/>
+    <p:sldId id="258" r:id="rId4"/>
+    <p:sldId id="259" r:id="rId5"/>
+    <p:sldId id="260" r:id="rId6"/>
+    <p:sldId id="261" r:id="rId7"/>
+    <p:sldId id="262" r:id="rId8"/>
+    <p:sldId id="263" r:id="rId9"/>
+    <p:sldId id="264" r:id="rId10"/>
+    <p:sldId id="265" r:id="rId11"/>
+    <p:sldId id="266" r:id="rId12"/>
+    <p:sldId id="268" r:id="rId13"/>
+    <p:sldId id="269" r:id="rId14"/>
+    <p:sldId id="270" r:id="rId15"/>
+    <p:sldId id="271" r:id="rId16"/>
+    <p:sldId id="272" r:id="rId17"/>
   </p:sldIdLst>
-  <p:sldSz cy="5143500" cx="9144000"/>
+  <p:sldSz cx="9144000" cy="5143500" type="screen16x9"/>
   <p:notesSz cx="6858000" cy="9144000"/>
   <p:defaultTextStyle>
-    <a:defPPr lvl="0" marR="0" rtl="0" algn="l">
+    <a:defPPr marR="0" lvl="0" algn="l" rtl="0">
       <a:lnSpc>
         <a:spcPct val="100000"/>
       </a:lnSpc>
@@ -40,7 +39,7 @@
         <a:spcPts val="0"/>
       </a:spcAft>
     </a:defPPr>
-    <a:lvl1pPr lvl="0" marR="0" rtl="0" algn="l">
+    <a:lvl1pPr marR="0" lvl="0" algn="l" rtl="0">
       <a:lnSpc>
         <a:spcPct val="100000"/>
       </a:lnSpc>
@@ -54,7 +53,7 @@
         <a:srgbClr val="000000"/>
       </a:buClr>
       <a:buFont typeface="Arial"/>
-      <a:defRPr b="0" i="0" sz="1400" u="none" cap="none" strike="noStrike">
+      <a:defRPr sz="1400" b="0" i="0" u="none" strike="noStrike" cap="none">
         <a:solidFill>
           <a:srgbClr val="000000"/>
         </a:solidFill>
@@ -64,7 +63,7 @@
         <a:sym typeface="Arial"/>
       </a:defRPr>
     </a:lvl1pPr>
-    <a:lvl2pPr lvl="1" marR="0" rtl="0" algn="l">
+    <a:lvl2pPr marR="0" lvl="1" algn="l" rtl="0">
       <a:lnSpc>
         <a:spcPct val="100000"/>
       </a:lnSpc>
@@ -78,7 +77,7 @@
         <a:srgbClr val="000000"/>
       </a:buClr>
       <a:buFont typeface="Arial"/>
-      <a:defRPr b="0" i="0" sz="1400" u="none" cap="none" strike="noStrike">
+      <a:defRPr sz="1400" b="0" i="0" u="none" strike="noStrike" cap="none">
         <a:solidFill>
           <a:srgbClr val="000000"/>
         </a:solidFill>
@@ -88,7 +87,7 @@
         <a:sym typeface="Arial"/>
       </a:defRPr>
     </a:lvl2pPr>
-    <a:lvl3pPr lvl="2" marR="0" rtl="0" algn="l">
+    <a:lvl3pPr marR="0" lvl="2" algn="l" rtl="0">
       <a:lnSpc>
         <a:spcPct val="100000"/>
       </a:lnSpc>
@@ -102,7 +101,7 @@
         <a:srgbClr val="000000"/>
       </a:buClr>
       <a:buFont typeface="Arial"/>
-      <a:defRPr b="0" i="0" sz="1400" u="none" cap="none" strike="noStrike">
+      <a:defRPr sz="1400" b="0" i="0" u="none" strike="noStrike" cap="none">
         <a:solidFill>
           <a:srgbClr val="000000"/>
         </a:solidFill>
@@ -112,7 +111,7 @@
         <a:sym typeface="Arial"/>
       </a:defRPr>
     </a:lvl3pPr>
-    <a:lvl4pPr lvl="3" marR="0" rtl="0" algn="l">
+    <a:lvl4pPr marR="0" lvl="3" algn="l" rtl="0">
       <a:lnSpc>
         <a:spcPct val="100000"/>
       </a:lnSpc>
@@ -126,7 +125,7 @@
         <a:srgbClr val="000000"/>
       </a:buClr>
       <a:buFont typeface="Arial"/>
-      <a:defRPr b="0" i="0" sz="1400" u="none" cap="none" strike="noStrike">
+      <a:defRPr sz="1400" b="0" i="0" u="none" strike="noStrike" cap="none">
         <a:solidFill>
           <a:srgbClr val="000000"/>
         </a:solidFill>
@@ -136,7 +135,7 @@
         <a:sym typeface="Arial"/>
       </a:defRPr>
     </a:lvl4pPr>
-    <a:lvl5pPr lvl="4" marR="0" rtl="0" algn="l">
+    <a:lvl5pPr marR="0" lvl="4" algn="l" rtl="0">
       <a:lnSpc>
         <a:spcPct val="100000"/>
       </a:lnSpc>
@@ -150,7 +149,7 @@
         <a:srgbClr val="000000"/>
       </a:buClr>
       <a:buFont typeface="Arial"/>
-      <a:defRPr b="0" i="0" sz="1400" u="none" cap="none" strike="noStrike">
+      <a:defRPr sz="1400" b="0" i="0" u="none" strike="noStrike" cap="none">
         <a:solidFill>
           <a:srgbClr val="000000"/>
         </a:solidFill>
@@ -160,7 +159,7 @@
         <a:sym typeface="Arial"/>
       </a:defRPr>
     </a:lvl5pPr>
-    <a:lvl6pPr lvl="5" marR="0" rtl="0" algn="l">
+    <a:lvl6pPr marR="0" lvl="5" algn="l" rtl="0">
       <a:lnSpc>
         <a:spcPct val="100000"/>
       </a:lnSpc>
@@ -174,7 +173,7 @@
         <a:srgbClr val="000000"/>
       </a:buClr>
       <a:buFont typeface="Arial"/>
-      <a:defRPr b="0" i="0" sz="1400" u="none" cap="none" strike="noStrike">
+      <a:defRPr sz="1400" b="0" i="0" u="none" strike="noStrike" cap="none">
         <a:solidFill>
           <a:srgbClr val="000000"/>
         </a:solidFill>
@@ -184,7 +183,7 @@
         <a:sym typeface="Arial"/>
       </a:defRPr>
     </a:lvl6pPr>
-    <a:lvl7pPr lvl="6" marR="0" rtl="0" algn="l">
+    <a:lvl7pPr marR="0" lvl="6" algn="l" rtl="0">
       <a:lnSpc>
         <a:spcPct val="100000"/>
       </a:lnSpc>
@@ -198,7 +197,7 @@
         <a:srgbClr val="000000"/>
       </a:buClr>
       <a:buFont typeface="Arial"/>
-      <a:defRPr b="0" i="0" sz="1400" u="none" cap="none" strike="noStrike">
+      <a:defRPr sz="1400" b="0" i="0" u="none" strike="noStrike" cap="none">
         <a:solidFill>
           <a:srgbClr val="000000"/>
         </a:solidFill>
@@ -208,7 +207,7 @@
         <a:sym typeface="Arial"/>
       </a:defRPr>
     </a:lvl7pPr>
-    <a:lvl8pPr lvl="7" marR="0" rtl="0" algn="l">
+    <a:lvl8pPr marR="0" lvl="7" algn="l" rtl="0">
       <a:lnSpc>
         <a:spcPct val="100000"/>
       </a:lnSpc>
@@ -222,7 +221,7 @@
         <a:srgbClr val="000000"/>
       </a:buClr>
       <a:buFont typeface="Arial"/>
-      <a:defRPr b="0" i="0" sz="1400" u="none" cap="none" strike="noStrike">
+      <a:defRPr sz="1400" b="0" i="0" u="none" strike="noStrike" cap="none">
         <a:solidFill>
           <a:srgbClr val="000000"/>
         </a:solidFill>
@@ -232,7 +231,7 @@
         <a:sym typeface="Arial"/>
       </a:defRPr>
     </a:lvl8pPr>
-    <a:lvl9pPr lvl="8" marR="0" rtl="0" algn="l">
+    <a:lvl9pPr marR="0" lvl="8" algn="l" rtl="0">
       <a:lnSpc>
         <a:spcPct val="100000"/>
       </a:lnSpc>
@@ -246,7 +245,7 @@
         <a:srgbClr val="000000"/>
       </a:buClr>
       <a:buFont typeface="Arial"/>
-      <a:defRPr b="0" i="0" sz="1400" u="none" cap="none" strike="noStrike">
+      <a:defRPr sz="1400" b="0" i="0" u="none" strike="noStrike" cap="none">
         <a:solidFill>
           <a:srgbClr val="000000"/>
         </a:solidFill>
@@ -259,7 +258,7 @@
   </p:defaultTextStyle>
   <p:extLst>
     <p:ext uri="{EFAFB233-063F-42B5-8137-9DF3F51BA10A}">
-      <p15:sldGuideLst>
+      <p15:sldGuideLst xmlns:p15="http://schemas.microsoft.com/office/powerpoint/2012/main">
         <p15:guide id="1" orient="horz" pos="1620">
           <p15:clr>
             <a:srgbClr val="A4A3A4"/>
@@ -277,11 +276,16 @@
 </file>
 
 <file path=ppt/notesMasters/notesMaster1.xml><?xml version="1.0" encoding="utf-8"?>
-<p:notesMaster xmlns:a="http://schemas.openxmlformats.org/drawingml/2006/main" xmlns:r="http://schemas.openxmlformats.org/officeDocument/2006/relationships" xmlns:mc="http://schemas.openxmlformats.org/markup-compatibility/2006" xmlns:mv="urn:schemas-microsoft-com:mac:vml" xmlns:p="http://schemas.openxmlformats.org/presentationml/2006/main" xmlns:c="http://schemas.openxmlformats.org/drawingml/2006/chart" xmlns:dgm="http://schemas.openxmlformats.org/drawingml/2006/diagram" xmlns:o="urn:schemas-microsoft-com:office:office" xmlns:v="urn:schemas-microsoft-com:vml" xmlns:pvml="urn:schemas-microsoft-com:office:powerpoint" xmlns:com="http://schemas.openxmlformats.org/drawingml/2006/compatibility" xmlns:p14="http://schemas.microsoft.com/office/powerpoint/2010/main" xmlns:p15="http://schemas.microsoft.com/office/powerpoint/2012/main">
+<p:notesMaster xmlns:a="http://schemas.openxmlformats.org/drawingml/2006/main" xmlns:r="http://schemas.openxmlformats.org/officeDocument/2006/relationships" xmlns:p="http://schemas.openxmlformats.org/presentationml/2006/main">
   <p:cSld>
+    <p:bg>
+      <p:bgRef idx="1001">
+        <a:schemeClr val="bg1"/>
+      </p:bgRef>
+    </p:bg>
     <p:spTree>
       <p:nvGrpSpPr>
-        <p:cNvPr id="2" name="Shape 2"/>
+        <p:cNvPr id="1" name="Shape 2"/>
         <p:cNvGrpSpPr/>
         <p:nvPr/>
       </p:nvGrpSpPr>
@@ -296,9 +300,11 @@
       <p:sp>
         <p:nvSpPr>
           <p:cNvPr id="3" name="Google Shape;3;n"/>
-          <p:cNvSpPr/>
+          <p:cNvSpPr>
+            <a:spLocks noGrp="1" noRot="1" noChangeAspect="1"/>
+          </p:cNvSpPr>
           <p:nvPr>
-            <p:ph idx="2" type="sldImg"/>
+            <p:ph type="sldImg" idx="2"/>
           </p:nvPr>
         </p:nvSpPr>
         <p:spPr>
@@ -307,9 +313,13 @@
             <a:ext cx="6096075" cy="3429000"/>
           </a:xfrm>
           <a:custGeom>
-            <a:rect b="b" l="l" r="r" t="t"/>
+            <a:avLst/>
+            <a:gdLst/>
+            <a:ahLst/>
+            <a:cxnLst/>
+            <a:rect l="l" t="t" r="r" b="b"/>
             <a:pathLst>
-              <a:path extrusionOk="0" h="120000" w="120000">
+              <a:path w="120000" h="120000" extrusionOk="0">
                 <a:moveTo>
                   <a:pt x="0" y="0"/>
                 </a:moveTo>
@@ -327,23 +337,25 @@
             </a:pathLst>
           </a:custGeom>
           <a:noFill/>
-          <a:ln cap="flat" cmpd="sng" w="9525">
+          <a:ln w="9525" cap="flat" cmpd="sng">
             <a:solidFill>
               <a:srgbClr val="000000"/>
             </a:solidFill>
             <a:prstDash val="solid"/>
             <a:round/>
-            <a:headEnd len="sm" w="sm" type="none"/>
-            <a:tailEnd len="sm" w="sm" type="none"/>
+            <a:headEnd type="none" w="sm" len="sm"/>
+            <a:tailEnd type="none" w="sm" len="sm"/>
           </a:ln>
         </p:spPr>
       </p:sp>
       <p:sp>
         <p:nvSpPr>
           <p:cNvPr id="4" name="Google Shape;4;n"/>
-          <p:cNvSpPr txBox="1"/>
+          <p:cNvSpPr txBox="1">
+            <a:spLocks noGrp="1"/>
+          </p:cNvSpPr>
           <p:nvPr>
-            <p:ph idx="1" type="body"/>
+            <p:ph type="body" idx="1"/>
           </p:nvPr>
         </p:nvSpPr>
         <p:spPr>
@@ -360,11 +372,11 @@
           </a:ln>
         </p:spPr>
         <p:txBody>
-          <a:bodyPr anchorCtr="0" anchor="t" bIns="91425" lIns="91425" spcFirstLastPara="1" rIns="91425" wrap="square" tIns="91425">
+          <a:bodyPr spcFirstLastPara="1" wrap="square" lIns="91425" tIns="91425" rIns="91425" bIns="91425" anchor="t" anchorCtr="0">
             <a:noAutofit/>
           </a:bodyPr>
           <a:lstStyle>
-            <a:lvl1pPr indent="-298450" lvl="0" marL="457200">
+            <a:lvl1pPr marL="457200" lvl="0" indent="-298450">
               <a:spcBef>
                 <a:spcPts val="0"/>
               </a:spcBef>
@@ -375,7 +387,7 @@
               <a:buChar char="●"/>
               <a:defRPr sz="1100"/>
             </a:lvl1pPr>
-            <a:lvl2pPr indent="-298450" lvl="1" marL="914400">
+            <a:lvl2pPr marL="914400" lvl="1" indent="-298450">
               <a:spcBef>
                 <a:spcPts val="0"/>
               </a:spcBef>
@@ -386,7 +398,7 @@
               <a:buChar char="○"/>
               <a:defRPr sz="1100"/>
             </a:lvl2pPr>
-            <a:lvl3pPr indent="-298450" lvl="2" marL="1371600">
+            <a:lvl3pPr marL="1371600" lvl="2" indent="-298450">
               <a:spcBef>
                 <a:spcPts val="0"/>
               </a:spcBef>
@@ -397,7 +409,7 @@
               <a:buChar char="■"/>
               <a:defRPr sz="1100"/>
             </a:lvl3pPr>
-            <a:lvl4pPr indent="-298450" lvl="3" marL="1828800">
+            <a:lvl4pPr marL="1828800" lvl="3" indent="-298450">
               <a:spcBef>
                 <a:spcPts val="0"/>
               </a:spcBef>
@@ -408,7 +420,7 @@
               <a:buChar char="●"/>
               <a:defRPr sz="1100"/>
             </a:lvl4pPr>
-            <a:lvl5pPr indent="-298450" lvl="4" marL="2286000">
+            <a:lvl5pPr marL="2286000" lvl="4" indent="-298450">
               <a:spcBef>
                 <a:spcPts val="0"/>
               </a:spcBef>
@@ -419,7 +431,7 @@
               <a:buChar char="○"/>
               <a:defRPr sz="1100"/>
             </a:lvl5pPr>
-            <a:lvl6pPr indent="-298450" lvl="5" marL="2743200">
+            <a:lvl6pPr marL="2743200" lvl="5" indent="-298450">
               <a:spcBef>
                 <a:spcPts val="0"/>
               </a:spcBef>
@@ -430,7 +442,7 @@
               <a:buChar char="■"/>
               <a:defRPr sz="1100"/>
             </a:lvl6pPr>
-            <a:lvl7pPr indent="-298450" lvl="6" marL="3200400">
+            <a:lvl7pPr marL="3200400" lvl="6" indent="-298450">
               <a:spcBef>
                 <a:spcPts val="0"/>
               </a:spcBef>
@@ -441,7 +453,7 @@
               <a:buChar char="●"/>
               <a:defRPr sz="1100"/>
             </a:lvl7pPr>
-            <a:lvl8pPr indent="-298450" lvl="7" marL="3657600">
+            <a:lvl8pPr marL="3657600" lvl="7" indent="-298450">
               <a:spcBef>
                 <a:spcPts val="0"/>
               </a:spcBef>
@@ -452,7 +464,7 @@
               <a:buChar char="○"/>
               <a:defRPr sz="1100"/>
             </a:lvl8pPr>
-            <a:lvl9pPr indent="-298450" lvl="8" marL="4114800">
+            <a:lvl9pPr marL="4114800" lvl="8" indent="-298450">
               <a:spcBef>
                 <a:spcPts val="0"/>
               </a:spcBef>
@@ -464,14 +476,16 @@
               <a:defRPr sz="1100"/>
             </a:lvl9pPr>
           </a:lstStyle>
-          <a:p/>
+          <a:p>
+            <a:endParaRPr/>
+          </a:p>
         </p:txBody>
       </p:sp>
     </p:spTree>
   </p:cSld>
-  <p:clrMap accent1="accent1" accent2="accent2" accent3="accent3" accent4="accent4" accent5="accent5" accent6="accent6" bg1="lt1" bg2="dk2" tx1="dk1" tx2="lt2" folHlink="folHlink" hlink="hlink"/>
+  <p:clrMap bg1="lt1" tx1="dk1" bg2="dk2" tx2="lt2" accent1="accent1" accent2="accent2" accent3="accent3" accent4="accent4" accent5="accent5" accent6="accent6" hlink="hlink" folHlink="folHlink"/>
   <p:notesStyle>
-    <a:defPPr lvl="0" marR="0" rtl="0" algn="l">
+    <a:defPPr marR="0" lvl="0" algn="l" rtl="0">
       <a:lnSpc>
         <a:spcPct val="100000"/>
       </a:lnSpc>
@@ -482,7 +496,7 @@
         <a:spcPts val="0"/>
       </a:spcAft>
     </a:defPPr>
-    <a:lvl1pPr lvl="0" marR="0" rtl="0" algn="l">
+    <a:lvl1pPr marR="0" lvl="0" algn="l" rtl="0">
       <a:lnSpc>
         <a:spcPct val="100000"/>
       </a:lnSpc>
@@ -496,7 +510,7 @@
         <a:srgbClr val="000000"/>
       </a:buClr>
       <a:buFont typeface="Arial"/>
-      <a:defRPr b="0" i="0" sz="1400" u="none" cap="none" strike="noStrike">
+      <a:defRPr sz="1400" b="0" i="0" u="none" strike="noStrike" cap="none">
         <a:solidFill>
           <a:srgbClr val="000000"/>
         </a:solidFill>
@@ -506,7 +520,7 @@
         <a:sym typeface="Arial"/>
       </a:defRPr>
     </a:lvl1pPr>
-    <a:lvl2pPr lvl="1" marR="0" rtl="0" algn="l">
+    <a:lvl2pPr marR="0" lvl="1" algn="l" rtl="0">
       <a:lnSpc>
         <a:spcPct val="100000"/>
       </a:lnSpc>
@@ -520,7 +534,7 @@
         <a:srgbClr val="000000"/>
       </a:buClr>
       <a:buFont typeface="Arial"/>
-      <a:defRPr b="0" i="0" sz="1400" u="none" cap="none" strike="noStrike">
+      <a:defRPr sz="1400" b="0" i="0" u="none" strike="noStrike" cap="none">
         <a:solidFill>
           <a:srgbClr val="000000"/>
         </a:solidFill>
@@ -530,7 +544,7 @@
         <a:sym typeface="Arial"/>
       </a:defRPr>
     </a:lvl2pPr>
-    <a:lvl3pPr lvl="2" marR="0" rtl="0" algn="l">
+    <a:lvl3pPr marR="0" lvl="2" algn="l" rtl="0">
       <a:lnSpc>
         <a:spcPct val="100000"/>
       </a:lnSpc>
@@ -544,7 +558,7 @@
         <a:srgbClr val="000000"/>
       </a:buClr>
       <a:buFont typeface="Arial"/>
-      <a:defRPr b="0" i="0" sz="1400" u="none" cap="none" strike="noStrike">
+      <a:defRPr sz="1400" b="0" i="0" u="none" strike="noStrike" cap="none">
         <a:solidFill>
           <a:srgbClr val="000000"/>
         </a:solidFill>
@@ -554,7 +568,7 @@
         <a:sym typeface="Arial"/>
       </a:defRPr>
     </a:lvl3pPr>
-    <a:lvl4pPr lvl="3" marR="0" rtl="0" algn="l">
+    <a:lvl4pPr marR="0" lvl="3" algn="l" rtl="0">
       <a:lnSpc>
         <a:spcPct val="100000"/>
       </a:lnSpc>
@@ -568,7 +582,7 @@
         <a:srgbClr val="000000"/>
       </a:buClr>
       <a:buFont typeface="Arial"/>
-      <a:defRPr b="0" i="0" sz="1400" u="none" cap="none" strike="noStrike">
+      <a:defRPr sz="1400" b="0" i="0" u="none" strike="noStrike" cap="none">
         <a:solidFill>
           <a:srgbClr val="000000"/>
         </a:solidFill>
@@ -578,7 +592,7 @@
         <a:sym typeface="Arial"/>
       </a:defRPr>
     </a:lvl4pPr>
-    <a:lvl5pPr lvl="4" marR="0" rtl="0" algn="l">
+    <a:lvl5pPr marR="0" lvl="4" algn="l" rtl="0">
       <a:lnSpc>
         <a:spcPct val="100000"/>
       </a:lnSpc>
@@ -592,7 +606,7 @@
         <a:srgbClr val="000000"/>
       </a:buClr>
       <a:buFont typeface="Arial"/>
-      <a:defRPr b="0" i="0" sz="1400" u="none" cap="none" strike="noStrike">
+      <a:defRPr sz="1400" b="0" i="0" u="none" strike="noStrike" cap="none">
         <a:solidFill>
           <a:srgbClr val="000000"/>
         </a:solidFill>
@@ -602,7 +616,7 @@
         <a:sym typeface="Arial"/>
       </a:defRPr>
     </a:lvl5pPr>
-    <a:lvl6pPr lvl="5" marR="0" rtl="0" algn="l">
+    <a:lvl6pPr marR="0" lvl="5" algn="l" rtl="0">
       <a:lnSpc>
         <a:spcPct val="100000"/>
       </a:lnSpc>
@@ -616,7 +630,7 @@
         <a:srgbClr val="000000"/>
       </a:buClr>
       <a:buFont typeface="Arial"/>
-      <a:defRPr b="0" i="0" sz="1400" u="none" cap="none" strike="noStrike">
+      <a:defRPr sz="1400" b="0" i="0" u="none" strike="noStrike" cap="none">
         <a:solidFill>
           <a:srgbClr val="000000"/>
         </a:solidFill>
@@ -626,7 +640,7 @@
         <a:sym typeface="Arial"/>
       </a:defRPr>
     </a:lvl6pPr>
-    <a:lvl7pPr lvl="6" marR="0" rtl="0" algn="l">
+    <a:lvl7pPr marR="0" lvl="6" algn="l" rtl="0">
       <a:lnSpc>
         <a:spcPct val="100000"/>
       </a:lnSpc>
@@ -640,7 +654,7 @@
         <a:srgbClr val="000000"/>
       </a:buClr>
       <a:buFont typeface="Arial"/>
-      <a:defRPr b="0" i="0" sz="1400" u="none" cap="none" strike="noStrike">
+      <a:defRPr sz="1400" b="0" i="0" u="none" strike="noStrike" cap="none">
         <a:solidFill>
           <a:srgbClr val="000000"/>
         </a:solidFill>
@@ -650,7 +664,7 @@
         <a:sym typeface="Arial"/>
       </a:defRPr>
     </a:lvl7pPr>
-    <a:lvl8pPr lvl="7" marR="0" rtl="0" algn="l">
+    <a:lvl8pPr marR="0" lvl="7" algn="l" rtl="0">
       <a:lnSpc>
         <a:spcPct val="100000"/>
       </a:lnSpc>
@@ -664,7 +678,7 @@
         <a:srgbClr val="000000"/>
       </a:buClr>
       <a:buFont typeface="Arial"/>
-      <a:defRPr b="0" i="0" sz="1400" u="none" cap="none" strike="noStrike">
+      <a:defRPr sz="1400" b="0" i="0" u="none" strike="noStrike" cap="none">
         <a:solidFill>
           <a:srgbClr val="000000"/>
         </a:solidFill>
@@ -674,7 +688,7 @@
         <a:sym typeface="Arial"/>
       </a:defRPr>
     </a:lvl8pPr>
-    <a:lvl9pPr lvl="8" marR="0" rtl="0" algn="l">
+    <a:lvl9pPr marR="0" lvl="8" algn="l" rtl="0">
       <a:lnSpc>
         <a:spcPct val="100000"/>
       </a:lnSpc>
@@ -688,7 +702,7 @@
         <a:srgbClr val="000000"/>
       </a:buClr>
       <a:buFont typeface="Arial"/>
-      <a:defRPr b="0" i="0" sz="1400" u="none" cap="none" strike="noStrike">
+      <a:defRPr sz="1400" b="0" i="0" u="none" strike="noStrike" cap="none">
         <a:solidFill>
           <a:srgbClr val="000000"/>
         </a:solidFill>
@@ -703,11 +717,11 @@
 </file>
 
 <file path=ppt/notesSlides/notesSlide1.xml><?xml version="1.0" encoding="utf-8"?>
-<p:notes xmlns:a="http://schemas.openxmlformats.org/drawingml/2006/main" xmlns:r="http://schemas.openxmlformats.org/officeDocument/2006/relationships" xmlns:mc="http://schemas.openxmlformats.org/markup-compatibility/2006" xmlns:mv="urn:schemas-microsoft-com:mac:vml" xmlns:p="http://schemas.openxmlformats.org/presentationml/2006/main" xmlns:c="http://schemas.openxmlformats.org/drawingml/2006/chart" xmlns:dgm="http://schemas.openxmlformats.org/drawingml/2006/diagram" xmlns:o="urn:schemas-microsoft-com:office:office" xmlns:v="urn:schemas-microsoft-com:vml" xmlns:pvml="urn:schemas-microsoft-com:office:powerpoint" xmlns:com="http://schemas.openxmlformats.org/drawingml/2006/compatibility" xmlns:p14="http://schemas.microsoft.com/office/powerpoint/2010/main" xmlns:p15="http://schemas.microsoft.com/office/powerpoint/2012/main" showMasterPhAnim="0" showMasterSp="0">
+<p:notes xmlns:a="http://schemas.openxmlformats.org/drawingml/2006/main" xmlns:r="http://schemas.openxmlformats.org/officeDocument/2006/relationships" xmlns:p="http://schemas.openxmlformats.org/presentationml/2006/main" showMasterSp="0" showMasterPhAnim="0">
   <p:cSld>
     <p:spTree>
       <p:nvGrpSpPr>
-        <p:cNvPr id="50" name="Shape 50"/>
+        <p:cNvPr id="1" name="Shape 50"/>
         <p:cNvGrpSpPr/>
         <p:nvPr/>
       </p:nvGrpSpPr>
@@ -722,9 +736,11 @@
       <p:sp>
         <p:nvSpPr>
           <p:cNvPr id="51" name="Google Shape;51;p:notes"/>
-          <p:cNvSpPr/>
+          <p:cNvSpPr>
+            <a:spLocks noGrp="1" noRot="1" noChangeAspect="1"/>
+          </p:cNvSpPr>
           <p:nvPr>
-            <p:ph idx="2" type="sldImg"/>
+            <p:ph type="sldImg" idx="2"/>
           </p:nvPr>
         </p:nvSpPr>
         <p:spPr>
@@ -733,9 +749,13 @@
             <a:ext cx="6096075" cy="3429000"/>
           </a:xfrm>
           <a:custGeom>
-            <a:rect b="b" l="l" r="r" t="t"/>
+            <a:avLst/>
+            <a:gdLst/>
+            <a:ahLst/>
+            <a:cxnLst/>
+            <a:rect l="l" t="t" r="r" b="b"/>
             <a:pathLst>
-              <a:path extrusionOk="0" h="120000" w="120000">
+              <a:path w="120000" h="120000" extrusionOk="0">
                 <a:moveTo>
                   <a:pt x="0" y="0"/>
                 </a:moveTo>
@@ -757,9 +777,11 @@
       <p:sp>
         <p:nvSpPr>
           <p:cNvPr id="52" name="Google Shape;52;p:notes"/>
-          <p:cNvSpPr txBox="1"/>
+          <p:cNvSpPr txBox="1">
+            <a:spLocks noGrp="1"/>
+          </p:cNvSpPr>
           <p:nvPr>
-            <p:ph idx="1" type="body"/>
+            <p:ph type="body" idx="1"/>
           </p:nvPr>
         </p:nvSpPr>
         <p:spPr>
@@ -772,12 +794,12 @@
           </a:prstGeom>
         </p:spPr>
         <p:txBody>
-          <a:bodyPr anchorCtr="0" anchor="t" bIns="91425" lIns="91425" spcFirstLastPara="1" rIns="91425" wrap="square" tIns="91425">
+          <a:bodyPr spcFirstLastPara="1" wrap="square" lIns="91425" tIns="91425" rIns="91425" bIns="91425" anchor="t" anchorCtr="0">
             <a:noAutofit/>
           </a:bodyPr>
           <a:lstStyle/>
           <a:p>
-            <a:pPr indent="0" lvl="0" marL="0" rtl="0" algn="l">
+            <a:pPr marL="0" lvl="0" indent="0" algn="l" rtl="0">
               <a:spcBef>
                 <a:spcPts val="0"/>
               </a:spcBef>
@@ -786,9 +808,6 @@
               </a:spcAft>
               <a:buNone/>
             </a:pPr>
-            <a:r>
-              <a:t/>
-            </a:r>
             <a:endParaRPr/>
           </a:p>
         </p:txBody>
@@ -802,11 +821,11 @@
 </file>
 
 <file path=ppt/notesSlides/notesSlide10.xml><?xml version="1.0" encoding="utf-8"?>
-<p:notes xmlns:a="http://schemas.openxmlformats.org/drawingml/2006/main" xmlns:r="http://schemas.openxmlformats.org/officeDocument/2006/relationships" xmlns:mc="http://schemas.openxmlformats.org/markup-compatibility/2006" xmlns:mv="urn:schemas-microsoft-com:mac:vml" xmlns:p="http://schemas.openxmlformats.org/presentationml/2006/main" xmlns:c="http://schemas.openxmlformats.org/drawingml/2006/chart" xmlns:dgm="http://schemas.openxmlformats.org/drawingml/2006/diagram" xmlns:o="urn:schemas-microsoft-com:office:office" xmlns:v="urn:schemas-microsoft-com:vml" xmlns:pvml="urn:schemas-microsoft-com:office:powerpoint" xmlns:com="http://schemas.openxmlformats.org/drawingml/2006/compatibility" xmlns:p14="http://schemas.microsoft.com/office/powerpoint/2010/main" xmlns:p15="http://schemas.microsoft.com/office/powerpoint/2012/main" showMasterPhAnim="0" showMasterSp="0">
+<p:notes xmlns:a="http://schemas.openxmlformats.org/drawingml/2006/main" xmlns:r="http://schemas.openxmlformats.org/officeDocument/2006/relationships" xmlns:p="http://schemas.openxmlformats.org/presentationml/2006/main" showMasterSp="0" showMasterPhAnim="0">
   <p:cSld>
     <p:spTree>
       <p:nvGrpSpPr>
-        <p:cNvPr id="107" name="Shape 107"/>
+        <p:cNvPr id="1" name="Shape 107"/>
         <p:cNvGrpSpPr/>
         <p:nvPr/>
       </p:nvGrpSpPr>
@@ -821,9 +840,11 @@
       <p:sp>
         <p:nvSpPr>
           <p:cNvPr id="108" name="Google Shape;108;g5fd5738b5b_1_42:notes"/>
-          <p:cNvSpPr/>
+          <p:cNvSpPr>
+            <a:spLocks noGrp="1" noRot="1" noChangeAspect="1"/>
+          </p:cNvSpPr>
           <p:nvPr>
-            <p:ph idx="2" type="sldImg"/>
+            <p:ph type="sldImg" idx="2"/>
           </p:nvPr>
         </p:nvSpPr>
         <p:spPr>
@@ -832,9 +853,13 @@
             <a:ext cx="6096000" cy="3429000"/>
           </a:xfrm>
           <a:custGeom>
-            <a:rect b="b" l="l" r="r" t="t"/>
+            <a:avLst/>
+            <a:gdLst/>
+            <a:ahLst/>
+            <a:cxnLst/>
+            <a:rect l="l" t="t" r="r" b="b"/>
             <a:pathLst>
-              <a:path extrusionOk="0" h="120000" w="120000">
+              <a:path w="120000" h="120000" extrusionOk="0">
                 <a:moveTo>
                   <a:pt x="0" y="0"/>
                 </a:moveTo>
@@ -856,9 +881,11 @@
       <p:sp>
         <p:nvSpPr>
           <p:cNvPr id="109" name="Google Shape;109;g5fd5738b5b_1_42:notes"/>
-          <p:cNvSpPr txBox="1"/>
+          <p:cNvSpPr txBox="1">
+            <a:spLocks noGrp="1"/>
+          </p:cNvSpPr>
           <p:nvPr>
-            <p:ph idx="1" type="body"/>
+            <p:ph type="body" idx="1"/>
           </p:nvPr>
         </p:nvSpPr>
         <p:spPr>
@@ -871,12 +898,12 @@
           </a:prstGeom>
         </p:spPr>
         <p:txBody>
-          <a:bodyPr anchorCtr="0" anchor="t" bIns="91425" lIns="91425" spcFirstLastPara="1" rIns="91425" wrap="square" tIns="91425">
+          <a:bodyPr spcFirstLastPara="1" wrap="square" lIns="91425" tIns="91425" rIns="91425" bIns="91425" anchor="t" anchorCtr="0">
             <a:noAutofit/>
           </a:bodyPr>
           <a:lstStyle/>
           <a:p>
-            <a:pPr indent="0" lvl="0" marL="0" rtl="0" algn="l">
+            <a:pPr marL="0" lvl="0" indent="0" algn="l" rtl="0">
               <a:spcBef>
                 <a:spcPts val="0"/>
               </a:spcBef>
@@ -885,9 +912,6 @@
               </a:spcAft>
               <a:buNone/>
             </a:pPr>
-            <a:r>
-              <a:t/>
-            </a:r>
             <a:endParaRPr/>
           </a:p>
         </p:txBody>
@@ -901,11 +925,11 @@
 </file>
 
 <file path=ppt/notesSlides/notesSlide11.xml><?xml version="1.0" encoding="utf-8"?>
-<p:notes xmlns:a="http://schemas.openxmlformats.org/drawingml/2006/main" xmlns:r="http://schemas.openxmlformats.org/officeDocument/2006/relationships" xmlns:mc="http://schemas.openxmlformats.org/markup-compatibility/2006" xmlns:mv="urn:schemas-microsoft-com:mac:vml" xmlns:p="http://schemas.openxmlformats.org/presentationml/2006/main" xmlns:c="http://schemas.openxmlformats.org/drawingml/2006/chart" xmlns:dgm="http://schemas.openxmlformats.org/drawingml/2006/diagram" xmlns:o="urn:schemas-microsoft-com:office:office" xmlns:v="urn:schemas-microsoft-com:vml" xmlns:pvml="urn:schemas-microsoft-com:office:powerpoint" xmlns:com="http://schemas.openxmlformats.org/drawingml/2006/compatibility" xmlns:p14="http://schemas.microsoft.com/office/powerpoint/2010/main" xmlns:p15="http://schemas.microsoft.com/office/powerpoint/2012/main" showMasterPhAnim="0" showMasterSp="0">
+<p:notes xmlns:a="http://schemas.openxmlformats.org/drawingml/2006/main" xmlns:r="http://schemas.openxmlformats.org/officeDocument/2006/relationships" xmlns:p="http://schemas.openxmlformats.org/presentationml/2006/main" showMasterSp="0" showMasterPhAnim="0">
   <p:cSld>
     <p:spTree>
       <p:nvGrpSpPr>
-        <p:cNvPr id="114" name="Shape 114"/>
+        <p:cNvPr id="1" name="Shape 114"/>
         <p:cNvGrpSpPr/>
         <p:nvPr/>
       </p:nvGrpSpPr>
@@ -920,9 +944,11 @@
       <p:sp>
         <p:nvSpPr>
           <p:cNvPr id="115" name="Google Shape;115;g5fd5738b5b_1_59:notes"/>
-          <p:cNvSpPr/>
+          <p:cNvSpPr>
+            <a:spLocks noGrp="1" noRot="1" noChangeAspect="1"/>
+          </p:cNvSpPr>
           <p:nvPr>
-            <p:ph idx="2" type="sldImg"/>
+            <p:ph type="sldImg" idx="2"/>
           </p:nvPr>
         </p:nvSpPr>
         <p:spPr>
@@ -931,9 +957,13 @@
             <a:ext cx="6096000" cy="3429000"/>
           </a:xfrm>
           <a:custGeom>
-            <a:rect b="b" l="l" r="r" t="t"/>
+            <a:avLst/>
+            <a:gdLst/>
+            <a:ahLst/>
+            <a:cxnLst/>
+            <a:rect l="l" t="t" r="r" b="b"/>
             <a:pathLst>
-              <a:path extrusionOk="0" h="120000" w="120000">
+              <a:path w="120000" h="120000" extrusionOk="0">
                 <a:moveTo>
                   <a:pt x="0" y="0"/>
                 </a:moveTo>
@@ -955,9 +985,11 @@
       <p:sp>
         <p:nvSpPr>
           <p:cNvPr id="116" name="Google Shape;116;g5fd5738b5b_1_59:notes"/>
-          <p:cNvSpPr txBox="1"/>
+          <p:cNvSpPr txBox="1">
+            <a:spLocks noGrp="1"/>
+          </p:cNvSpPr>
           <p:nvPr>
-            <p:ph idx="1" type="body"/>
+            <p:ph type="body" idx="1"/>
           </p:nvPr>
         </p:nvSpPr>
         <p:spPr>
@@ -970,12 +1002,12 @@
           </a:prstGeom>
         </p:spPr>
         <p:txBody>
-          <a:bodyPr anchorCtr="0" anchor="t" bIns="91425" lIns="91425" spcFirstLastPara="1" rIns="91425" wrap="square" tIns="91425">
+          <a:bodyPr spcFirstLastPara="1" wrap="square" lIns="91425" tIns="91425" rIns="91425" bIns="91425" anchor="t" anchorCtr="0">
             <a:noAutofit/>
           </a:bodyPr>
           <a:lstStyle/>
           <a:p>
-            <a:pPr indent="0" lvl="0" marL="0" rtl="0" algn="l">
+            <a:pPr marL="0" lvl="0" indent="0" algn="l" rtl="0">
               <a:spcBef>
                 <a:spcPts val="0"/>
               </a:spcBef>
@@ -984,9 +1016,6 @@
               </a:spcAft>
               <a:buNone/>
             </a:pPr>
-            <a:r>
-              <a:t/>
-            </a:r>
             <a:endParaRPr/>
           </a:p>
         </p:txBody>
@@ -1000,110 +1029,11 @@
 </file>
 
 <file path=ppt/notesSlides/notesSlide12.xml><?xml version="1.0" encoding="utf-8"?>
-<p:notes xmlns:a="http://schemas.openxmlformats.org/drawingml/2006/main" xmlns:r="http://schemas.openxmlformats.org/officeDocument/2006/relationships" xmlns:mc="http://schemas.openxmlformats.org/markup-compatibility/2006" xmlns:mv="urn:schemas-microsoft-com:mac:vml" xmlns:p="http://schemas.openxmlformats.org/presentationml/2006/main" xmlns:c="http://schemas.openxmlformats.org/drawingml/2006/chart" xmlns:dgm="http://schemas.openxmlformats.org/drawingml/2006/diagram" xmlns:o="urn:schemas-microsoft-com:office:office" xmlns:v="urn:schemas-microsoft-com:vml" xmlns:pvml="urn:schemas-microsoft-com:office:powerpoint" xmlns:com="http://schemas.openxmlformats.org/drawingml/2006/compatibility" xmlns:p14="http://schemas.microsoft.com/office/powerpoint/2010/main" xmlns:p15="http://schemas.microsoft.com/office/powerpoint/2012/main" showMasterPhAnim="0" showMasterSp="0">
+<p:notes xmlns:a="http://schemas.openxmlformats.org/drawingml/2006/main" xmlns:r="http://schemas.openxmlformats.org/officeDocument/2006/relationships" xmlns:p="http://schemas.openxmlformats.org/presentationml/2006/main" showMasterSp="0" showMasterPhAnim="0">
   <p:cSld>
     <p:spTree>
       <p:nvGrpSpPr>
-        <p:cNvPr id="120" name="Shape 120"/>
-        <p:cNvGrpSpPr/>
-        <p:nvPr/>
-      </p:nvGrpSpPr>
-      <p:grpSpPr>
-        <a:xfrm>
-          <a:off x="0" y="0"/>
-          <a:ext cx="0" cy="0"/>
-          <a:chOff x="0" y="0"/>
-          <a:chExt cx="0" cy="0"/>
-        </a:xfrm>
-      </p:grpSpPr>
-      <p:sp>
-        <p:nvSpPr>
-          <p:cNvPr id="121" name="Google Shape;121;g5fd5738b5b_1_64:notes"/>
-          <p:cNvSpPr/>
-          <p:nvPr>
-            <p:ph idx="2" type="sldImg"/>
-          </p:nvPr>
-        </p:nvSpPr>
-        <p:spPr>
-          <a:xfrm>
-            <a:off x="381300" y="685800"/>
-            <a:ext cx="6096000" cy="3429000"/>
-          </a:xfrm>
-          <a:custGeom>
-            <a:rect b="b" l="l" r="r" t="t"/>
-            <a:pathLst>
-              <a:path extrusionOk="0" h="120000" w="120000">
-                <a:moveTo>
-                  <a:pt x="0" y="0"/>
-                </a:moveTo>
-                <a:lnTo>
-                  <a:pt x="120000" y="0"/>
-                </a:lnTo>
-                <a:lnTo>
-                  <a:pt x="120000" y="120000"/>
-                </a:lnTo>
-                <a:lnTo>
-                  <a:pt x="0" y="120000"/>
-                </a:lnTo>
-                <a:close/>
-              </a:path>
-            </a:pathLst>
-          </a:custGeom>
-        </p:spPr>
-      </p:sp>
-      <p:sp>
-        <p:nvSpPr>
-          <p:cNvPr id="122" name="Google Shape;122;g5fd5738b5b_1_64:notes"/>
-          <p:cNvSpPr txBox="1"/>
-          <p:nvPr>
-            <p:ph idx="1" type="body"/>
-          </p:nvPr>
-        </p:nvSpPr>
-        <p:spPr>
-          <a:xfrm>
-            <a:off x="685800" y="4343400"/>
-            <a:ext cx="5486400" cy="4114800"/>
-          </a:xfrm>
-          <a:prstGeom prst="rect">
-            <a:avLst/>
-          </a:prstGeom>
-        </p:spPr>
-        <p:txBody>
-          <a:bodyPr anchorCtr="0" anchor="t" bIns="91425" lIns="91425" spcFirstLastPara="1" rIns="91425" wrap="square" tIns="91425">
-            <a:noAutofit/>
-          </a:bodyPr>
-          <a:lstStyle/>
-          <a:p>
-            <a:pPr indent="0" lvl="0" marL="0" rtl="0" algn="l">
-              <a:spcBef>
-                <a:spcPts val="0"/>
-              </a:spcBef>
-              <a:spcAft>
-                <a:spcPts val="0"/>
-              </a:spcAft>
-              <a:buNone/>
-            </a:pPr>
-            <a:r>
-              <a:t/>
-            </a:r>
-            <a:endParaRPr/>
-          </a:p>
-        </p:txBody>
-      </p:sp>
-    </p:spTree>
-  </p:cSld>
-  <p:clrMapOvr>
-    <a:masterClrMapping/>
-  </p:clrMapOvr>
-</p:notes>
-</file>
-
-<file path=ppt/notesSlides/notesSlide13.xml><?xml version="1.0" encoding="utf-8"?>
-<p:notes xmlns:a="http://schemas.openxmlformats.org/drawingml/2006/main" xmlns:r="http://schemas.openxmlformats.org/officeDocument/2006/relationships" xmlns:mc="http://schemas.openxmlformats.org/markup-compatibility/2006" xmlns:mv="urn:schemas-microsoft-com:mac:vml" xmlns:p="http://schemas.openxmlformats.org/presentationml/2006/main" xmlns:c="http://schemas.openxmlformats.org/drawingml/2006/chart" xmlns:dgm="http://schemas.openxmlformats.org/drawingml/2006/diagram" xmlns:o="urn:schemas-microsoft-com:office:office" xmlns:v="urn:schemas-microsoft-com:vml" xmlns:pvml="urn:schemas-microsoft-com:office:powerpoint" xmlns:com="http://schemas.openxmlformats.org/drawingml/2006/compatibility" xmlns:p14="http://schemas.microsoft.com/office/powerpoint/2010/main" xmlns:p15="http://schemas.microsoft.com/office/powerpoint/2012/main" showMasterPhAnim="0" showMasterSp="0">
-  <p:cSld>
-    <p:spTree>
-      <p:nvGrpSpPr>
-        <p:cNvPr id="127" name="Shape 127"/>
+        <p:cNvPr id="1" name="Shape 127"/>
         <p:cNvGrpSpPr/>
         <p:nvPr/>
       </p:nvGrpSpPr>
@@ -1118,9 +1048,11 @@
       <p:sp>
         <p:nvSpPr>
           <p:cNvPr id="128" name="Google Shape;128;g5fd5738b5b_1_70:notes"/>
-          <p:cNvSpPr/>
+          <p:cNvSpPr>
+            <a:spLocks noGrp="1" noRot="1" noChangeAspect="1"/>
+          </p:cNvSpPr>
           <p:nvPr>
-            <p:ph idx="2" type="sldImg"/>
+            <p:ph type="sldImg" idx="2"/>
           </p:nvPr>
         </p:nvSpPr>
         <p:spPr>
@@ -1129,9 +1061,13 @@
             <a:ext cx="6096000" cy="3429000"/>
           </a:xfrm>
           <a:custGeom>
-            <a:rect b="b" l="l" r="r" t="t"/>
+            <a:avLst/>
+            <a:gdLst/>
+            <a:ahLst/>
+            <a:cxnLst/>
+            <a:rect l="l" t="t" r="r" b="b"/>
             <a:pathLst>
-              <a:path extrusionOk="0" h="120000" w="120000">
+              <a:path w="120000" h="120000" extrusionOk="0">
                 <a:moveTo>
                   <a:pt x="0" y="0"/>
                 </a:moveTo>
@@ -1153,9 +1089,11 @@
       <p:sp>
         <p:nvSpPr>
           <p:cNvPr id="129" name="Google Shape;129;g5fd5738b5b_1_70:notes"/>
-          <p:cNvSpPr txBox="1"/>
+          <p:cNvSpPr txBox="1">
+            <a:spLocks noGrp="1"/>
+          </p:cNvSpPr>
           <p:nvPr>
-            <p:ph idx="1" type="body"/>
+            <p:ph type="body" idx="1"/>
           </p:nvPr>
         </p:nvSpPr>
         <p:spPr>
@@ -1168,12 +1106,12 @@
           </a:prstGeom>
         </p:spPr>
         <p:txBody>
-          <a:bodyPr anchorCtr="0" anchor="t" bIns="91425" lIns="91425" spcFirstLastPara="1" rIns="91425" wrap="square" tIns="91425">
+          <a:bodyPr spcFirstLastPara="1" wrap="square" lIns="91425" tIns="91425" rIns="91425" bIns="91425" anchor="t" anchorCtr="0">
             <a:noAutofit/>
           </a:bodyPr>
           <a:lstStyle/>
           <a:p>
-            <a:pPr indent="0" lvl="0" marL="0" rtl="0" algn="l">
+            <a:pPr marL="0" lvl="0" indent="0" algn="l" rtl="0">
               <a:spcBef>
                 <a:spcPts val="0"/>
               </a:spcBef>
@@ -1182,9 +1120,6 @@
               </a:spcAft>
               <a:buNone/>
             </a:pPr>
-            <a:r>
-              <a:t/>
-            </a:r>
             <a:endParaRPr/>
           </a:p>
         </p:txBody>
@@ -1197,12 +1132,12 @@
 </p:notes>
 </file>
 
-<file path=ppt/notesSlides/notesSlide14.xml><?xml version="1.0" encoding="utf-8"?>
-<p:notes xmlns:a="http://schemas.openxmlformats.org/drawingml/2006/main" xmlns:r="http://schemas.openxmlformats.org/officeDocument/2006/relationships" xmlns:mc="http://schemas.openxmlformats.org/markup-compatibility/2006" xmlns:mv="urn:schemas-microsoft-com:mac:vml" xmlns:p="http://schemas.openxmlformats.org/presentationml/2006/main" xmlns:c="http://schemas.openxmlformats.org/drawingml/2006/chart" xmlns:dgm="http://schemas.openxmlformats.org/drawingml/2006/diagram" xmlns:o="urn:schemas-microsoft-com:office:office" xmlns:v="urn:schemas-microsoft-com:vml" xmlns:pvml="urn:schemas-microsoft-com:office:powerpoint" xmlns:com="http://schemas.openxmlformats.org/drawingml/2006/compatibility" xmlns:p14="http://schemas.microsoft.com/office/powerpoint/2010/main" xmlns:p15="http://schemas.microsoft.com/office/powerpoint/2012/main" showMasterPhAnim="0" showMasterSp="0">
+<file path=ppt/notesSlides/notesSlide13.xml><?xml version="1.0" encoding="utf-8"?>
+<p:notes xmlns:a="http://schemas.openxmlformats.org/drawingml/2006/main" xmlns:r="http://schemas.openxmlformats.org/officeDocument/2006/relationships" xmlns:p="http://schemas.openxmlformats.org/presentationml/2006/main" showMasterSp="0" showMasterPhAnim="0">
   <p:cSld>
     <p:spTree>
       <p:nvGrpSpPr>
-        <p:cNvPr id="134" name="Shape 134"/>
+        <p:cNvPr id="1" name="Shape 134"/>
         <p:cNvGrpSpPr/>
         <p:nvPr/>
       </p:nvGrpSpPr>
@@ -1217,9 +1152,11 @@
       <p:sp>
         <p:nvSpPr>
           <p:cNvPr id="135" name="Google Shape;135;g5fd5738b5b_1_76:notes"/>
-          <p:cNvSpPr/>
+          <p:cNvSpPr>
+            <a:spLocks noGrp="1" noRot="1" noChangeAspect="1"/>
+          </p:cNvSpPr>
           <p:nvPr>
-            <p:ph idx="2" type="sldImg"/>
+            <p:ph type="sldImg" idx="2"/>
           </p:nvPr>
         </p:nvSpPr>
         <p:spPr>
@@ -1228,9 +1165,13 @@
             <a:ext cx="6096000" cy="3429000"/>
           </a:xfrm>
           <a:custGeom>
-            <a:rect b="b" l="l" r="r" t="t"/>
+            <a:avLst/>
+            <a:gdLst/>
+            <a:ahLst/>
+            <a:cxnLst/>
+            <a:rect l="l" t="t" r="r" b="b"/>
             <a:pathLst>
-              <a:path extrusionOk="0" h="120000" w="120000">
+              <a:path w="120000" h="120000" extrusionOk="0">
                 <a:moveTo>
                   <a:pt x="0" y="0"/>
                 </a:moveTo>
@@ -1252,9 +1193,11 @@
       <p:sp>
         <p:nvSpPr>
           <p:cNvPr id="136" name="Google Shape;136;g5fd5738b5b_1_76:notes"/>
-          <p:cNvSpPr txBox="1"/>
+          <p:cNvSpPr txBox="1">
+            <a:spLocks noGrp="1"/>
+          </p:cNvSpPr>
           <p:nvPr>
-            <p:ph idx="1" type="body"/>
+            <p:ph type="body" idx="1"/>
           </p:nvPr>
         </p:nvSpPr>
         <p:spPr>
@@ -1267,12 +1210,12 @@
           </a:prstGeom>
         </p:spPr>
         <p:txBody>
-          <a:bodyPr anchorCtr="0" anchor="t" bIns="91425" lIns="91425" spcFirstLastPara="1" rIns="91425" wrap="square" tIns="91425">
+          <a:bodyPr spcFirstLastPara="1" wrap="square" lIns="91425" tIns="91425" rIns="91425" bIns="91425" anchor="t" anchorCtr="0">
             <a:noAutofit/>
           </a:bodyPr>
           <a:lstStyle/>
           <a:p>
-            <a:pPr indent="0" lvl="0" marL="0" rtl="0" algn="l">
+            <a:pPr marL="0" lvl="0" indent="0" algn="l" rtl="0">
               <a:spcBef>
                 <a:spcPts val="0"/>
               </a:spcBef>
@@ -1281,9 +1224,6 @@
               </a:spcAft>
               <a:buNone/>
             </a:pPr>
-            <a:r>
-              <a:t/>
-            </a:r>
             <a:endParaRPr/>
           </a:p>
         </p:txBody>
@@ -1296,12 +1236,12 @@
 </p:notes>
 </file>
 
-<file path=ppt/notesSlides/notesSlide15.xml><?xml version="1.0" encoding="utf-8"?>
-<p:notes xmlns:a="http://schemas.openxmlformats.org/drawingml/2006/main" xmlns:r="http://schemas.openxmlformats.org/officeDocument/2006/relationships" xmlns:mc="http://schemas.openxmlformats.org/markup-compatibility/2006" xmlns:mv="urn:schemas-microsoft-com:mac:vml" xmlns:p="http://schemas.openxmlformats.org/presentationml/2006/main" xmlns:c="http://schemas.openxmlformats.org/drawingml/2006/chart" xmlns:dgm="http://schemas.openxmlformats.org/drawingml/2006/diagram" xmlns:o="urn:schemas-microsoft-com:office:office" xmlns:v="urn:schemas-microsoft-com:vml" xmlns:pvml="urn:schemas-microsoft-com:office:powerpoint" xmlns:com="http://schemas.openxmlformats.org/drawingml/2006/compatibility" xmlns:p14="http://schemas.microsoft.com/office/powerpoint/2010/main" xmlns:p15="http://schemas.microsoft.com/office/powerpoint/2012/main" showMasterPhAnim="0" showMasterSp="0">
+<file path=ppt/notesSlides/notesSlide14.xml><?xml version="1.0" encoding="utf-8"?>
+<p:notes xmlns:a="http://schemas.openxmlformats.org/drawingml/2006/main" xmlns:r="http://schemas.openxmlformats.org/officeDocument/2006/relationships" xmlns:p="http://schemas.openxmlformats.org/presentationml/2006/main" showMasterSp="0" showMasterPhAnim="0">
   <p:cSld>
     <p:spTree>
       <p:nvGrpSpPr>
-        <p:cNvPr id="140" name="Shape 140"/>
+        <p:cNvPr id="1" name="Shape 140"/>
         <p:cNvGrpSpPr/>
         <p:nvPr/>
       </p:nvGrpSpPr>
@@ -1316,9 +1256,11 @@
       <p:sp>
         <p:nvSpPr>
           <p:cNvPr id="141" name="Google Shape;141;g5fd5738b5b_1_81:notes"/>
-          <p:cNvSpPr/>
+          <p:cNvSpPr>
+            <a:spLocks noGrp="1" noRot="1" noChangeAspect="1"/>
+          </p:cNvSpPr>
           <p:nvPr>
-            <p:ph idx="2" type="sldImg"/>
+            <p:ph type="sldImg" idx="2"/>
           </p:nvPr>
         </p:nvSpPr>
         <p:spPr>
@@ -1327,9 +1269,13 @@
             <a:ext cx="6096000" cy="3429000"/>
           </a:xfrm>
           <a:custGeom>
-            <a:rect b="b" l="l" r="r" t="t"/>
+            <a:avLst/>
+            <a:gdLst/>
+            <a:ahLst/>
+            <a:cxnLst/>
+            <a:rect l="l" t="t" r="r" b="b"/>
             <a:pathLst>
-              <a:path extrusionOk="0" h="120000" w="120000">
+              <a:path w="120000" h="120000" extrusionOk="0">
                 <a:moveTo>
                   <a:pt x="0" y="0"/>
                 </a:moveTo>
@@ -1351,9 +1297,11 @@
       <p:sp>
         <p:nvSpPr>
           <p:cNvPr id="142" name="Google Shape;142;g5fd5738b5b_1_81:notes"/>
-          <p:cNvSpPr txBox="1"/>
+          <p:cNvSpPr txBox="1">
+            <a:spLocks noGrp="1"/>
+          </p:cNvSpPr>
           <p:nvPr>
-            <p:ph idx="1" type="body"/>
+            <p:ph type="body" idx="1"/>
           </p:nvPr>
         </p:nvSpPr>
         <p:spPr>
@@ -1366,12 +1314,12 @@
           </a:prstGeom>
         </p:spPr>
         <p:txBody>
-          <a:bodyPr anchorCtr="0" anchor="t" bIns="91425" lIns="91425" spcFirstLastPara="1" rIns="91425" wrap="square" tIns="91425">
+          <a:bodyPr spcFirstLastPara="1" wrap="square" lIns="91425" tIns="91425" rIns="91425" bIns="91425" anchor="t" anchorCtr="0">
             <a:noAutofit/>
           </a:bodyPr>
           <a:lstStyle/>
           <a:p>
-            <a:pPr indent="0" lvl="0" marL="0" rtl="0" algn="l">
+            <a:pPr marL="0" lvl="0" indent="0" algn="l" rtl="0">
               <a:spcBef>
                 <a:spcPts val="0"/>
               </a:spcBef>
@@ -1380,9 +1328,6 @@
               </a:spcAft>
               <a:buNone/>
             </a:pPr>
-            <a:r>
-              <a:t/>
-            </a:r>
             <a:endParaRPr/>
           </a:p>
         </p:txBody>
@@ -1395,12 +1340,12 @@
 </p:notes>
 </file>
 
-<file path=ppt/notesSlides/notesSlide16.xml><?xml version="1.0" encoding="utf-8"?>
-<p:notes xmlns:a="http://schemas.openxmlformats.org/drawingml/2006/main" xmlns:r="http://schemas.openxmlformats.org/officeDocument/2006/relationships" xmlns:mc="http://schemas.openxmlformats.org/markup-compatibility/2006" xmlns:mv="urn:schemas-microsoft-com:mac:vml" xmlns:p="http://schemas.openxmlformats.org/presentationml/2006/main" xmlns:c="http://schemas.openxmlformats.org/drawingml/2006/chart" xmlns:dgm="http://schemas.openxmlformats.org/drawingml/2006/diagram" xmlns:o="urn:schemas-microsoft-com:office:office" xmlns:v="urn:schemas-microsoft-com:vml" xmlns:pvml="urn:schemas-microsoft-com:office:powerpoint" xmlns:com="http://schemas.openxmlformats.org/drawingml/2006/compatibility" xmlns:p14="http://schemas.microsoft.com/office/powerpoint/2010/main" xmlns:p15="http://schemas.microsoft.com/office/powerpoint/2012/main" showMasterPhAnim="0" showMasterSp="0">
+<file path=ppt/notesSlides/notesSlide15.xml><?xml version="1.0" encoding="utf-8"?>
+<p:notes xmlns:a="http://schemas.openxmlformats.org/drawingml/2006/main" xmlns:r="http://schemas.openxmlformats.org/officeDocument/2006/relationships" xmlns:p="http://schemas.openxmlformats.org/presentationml/2006/main" showMasterSp="0" showMasterPhAnim="0">
   <p:cSld>
     <p:spTree>
       <p:nvGrpSpPr>
-        <p:cNvPr id="147" name="Shape 147"/>
+        <p:cNvPr id="1" name="Shape 147"/>
         <p:cNvGrpSpPr/>
         <p:nvPr/>
       </p:nvGrpSpPr>
@@ -1415,9 +1360,11 @@
       <p:sp>
         <p:nvSpPr>
           <p:cNvPr id="148" name="Google Shape;148;g5fd5738b5b_1_87:notes"/>
-          <p:cNvSpPr/>
+          <p:cNvSpPr>
+            <a:spLocks noGrp="1" noRot="1" noChangeAspect="1"/>
+          </p:cNvSpPr>
           <p:nvPr>
-            <p:ph idx="2" type="sldImg"/>
+            <p:ph type="sldImg" idx="2"/>
           </p:nvPr>
         </p:nvSpPr>
         <p:spPr>
@@ -1426,9 +1373,13 @@
             <a:ext cx="6096000" cy="3429000"/>
           </a:xfrm>
           <a:custGeom>
-            <a:rect b="b" l="l" r="r" t="t"/>
+            <a:avLst/>
+            <a:gdLst/>
+            <a:ahLst/>
+            <a:cxnLst/>
+            <a:rect l="l" t="t" r="r" b="b"/>
             <a:pathLst>
-              <a:path extrusionOk="0" h="120000" w="120000">
+              <a:path w="120000" h="120000" extrusionOk="0">
                 <a:moveTo>
                   <a:pt x="0" y="0"/>
                 </a:moveTo>
@@ -1450,9 +1401,11 @@
       <p:sp>
         <p:nvSpPr>
           <p:cNvPr id="149" name="Google Shape;149;g5fd5738b5b_1_87:notes"/>
-          <p:cNvSpPr txBox="1"/>
+          <p:cNvSpPr txBox="1">
+            <a:spLocks noGrp="1"/>
+          </p:cNvSpPr>
           <p:nvPr>
-            <p:ph idx="1" type="body"/>
+            <p:ph type="body" idx="1"/>
           </p:nvPr>
         </p:nvSpPr>
         <p:spPr>
@@ -1465,12 +1418,12 @@
           </a:prstGeom>
         </p:spPr>
         <p:txBody>
-          <a:bodyPr anchorCtr="0" anchor="t" bIns="91425" lIns="91425" spcFirstLastPara="1" rIns="91425" wrap="square" tIns="91425">
+          <a:bodyPr spcFirstLastPara="1" wrap="square" lIns="91425" tIns="91425" rIns="91425" bIns="91425" anchor="t" anchorCtr="0">
             <a:noAutofit/>
           </a:bodyPr>
           <a:lstStyle/>
           <a:p>
-            <a:pPr indent="0" lvl="0" marL="0" rtl="0" algn="l">
+            <a:pPr marL="0" lvl="0" indent="0" algn="l" rtl="0">
               <a:spcBef>
                 <a:spcPts val="0"/>
               </a:spcBef>
@@ -1479,9 +1432,6 @@
               </a:spcAft>
               <a:buNone/>
             </a:pPr>
-            <a:r>
-              <a:t/>
-            </a:r>
             <a:endParaRPr/>
           </a:p>
         </p:txBody>
@@ -1494,12 +1444,12 @@
 </p:notes>
 </file>
 
-<file path=ppt/notesSlides/notesSlide17.xml><?xml version="1.0" encoding="utf-8"?>
-<p:notes xmlns:a="http://schemas.openxmlformats.org/drawingml/2006/main" xmlns:r="http://schemas.openxmlformats.org/officeDocument/2006/relationships" xmlns:mc="http://schemas.openxmlformats.org/markup-compatibility/2006" xmlns:mv="urn:schemas-microsoft-com:mac:vml" xmlns:p="http://schemas.openxmlformats.org/presentationml/2006/main" xmlns:c="http://schemas.openxmlformats.org/drawingml/2006/chart" xmlns:dgm="http://schemas.openxmlformats.org/drawingml/2006/diagram" xmlns:o="urn:schemas-microsoft-com:office:office" xmlns:v="urn:schemas-microsoft-com:vml" xmlns:pvml="urn:schemas-microsoft-com:office:powerpoint" xmlns:com="http://schemas.openxmlformats.org/drawingml/2006/compatibility" xmlns:p14="http://schemas.microsoft.com/office/powerpoint/2010/main" xmlns:p15="http://schemas.microsoft.com/office/powerpoint/2012/main" showMasterPhAnim="0" showMasterSp="0">
+<file path=ppt/notesSlides/notesSlide16.xml><?xml version="1.0" encoding="utf-8"?>
+<p:notes xmlns:a="http://schemas.openxmlformats.org/drawingml/2006/main" xmlns:r="http://schemas.openxmlformats.org/officeDocument/2006/relationships" xmlns:p="http://schemas.openxmlformats.org/presentationml/2006/main" showMasterSp="0" showMasterPhAnim="0">
   <p:cSld>
     <p:spTree>
       <p:nvGrpSpPr>
-        <p:cNvPr id="153" name="Shape 153"/>
+        <p:cNvPr id="1" name="Shape 153"/>
         <p:cNvGrpSpPr/>
         <p:nvPr/>
       </p:nvGrpSpPr>
@@ -1514,9 +1464,11 @@
       <p:sp>
         <p:nvSpPr>
           <p:cNvPr id="154" name="Google Shape;154;g5fd5738b5b_1_96:notes"/>
-          <p:cNvSpPr/>
+          <p:cNvSpPr>
+            <a:spLocks noGrp="1" noRot="1" noChangeAspect="1"/>
+          </p:cNvSpPr>
           <p:nvPr>
-            <p:ph idx="2" type="sldImg"/>
+            <p:ph type="sldImg" idx="2"/>
           </p:nvPr>
         </p:nvSpPr>
         <p:spPr>
@@ -1525,9 +1477,13 @@
             <a:ext cx="6096000" cy="3429000"/>
           </a:xfrm>
           <a:custGeom>
-            <a:rect b="b" l="l" r="r" t="t"/>
+            <a:avLst/>
+            <a:gdLst/>
+            <a:ahLst/>
+            <a:cxnLst/>
+            <a:rect l="l" t="t" r="r" b="b"/>
             <a:pathLst>
-              <a:path extrusionOk="0" h="120000" w="120000">
+              <a:path w="120000" h="120000" extrusionOk="0">
                 <a:moveTo>
                   <a:pt x="0" y="0"/>
                 </a:moveTo>
@@ -1549,9 +1505,11 @@
       <p:sp>
         <p:nvSpPr>
           <p:cNvPr id="155" name="Google Shape;155;g5fd5738b5b_1_96:notes"/>
-          <p:cNvSpPr txBox="1"/>
+          <p:cNvSpPr txBox="1">
+            <a:spLocks noGrp="1"/>
+          </p:cNvSpPr>
           <p:nvPr>
-            <p:ph idx="1" type="body"/>
+            <p:ph type="body" idx="1"/>
           </p:nvPr>
         </p:nvSpPr>
         <p:spPr>
@@ -1564,12 +1522,12 @@
           </a:prstGeom>
         </p:spPr>
         <p:txBody>
-          <a:bodyPr anchorCtr="0" anchor="t" bIns="91425" lIns="91425" spcFirstLastPara="1" rIns="91425" wrap="square" tIns="91425">
+          <a:bodyPr spcFirstLastPara="1" wrap="square" lIns="91425" tIns="91425" rIns="91425" bIns="91425" anchor="t" anchorCtr="0">
             <a:noAutofit/>
           </a:bodyPr>
           <a:lstStyle/>
           <a:p>
-            <a:pPr indent="0" lvl="0" marL="0" rtl="0" algn="l">
+            <a:pPr marL="0" lvl="0" indent="0" algn="l" rtl="0">
               <a:spcBef>
                 <a:spcPts val="0"/>
               </a:spcBef>
@@ -1578,9 +1536,6 @@
               </a:spcAft>
               <a:buNone/>
             </a:pPr>
-            <a:r>
-              <a:t/>
-            </a:r>
             <a:endParaRPr/>
           </a:p>
         </p:txBody>
@@ -1594,11 +1549,11 @@
 </file>
 
 <file path=ppt/notesSlides/notesSlide2.xml><?xml version="1.0" encoding="utf-8"?>
-<p:notes xmlns:a="http://schemas.openxmlformats.org/drawingml/2006/main" xmlns:r="http://schemas.openxmlformats.org/officeDocument/2006/relationships" xmlns:mc="http://schemas.openxmlformats.org/markup-compatibility/2006" xmlns:mv="urn:schemas-microsoft-com:mac:vml" xmlns:p="http://schemas.openxmlformats.org/presentationml/2006/main" xmlns:c="http://schemas.openxmlformats.org/drawingml/2006/chart" xmlns:dgm="http://schemas.openxmlformats.org/drawingml/2006/diagram" xmlns:o="urn:schemas-microsoft-com:office:office" xmlns:v="urn:schemas-microsoft-com:vml" xmlns:pvml="urn:schemas-microsoft-com:office:powerpoint" xmlns:com="http://schemas.openxmlformats.org/drawingml/2006/compatibility" xmlns:p14="http://schemas.microsoft.com/office/powerpoint/2010/main" xmlns:p15="http://schemas.microsoft.com/office/powerpoint/2012/main" showMasterPhAnim="0" showMasterSp="0">
+<p:notes xmlns:a="http://schemas.openxmlformats.org/drawingml/2006/main" xmlns:r="http://schemas.openxmlformats.org/officeDocument/2006/relationships" xmlns:p="http://schemas.openxmlformats.org/presentationml/2006/main" showMasterSp="0" showMasterPhAnim="0">
   <p:cSld>
     <p:spTree>
       <p:nvGrpSpPr>
-        <p:cNvPr id="56" name="Shape 56"/>
+        <p:cNvPr id="1" name="Shape 56"/>
         <p:cNvGrpSpPr/>
         <p:nvPr/>
       </p:nvGrpSpPr>
@@ -1613,9 +1568,11 @@
       <p:sp>
         <p:nvSpPr>
           <p:cNvPr id="57" name="Google Shape;57;g5fd5738b5b_1_5:notes"/>
-          <p:cNvSpPr/>
+          <p:cNvSpPr>
+            <a:spLocks noGrp="1" noRot="1" noChangeAspect="1"/>
+          </p:cNvSpPr>
           <p:nvPr>
-            <p:ph idx="2" type="sldImg"/>
+            <p:ph type="sldImg" idx="2"/>
           </p:nvPr>
         </p:nvSpPr>
         <p:spPr>
@@ -1624,9 +1581,13 @@
             <a:ext cx="6096000" cy="3429000"/>
           </a:xfrm>
           <a:custGeom>
-            <a:rect b="b" l="l" r="r" t="t"/>
+            <a:avLst/>
+            <a:gdLst/>
+            <a:ahLst/>
+            <a:cxnLst/>
+            <a:rect l="l" t="t" r="r" b="b"/>
             <a:pathLst>
-              <a:path extrusionOk="0" h="120000" w="120000">
+              <a:path w="120000" h="120000" extrusionOk="0">
                 <a:moveTo>
                   <a:pt x="0" y="0"/>
                 </a:moveTo>
@@ -1648,9 +1609,11 @@
       <p:sp>
         <p:nvSpPr>
           <p:cNvPr id="58" name="Google Shape;58;g5fd5738b5b_1_5:notes"/>
-          <p:cNvSpPr txBox="1"/>
+          <p:cNvSpPr txBox="1">
+            <a:spLocks noGrp="1"/>
+          </p:cNvSpPr>
           <p:nvPr>
-            <p:ph idx="1" type="body"/>
+            <p:ph type="body" idx="1"/>
           </p:nvPr>
         </p:nvSpPr>
         <p:spPr>
@@ -1663,12 +1626,12 @@
           </a:prstGeom>
         </p:spPr>
         <p:txBody>
-          <a:bodyPr anchorCtr="0" anchor="t" bIns="91425" lIns="91425" spcFirstLastPara="1" rIns="91425" wrap="square" tIns="91425">
+          <a:bodyPr spcFirstLastPara="1" wrap="square" lIns="91425" tIns="91425" rIns="91425" bIns="91425" anchor="t" anchorCtr="0">
             <a:noAutofit/>
           </a:bodyPr>
           <a:lstStyle/>
           <a:p>
-            <a:pPr indent="0" lvl="0" marL="0" rtl="0" algn="l">
+            <a:pPr marL="0" lvl="0" indent="0" algn="l" rtl="0">
               <a:spcBef>
                 <a:spcPts val="0"/>
               </a:spcBef>
@@ -1677,9 +1640,6 @@
               </a:spcAft>
               <a:buNone/>
             </a:pPr>
-            <a:r>
-              <a:t/>
-            </a:r>
             <a:endParaRPr/>
           </a:p>
         </p:txBody>
@@ -1693,11 +1653,11 @@
 </file>
 
 <file path=ppt/notesSlides/notesSlide3.xml><?xml version="1.0" encoding="utf-8"?>
-<p:notes xmlns:a="http://schemas.openxmlformats.org/drawingml/2006/main" xmlns:r="http://schemas.openxmlformats.org/officeDocument/2006/relationships" xmlns:mc="http://schemas.openxmlformats.org/markup-compatibility/2006" xmlns:mv="urn:schemas-microsoft-com:mac:vml" xmlns:p="http://schemas.openxmlformats.org/presentationml/2006/main" xmlns:c="http://schemas.openxmlformats.org/drawingml/2006/chart" xmlns:dgm="http://schemas.openxmlformats.org/drawingml/2006/diagram" xmlns:o="urn:schemas-microsoft-com:office:office" xmlns:v="urn:schemas-microsoft-com:vml" xmlns:pvml="urn:schemas-microsoft-com:office:powerpoint" xmlns:com="http://schemas.openxmlformats.org/drawingml/2006/compatibility" xmlns:p14="http://schemas.microsoft.com/office/powerpoint/2010/main" xmlns:p15="http://schemas.microsoft.com/office/powerpoint/2012/main" showMasterPhAnim="0" showMasterSp="0">
+<p:notes xmlns:a="http://schemas.openxmlformats.org/drawingml/2006/main" xmlns:r="http://schemas.openxmlformats.org/officeDocument/2006/relationships" xmlns:p="http://schemas.openxmlformats.org/presentationml/2006/main" showMasterSp="0" showMasterPhAnim="0">
   <p:cSld>
     <p:spTree>
       <p:nvGrpSpPr>
-        <p:cNvPr id="62" name="Shape 62"/>
+        <p:cNvPr id="1" name="Shape 62"/>
         <p:cNvGrpSpPr/>
         <p:nvPr/>
       </p:nvGrpSpPr>
@@ -1712,9 +1672,11 @@
       <p:sp>
         <p:nvSpPr>
           <p:cNvPr id="63" name="Google Shape;63;g5fd5738b5b_0_45:notes"/>
-          <p:cNvSpPr/>
+          <p:cNvSpPr>
+            <a:spLocks noGrp="1" noRot="1" noChangeAspect="1"/>
+          </p:cNvSpPr>
           <p:nvPr>
-            <p:ph idx="2" type="sldImg"/>
+            <p:ph type="sldImg" idx="2"/>
           </p:nvPr>
         </p:nvSpPr>
         <p:spPr>
@@ -1723,9 +1685,13 @@
             <a:ext cx="6096000" cy="3429000"/>
           </a:xfrm>
           <a:custGeom>
-            <a:rect b="b" l="l" r="r" t="t"/>
+            <a:avLst/>
+            <a:gdLst/>
+            <a:ahLst/>
+            <a:cxnLst/>
+            <a:rect l="l" t="t" r="r" b="b"/>
             <a:pathLst>
-              <a:path extrusionOk="0" h="120000" w="120000">
+              <a:path w="120000" h="120000" extrusionOk="0">
                 <a:moveTo>
                   <a:pt x="0" y="0"/>
                 </a:moveTo>
@@ -1747,9 +1713,11 @@
       <p:sp>
         <p:nvSpPr>
           <p:cNvPr id="64" name="Google Shape;64;g5fd5738b5b_0_45:notes"/>
-          <p:cNvSpPr txBox="1"/>
+          <p:cNvSpPr txBox="1">
+            <a:spLocks noGrp="1"/>
+          </p:cNvSpPr>
           <p:nvPr>
-            <p:ph idx="1" type="body"/>
+            <p:ph type="body" idx="1"/>
           </p:nvPr>
         </p:nvSpPr>
         <p:spPr>
@@ -1762,12 +1730,12 @@
           </a:prstGeom>
         </p:spPr>
         <p:txBody>
-          <a:bodyPr anchorCtr="0" anchor="t" bIns="91425" lIns="91425" spcFirstLastPara="1" rIns="91425" wrap="square" tIns="91425">
+          <a:bodyPr spcFirstLastPara="1" wrap="square" lIns="91425" tIns="91425" rIns="91425" bIns="91425" anchor="t" anchorCtr="0">
             <a:noAutofit/>
           </a:bodyPr>
           <a:lstStyle/>
           <a:p>
-            <a:pPr indent="0" lvl="0" marL="0" rtl="0" algn="l">
+            <a:pPr marL="0" lvl="0" indent="0" algn="l" rtl="0">
               <a:spcBef>
                 <a:spcPts val="0"/>
               </a:spcBef>
@@ -1776,9 +1744,6 @@
               </a:spcAft>
               <a:buNone/>
             </a:pPr>
-            <a:r>
-              <a:t/>
-            </a:r>
             <a:endParaRPr/>
           </a:p>
         </p:txBody>
@@ -1792,11 +1757,11 @@
 </file>
 
 <file path=ppt/notesSlides/notesSlide4.xml><?xml version="1.0" encoding="utf-8"?>
-<p:notes xmlns:a="http://schemas.openxmlformats.org/drawingml/2006/main" xmlns:r="http://schemas.openxmlformats.org/officeDocument/2006/relationships" xmlns:mc="http://schemas.openxmlformats.org/markup-compatibility/2006" xmlns:mv="urn:schemas-microsoft-com:mac:vml" xmlns:p="http://schemas.openxmlformats.org/presentationml/2006/main" xmlns:c="http://schemas.openxmlformats.org/drawingml/2006/chart" xmlns:dgm="http://schemas.openxmlformats.org/drawingml/2006/diagram" xmlns:o="urn:schemas-microsoft-com:office:office" xmlns:v="urn:schemas-microsoft-com:vml" xmlns:pvml="urn:schemas-microsoft-com:office:powerpoint" xmlns:com="http://schemas.openxmlformats.org/drawingml/2006/compatibility" xmlns:p14="http://schemas.microsoft.com/office/powerpoint/2010/main" xmlns:p15="http://schemas.microsoft.com/office/powerpoint/2012/main" showMasterPhAnim="0" showMasterSp="0">
+<p:notes xmlns:a="http://schemas.openxmlformats.org/drawingml/2006/main" xmlns:r="http://schemas.openxmlformats.org/officeDocument/2006/relationships" xmlns:p="http://schemas.openxmlformats.org/presentationml/2006/main" showMasterSp="0" showMasterPhAnim="0">
   <p:cSld>
     <p:spTree>
       <p:nvGrpSpPr>
-        <p:cNvPr id="68" name="Shape 68"/>
+        <p:cNvPr id="1" name="Shape 68"/>
         <p:cNvGrpSpPr/>
         <p:nvPr/>
       </p:nvGrpSpPr>
@@ -1811,9 +1776,11 @@
       <p:sp>
         <p:nvSpPr>
           <p:cNvPr id="69" name="Google Shape;69;g5fd5738b5b_1_28:notes"/>
-          <p:cNvSpPr/>
+          <p:cNvSpPr>
+            <a:spLocks noGrp="1" noRot="1" noChangeAspect="1"/>
+          </p:cNvSpPr>
           <p:nvPr>
-            <p:ph idx="2" type="sldImg"/>
+            <p:ph type="sldImg" idx="2"/>
           </p:nvPr>
         </p:nvSpPr>
         <p:spPr>
@@ -1822,9 +1789,13 @@
             <a:ext cx="6096000" cy="3429000"/>
           </a:xfrm>
           <a:custGeom>
-            <a:rect b="b" l="l" r="r" t="t"/>
+            <a:avLst/>
+            <a:gdLst/>
+            <a:ahLst/>
+            <a:cxnLst/>
+            <a:rect l="l" t="t" r="r" b="b"/>
             <a:pathLst>
-              <a:path extrusionOk="0" h="120000" w="120000">
+              <a:path w="120000" h="120000" extrusionOk="0">
                 <a:moveTo>
                   <a:pt x="0" y="0"/>
                 </a:moveTo>
@@ -1846,9 +1817,11 @@
       <p:sp>
         <p:nvSpPr>
           <p:cNvPr id="70" name="Google Shape;70;g5fd5738b5b_1_28:notes"/>
-          <p:cNvSpPr txBox="1"/>
+          <p:cNvSpPr txBox="1">
+            <a:spLocks noGrp="1"/>
+          </p:cNvSpPr>
           <p:nvPr>
-            <p:ph idx="1" type="body"/>
+            <p:ph type="body" idx="1"/>
           </p:nvPr>
         </p:nvSpPr>
         <p:spPr>
@@ -1861,12 +1834,12 @@
           </a:prstGeom>
         </p:spPr>
         <p:txBody>
-          <a:bodyPr anchorCtr="0" anchor="t" bIns="91425" lIns="91425" spcFirstLastPara="1" rIns="91425" wrap="square" tIns="91425">
+          <a:bodyPr spcFirstLastPara="1" wrap="square" lIns="91425" tIns="91425" rIns="91425" bIns="91425" anchor="t" anchorCtr="0">
             <a:noAutofit/>
           </a:bodyPr>
           <a:lstStyle/>
           <a:p>
-            <a:pPr indent="0" lvl="0" marL="0" rtl="0" algn="l">
+            <a:pPr marL="0" lvl="0" indent="0" algn="l" rtl="0">
               <a:spcBef>
                 <a:spcPts val="0"/>
               </a:spcBef>
@@ -1875,9 +1848,6 @@
               </a:spcAft>
               <a:buNone/>
             </a:pPr>
-            <a:r>
-              <a:t/>
-            </a:r>
             <a:endParaRPr/>
           </a:p>
         </p:txBody>
@@ -1891,11 +1861,11 @@
 </file>
 
 <file path=ppt/notesSlides/notesSlide5.xml><?xml version="1.0" encoding="utf-8"?>
-<p:notes xmlns:a="http://schemas.openxmlformats.org/drawingml/2006/main" xmlns:r="http://schemas.openxmlformats.org/officeDocument/2006/relationships" xmlns:mc="http://schemas.openxmlformats.org/markup-compatibility/2006" xmlns:mv="urn:schemas-microsoft-com:mac:vml" xmlns:p="http://schemas.openxmlformats.org/presentationml/2006/main" xmlns:c="http://schemas.openxmlformats.org/drawingml/2006/chart" xmlns:dgm="http://schemas.openxmlformats.org/drawingml/2006/diagram" xmlns:o="urn:schemas-microsoft-com:office:office" xmlns:v="urn:schemas-microsoft-com:vml" xmlns:pvml="urn:schemas-microsoft-com:office:powerpoint" xmlns:com="http://schemas.openxmlformats.org/drawingml/2006/compatibility" xmlns:p14="http://schemas.microsoft.com/office/powerpoint/2010/main" xmlns:p15="http://schemas.microsoft.com/office/powerpoint/2012/main" showMasterPhAnim="0" showMasterSp="0">
+<p:notes xmlns:a="http://schemas.openxmlformats.org/drawingml/2006/main" xmlns:r="http://schemas.openxmlformats.org/officeDocument/2006/relationships" xmlns:p="http://schemas.openxmlformats.org/presentationml/2006/main" showMasterSp="0" showMasterPhAnim="0">
   <p:cSld>
     <p:spTree>
       <p:nvGrpSpPr>
-        <p:cNvPr id="75" name="Shape 75"/>
+        <p:cNvPr id="1" name="Shape 75"/>
         <p:cNvGrpSpPr/>
         <p:nvPr/>
       </p:nvGrpSpPr>
@@ -1910,9 +1880,11 @@
       <p:sp>
         <p:nvSpPr>
           <p:cNvPr id="76" name="Google Shape;76;g5fd5738b5b_1_16:notes"/>
-          <p:cNvSpPr/>
+          <p:cNvSpPr>
+            <a:spLocks noGrp="1" noRot="1" noChangeAspect="1"/>
+          </p:cNvSpPr>
           <p:nvPr>
-            <p:ph idx="2" type="sldImg"/>
+            <p:ph type="sldImg" idx="2"/>
           </p:nvPr>
         </p:nvSpPr>
         <p:spPr>
@@ -1921,9 +1893,13 @@
             <a:ext cx="6096000" cy="3429000"/>
           </a:xfrm>
           <a:custGeom>
-            <a:rect b="b" l="l" r="r" t="t"/>
+            <a:avLst/>
+            <a:gdLst/>
+            <a:ahLst/>
+            <a:cxnLst/>
+            <a:rect l="l" t="t" r="r" b="b"/>
             <a:pathLst>
-              <a:path extrusionOk="0" h="120000" w="120000">
+              <a:path w="120000" h="120000" extrusionOk="0">
                 <a:moveTo>
                   <a:pt x="0" y="0"/>
                 </a:moveTo>
@@ -1945,9 +1921,11 @@
       <p:sp>
         <p:nvSpPr>
           <p:cNvPr id="77" name="Google Shape;77;g5fd5738b5b_1_16:notes"/>
-          <p:cNvSpPr txBox="1"/>
+          <p:cNvSpPr txBox="1">
+            <a:spLocks noGrp="1"/>
+          </p:cNvSpPr>
           <p:nvPr>
-            <p:ph idx="1" type="body"/>
+            <p:ph type="body" idx="1"/>
           </p:nvPr>
         </p:nvSpPr>
         <p:spPr>
@@ -1960,12 +1938,12 @@
           </a:prstGeom>
         </p:spPr>
         <p:txBody>
-          <a:bodyPr anchorCtr="0" anchor="t" bIns="91425" lIns="91425" spcFirstLastPara="1" rIns="91425" wrap="square" tIns="91425">
+          <a:bodyPr spcFirstLastPara="1" wrap="square" lIns="91425" tIns="91425" rIns="91425" bIns="91425" anchor="t" anchorCtr="0">
             <a:noAutofit/>
           </a:bodyPr>
           <a:lstStyle/>
           <a:p>
-            <a:pPr indent="0" lvl="0" marL="0" rtl="0" algn="l">
+            <a:pPr marL="0" lvl="0" indent="0" algn="l" rtl="0">
               <a:spcBef>
                 <a:spcPts val="0"/>
               </a:spcBef>
@@ -1974,9 +1952,6 @@
               </a:spcAft>
               <a:buNone/>
             </a:pPr>
-            <a:r>
-              <a:t/>
-            </a:r>
             <a:endParaRPr/>
           </a:p>
         </p:txBody>
@@ -1990,11 +1965,11 @@
 </file>
 
 <file path=ppt/notesSlides/notesSlide6.xml><?xml version="1.0" encoding="utf-8"?>
-<p:notes xmlns:a="http://schemas.openxmlformats.org/drawingml/2006/main" xmlns:r="http://schemas.openxmlformats.org/officeDocument/2006/relationships" xmlns:mc="http://schemas.openxmlformats.org/markup-compatibility/2006" xmlns:mv="urn:schemas-microsoft-com:mac:vml" xmlns:p="http://schemas.openxmlformats.org/presentationml/2006/main" xmlns:c="http://schemas.openxmlformats.org/drawingml/2006/chart" xmlns:dgm="http://schemas.openxmlformats.org/drawingml/2006/diagram" xmlns:o="urn:schemas-microsoft-com:office:office" xmlns:v="urn:schemas-microsoft-com:vml" xmlns:pvml="urn:schemas-microsoft-com:office:powerpoint" xmlns:com="http://schemas.openxmlformats.org/drawingml/2006/compatibility" xmlns:p14="http://schemas.microsoft.com/office/powerpoint/2010/main" xmlns:p15="http://schemas.microsoft.com/office/powerpoint/2012/main" showMasterPhAnim="0" showMasterSp="0">
+<p:notes xmlns:a="http://schemas.openxmlformats.org/drawingml/2006/main" xmlns:r="http://schemas.openxmlformats.org/officeDocument/2006/relationships" xmlns:p="http://schemas.openxmlformats.org/presentationml/2006/main" showMasterSp="0" showMasterPhAnim="0">
   <p:cSld>
     <p:spTree>
       <p:nvGrpSpPr>
-        <p:cNvPr id="81" name="Shape 81"/>
+        <p:cNvPr id="1" name="Shape 81"/>
         <p:cNvGrpSpPr/>
         <p:nvPr/>
       </p:nvGrpSpPr>
@@ -2009,9 +1984,11 @@
       <p:sp>
         <p:nvSpPr>
           <p:cNvPr id="82" name="Google Shape;82;g5fd5738b5b_1_35:notes"/>
-          <p:cNvSpPr/>
+          <p:cNvSpPr>
+            <a:spLocks noGrp="1" noRot="1" noChangeAspect="1"/>
+          </p:cNvSpPr>
           <p:nvPr>
-            <p:ph idx="2" type="sldImg"/>
+            <p:ph type="sldImg" idx="2"/>
           </p:nvPr>
         </p:nvSpPr>
         <p:spPr>
@@ -2020,9 +1997,13 @@
             <a:ext cx="6096000" cy="3429000"/>
           </a:xfrm>
           <a:custGeom>
-            <a:rect b="b" l="l" r="r" t="t"/>
+            <a:avLst/>
+            <a:gdLst/>
+            <a:ahLst/>
+            <a:cxnLst/>
+            <a:rect l="l" t="t" r="r" b="b"/>
             <a:pathLst>
-              <a:path extrusionOk="0" h="120000" w="120000">
+              <a:path w="120000" h="120000" extrusionOk="0">
                 <a:moveTo>
                   <a:pt x="0" y="0"/>
                 </a:moveTo>
@@ -2044,9 +2025,11 @@
       <p:sp>
         <p:nvSpPr>
           <p:cNvPr id="83" name="Google Shape;83;g5fd5738b5b_1_35:notes"/>
-          <p:cNvSpPr txBox="1"/>
+          <p:cNvSpPr txBox="1">
+            <a:spLocks noGrp="1"/>
+          </p:cNvSpPr>
           <p:nvPr>
-            <p:ph idx="1" type="body"/>
+            <p:ph type="body" idx="1"/>
           </p:nvPr>
         </p:nvSpPr>
         <p:spPr>
@@ -2059,12 +2042,12 @@
           </a:prstGeom>
         </p:spPr>
         <p:txBody>
-          <a:bodyPr anchorCtr="0" anchor="t" bIns="91425" lIns="91425" spcFirstLastPara="1" rIns="91425" wrap="square" tIns="91425">
+          <a:bodyPr spcFirstLastPara="1" wrap="square" lIns="91425" tIns="91425" rIns="91425" bIns="91425" anchor="t" anchorCtr="0">
             <a:noAutofit/>
           </a:bodyPr>
           <a:lstStyle/>
           <a:p>
-            <a:pPr indent="0" lvl="0" marL="0" rtl="0" algn="l">
+            <a:pPr marL="0" lvl="0" indent="0" algn="l" rtl="0">
               <a:spcBef>
                 <a:spcPts val="0"/>
               </a:spcBef>
@@ -2073,9 +2056,6 @@
               </a:spcAft>
               <a:buNone/>
             </a:pPr>
-            <a:r>
-              <a:t/>
-            </a:r>
             <a:endParaRPr/>
           </a:p>
         </p:txBody>
@@ -2089,11 +2069,11 @@
 </file>
 
 <file path=ppt/notesSlides/notesSlide7.xml><?xml version="1.0" encoding="utf-8"?>
-<p:notes xmlns:a="http://schemas.openxmlformats.org/drawingml/2006/main" xmlns:r="http://schemas.openxmlformats.org/officeDocument/2006/relationships" xmlns:mc="http://schemas.openxmlformats.org/markup-compatibility/2006" xmlns:mv="urn:schemas-microsoft-com:mac:vml" xmlns:p="http://schemas.openxmlformats.org/presentationml/2006/main" xmlns:c="http://schemas.openxmlformats.org/drawingml/2006/chart" xmlns:dgm="http://schemas.openxmlformats.org/drawingml/2006/diagram" xmlns:o="urn:schemas-microsoft-com:office:office" xmlns:v="urn:schemas-microsoft-com:vml" xmlns:pvml="urn:schemas-microsoft-com:office:powerpoint" xmlns:com="http://schemas.openxmlformats.org/drawingml/2006/compatibility" xmlns:p14="http://schemas.microsoft.com/office/powerpoint/2010/main" xmlns:p15="http://schemas.microsoft.com/office/powerpoint/2012/main" showMasterPhAnim="0" showMasterSp="0">
+<p:notes xmlns:a="http://schemas.openxmlformats.org/drawingml/2006/main" xmlns:r="http://schemas.openxmlformats.org/officeDocument/2006/relationships" xmlns:p="http://schemas.openxmlformats.org/presentationml/2006/main" showMasterSp="0" showMasterPhAnim="0">
   <p:cSld>
     <p:spTree>
       <p:nvGrpSpPr>
-        <p:cNvPr id="88" name="Shape 88"/>
+        <p:cNvPr id="1" name="Shape 88"/>
         <p:cNvGrpSpPr/>
         <p:nvPr/>
       </p:nvGrpSpPr>
@@ -2108,9 +2088,11 @@
       <p:sp>
         <p:nvSpPr>
           <p:cNvPr id="89" name="Google Shape;89;g5fd5738b5b_0_51:notes"/>
-          <p:cNvSpPr/>
+          <p:cNvSpPr>
+            <a:spLocks noGrp="1" noRot="1" noChangeAspect="1"/>
+          </p:cNvSpPr>
           <p:nvPr>
-            <p:ph idx="2" type="sldImg"/>
+            <p:ph type="sldImg" idx="2"/>
           </p:nvPr>
         </p:nvSpPr>
         <p:spPr>
@@ -2119,9 +2101,13 @@
             <a:ext cx="6096000" cy="3429000"/>
           </a:xfrm>
           <a:custGeom>
-            <a:rect b="b" l="l" r="r" t="t"/>
+            <a:avLst/>
+            <a:gdLst/>
+            <a:ahLst/>
+            <a:cxnLst/>
+            <a:rect l="l" t="t" r="r" b="b"/>
             <a:pathLst>
-              <a:path extrusionOk="0" h="120000" w="120000">
+              <a:path w="120000" h="120000" extrusionOk="0">
                 <a:moveTo>
                   <a:pt x="0" y="0"/>
                 </a:moveTo>
@@ -2143,9 +2129,11 @@
       <p:sp>
         <p:nvSpPr>
           <p:cNvPr id="90" name="Google Shape;90;g5fd5738b5b_0_51:notes"/>
-          <p:cNvSpPr txBox="1"/>
+          <p:cNvSpPr txBox="1">
+            <a:spLocks noGrp="1"/>
+          </p:cNvSpPr>
           <p:nvPr>
-            <p:ph idx="1" type="body"/>
+            <p:ph type="body" idx="1"/>
           </p:nvPr>
         </p:nvSpPr>
         <p:spPr>
@@ -2158,12 +2146,12 @@
           </a:prstGeom>
         </p:spPr>
         <p:txBody>
-          <a:bodyPr anchorCtr="0" anchor="t" bIns="91425" lIns="91425" spcFirstLastPara="1" rIns="91425" wrap="square" tIns="91425">
+          <a:bodyPr spcFirstLastPara="1" wrap="square" lIns="91425" tIns="91425" rIns="91425" bIns="91425" anchor="t" anchorCtr="0">
             <a:noAutofit/>
           </a:bodyPr>
           <a:lstStyle/>
           <a:p>
-            <a:pPr indent="0" lvl="0" marL="0" rtl="0" algn="l">
+            <a:pPr marL="0" lvl="0" indent="0" algn="l" rtl="0">
               <a:spcBef>
                 <a:spcPts val="0"/>
               </a:spcBef>
@@ -2172,9 +2160,6 @@
               </a:spcAft>
               <a:buNone/>
             </a:pPr>
-            <a:r>
-              <a:t/>
-            </a:r>
             <a:endParaRPr/>
           </a:p>
         </p:txBody>
@@ -2188,11 +2173,11 @@
 </file>
 
 <file path=ppt/notesSlides/notesSlide8.xml><?xml version="1.0" encoding="utf-8"?>
-<p:notes xmlns:a="http://schemas.openxmlformats.org/drawingml/2006/main" xmlns:r="http://schemas.openxmlformats.org/officeDocument/2006/relationships" xmlns:mc="http://schemas.openxmlformats.org/markup-compatibility/2006" xmlns:mv="urn:schemas-microsoft-com:mac:vml" xmlns:p="http://schemas.openxmlformats.org/presentationml/2006/main" xmlns:c="http://schemas.openxmlformats.org/drawingml/2006/chart" xmlns:dgm="http://schemas.openxmlformats.org/drawingml/2006/diagram" xmlns:o="urn:schemas-microsoft-com:office:office" xmlns:v="urn:schemas-microsoft-com:vml" xmlns:pvml="urn:schemas-microsoft-com:office:powerpoint" xmlns:com="http://schemas.openxmlformats.org/drawingml/2006/compatibility" xmlns:p14="http://schemas.microsoft.com/office/powerpoint/2010/main" xmlns:p15="http://schemas.microsoft.com/office/powerpoint/2012/main" showMasterPhAnim="0" showMasterSp="0">
+<p:notes xmlns:a="http://schemas.openxmlformats.org/drawingml/2006/main" xmlns:r="http://schemas.openxmlformats.org/officeDocument/2006/relationships" xmlns:p="http://schemas.openxmlformats.org/presentationml/2006/main" showMasterSp="0" showMasterPhAnim="0">
   <p:cSld>
     <p:spTree>
       <p:nvGrpSpPr>
-        <p:cNvPr id="94" name="Shape 94"/>
+        <p:cNvPr id="1" name="Shape 94"/>
         <p:cNvGrpSpPr/>
         <p:nvPr/>
       </p:nvGrpSpPr>
@@ -2207,9 +2192,11 @@
       <p:sp>
         <p:nvSpPr>
           <p:cNvPr id="95" name="Google Shape;95;g5fd5738b5b_1_48:notes"/>
-          <p:cNvSpPr/>
+          <p:cNvSpPr>
+            <a:spLocks noGrp="1" noRot="1" noChangeAspect="1"/>
+          </p:cNvSpPr>
           <p:nvPr>
-            <p:ph idx="2" type="sldImg"/>
+            <p:ph type="sldImg" idx="2"/>
           </p:nvPr>
         </p:nvSpPr>
         <p:spPr>
@@ -2218,9 +2205,13 @@
             <a:ext cx="6096000" cy="3429000"/>
           </a:xfrm>
           <a:custGeom>
-            <a:rect b="b" l="l" r="r" t="t"/>
+            <a:avLst/>
+            <a:gdLst/>
+            <a:ahLst/>
+            <a:cxnLst/>
+            <a:rect l="l" t="t" r="r" b="b"/>
             <a:pathLst>
-              <a:path extrusionOk="0" h="120000" w="120000">
+              <a:path w="120000" h="120000" extrusionOk="0">
                 <a:moveTo>
                   <a:pt x="0" y="0"/>
                 </a:moveTo>
@@ -2242,9 +2233,11 @@
       <p:sp>
         <p:nvSpPr>
           <p:cNvPr id="96" name="Google Shape;96;g5fd5738b5b_1_48:notes"/>
-          <p:cNvSpPr txBox="1"/>
+          <p:cNvSpPr txBox="1">
+            <a:spLocks noGrp="1"/>
+          </p:cNvSpPr>
           <p:nvPr>
-            <p:ph idx="1" type="body"/>
+            <p:ph type="body" idx="1"/>
           </p:nvPr>
         </p:nvSpPr>
         <p:spPr>
@@ -2257,12 +2250,12 @@
           </a:prstGeom>
         </p:spPr>
         <p:txBody>
-          <a:bodyPr anchorCtr="0" anchor="t" bIns="91425" lIns="91425" spcFirstLastPara="1" rIns="91425" wrap="square" tIns="91425">
+          <a:bodyPr spcFirstLastPara="1" wrap="square" lIns="91425" tIns="91425" rIns="91425" bIns="91425" anchor="t" anchorCtr="0">
             <a:noAutofit/>
           </a:bodyPr>
           <a:lstStyle/>
           <a:p>
-            <a:pPr indent="0" lvl="0" marL="0" rtl="0" algn="l">
+            <a:pPr marL="0" lvl="0" indent="0" algn="l" rtl="0">
               <a:spcBef>
                 <a:spcPts val="0"/>
               </a:spcBef>
@@ -2271,9 +2264,6 @@
               </a:spcAft>
               <a:buNone/>
             </a:pPr>
-            <a:r>
-              <a:t/>
-            </a:r>
             <a:endParaRPr/>
           </a:p>
         </p:txBody>
@@ -2287,11 +2277,11 @@
 </file>
 
 <file path=ppt/notesSlides/notesSlide9.xml><?xml version="1.0" encoding="utf-8"?>
-<p:notes xmlns:a="http://schemas.openxmlformats.org/drawingml/2006/main" xmlns:r="http://schemas.openxmlformats.org/officeDocument/2006/relationships" xmlns:mc="http://schemas.openxmlformats.org/markup-compatibility/2006" xmlns:mv="urn:schemas-microsoft-com:mac:vml" xmlns:p="http://schemas.openxmlformats.org/presentationml/2006/main" xmlns:c="http://schemas.openxmlformats.org/drawingml/2006/chart" xmlns:dgm="http://schemas.openxmlformats.org/drawingml/2006/diagram" xmlns:o="urn:schemas-microsoft-com:office:office" xmlns:v="urn:schemas-microsoft-com:vml" xmlns:pvml="urn:schemas-microsoft-com:office:powerpoint" xmlns:com="http://schemas.openxmlformats.org/drawingml/2006/compatibility" xmlns:p14="http://schemas.microsoft.com/office/powerpoint/2010/main" xmlns:p15="http://schemas.microsoft.com/office/powerpoint/2012/main" showMasterPhAnim="0" showMasterSp="0">
+<p:notes xmlns:a="http://schemas.openxmlformats.org/drawingml/2006/main" xmlns:r="http://schemas.openxmlformats.org/officeDocument/2006/relationships" xmlns:p="http://schemas.openxmlformats.org/presentationml/2006/main" showMasterSp="0" showMasterPhAnim="0">
   <p:cSld>
     <p:spTree>
       <p:nvGrpSpPr>
-        <p:cNvPr id="101" name="Shape 101"/>
+        <p:cNvPr id="1" name="Shape 101"/>
         <p:cNvGrpSpPr/>
         <p:nvPr/>
       </p:nvGrpSpPr>
@@ -2306,9 +2296,11 @@
       <p:sp>
         <p:nvSpPr>
           <p:cNvPr id="102" name="Google Shape;102;g5fd5738b5b_1_21:notes"/>
-          <p:cNvSpPr/>
+          <p:cNvSpPr>
+            <a:spLocks noGrp="1" noRot="1" noChangeAspect="1"/>
+          </p:cNvSpPr>
           <p:nvPr>
-            <p:ph idx="2" type="sldImg"/>
+            <p:ph type="sldImg" idx="2"/>
           </p:nvPr>
         </p:nvSpPr>
         <p:spPr>
@@ -2317,9 +2309,13 @@
             <a:ext cx="6096000" cy="3429000"/>
           </a:xfrm>
           <a:custGeom>
-            <a:rect b="b" l="l" r="r" t="t"/>
+            <a:avLst/>
+            <a:gdLst/>
+            <a:ahLst/>
+            <a:cxnLst/>
+            <a:rect l="l" t="t" r="r" b="b"/>
             <a:pathLst>
-              <a:path extrusionOk="0" h="120000" w="120000">
+              <a:path w="120000" h="120000" extrusionOk="0">
                 <a:moveTo>
                   <a:pt x="0" y="0"/>
                 </a:moveTo>
@@ -2341,9 +2337,11 @@
       <p:sp>
         <p:nvSpPr>
           <p:cNvPr id="103" name="Google Shape;103;g5fd5738b5b_1_21:notes"/>
-          <p:cNvSpPr txBox="1"/>
+          <p:cNvSpPr txBox="1">
+            <a:spLocks noGrp="1"/>
+          </p:cNvSpPr>
           <p:nvPr>
-            <p:ph idx="1" type="body"/>
+            <p:ph type="body" idx="1"/>
           </p:nvPr>
         </p:nvSpPr>
         <p:spPr>
@@ -2356,12 +2354,12 @@
           </a:prstGeom>
         </p:spPr>
         <p:txBody>
-          <a:bodyPr anchorCtr="0" anchor="t" bIns="91425" lIns="91425" spcFirstLastPara="1" rIns="91425" wrap="square" tIns="91425">
+          <a:bodyPr spcFirstLastPara="1" wrap="square" lIns="91425" tIns="91425" rIns="91425" bIns="91425" anchor="t" anchorCtr="0">
             <a:noAutofit/>
           </a:bodyPr>
           <a:lstStyle/>
           <a:p>
-            <a:pPr indent="0" lvl="0" marL="0" rtl="0" algn="l">
+            <a:pPr marL="0" lvl="0" indent="0" algn="l" rtl="0">
               <a:spcBef>
                 <a:spcPts val="0"/>
               </a:spcBef>
@@ -2370,9 +2368,6 @@
               </a:spcAft>
               <a:buNone/>
             </a:pPr>
-            <a:r>
-              <a:t/>
-            </a:r>
             <a:endParaRPr/>
           </a:p>
         </p:txBody>
@@ -2386,11 +2381,11 @@
 </file>
 
 <file path=ppt/slideLayouts/slideLayout1.xml><?xml version="1.0" encoding="utf-8"?>
-<p:sldLayout xmlns:a="http://schemas.openxmlformats.org/drawingml/2006/main" xmlns:r="http://schemas.openxmlformats.org/officeDocument/2006/relationships" xmlns:mc="http://schemas.openxmlformats.org/markup-compatibility/2006" xmlns:mv="urn:schemas-microsoft-com:mac:vml" xmlns:p="http://schemas.openxmlformats.org/presentationml/2006/main" xmlns:c="http://schemas.openxmlformats.org/drawingml/2006/chart" xmlns:dgm="http://schemas.openxmlformats.org/drawingml/2006/diagram" xmlns:o="urn:schemas-microsoft-com:office:office" xmlns:v="urn:schemas-microsoft-com:vml" xmlns:pvml="urn:schemas-microsoft-com:office:powerpoint" xmlns:com="http://schemas.openxmlformats.org/drawingml/2006/compatibility" xmlns:p14="http://schemas.microsoft.com/office/powerpoint/2010/main" xmlns:p15="http://schemas.microsoft.com/office/powerpoint/2012/main" matchingName="Title slide" type="title">
+<p:sldLayout xmlns:a="http://schemas.openxmlformats.org/drawingml/2006/main" xmlns:r="http://schemas.openxmlformats.org/officeDocument/2006/relationships" xmlns:p="http://schemas.openxmlformats.org/presentationml/2006/main" matchingName="Title slide" type="title">
   <p:cSld name="TITLE">
     <p:spTree>
       <p:nvGrpSpPr>
-        <p:cNvPr id="9" name="Shape 9"/>
+        <p:cNvPr id="1" name="Shape 9"/>
         <p:cNvGrpSpPr/>
         <p:nvPr/>
       </p:nvGrpSpPr>
@@ -2405,7 +2400,9 @@
       <p:sp>
         <p:nvSpPr>
           <p:cNvPr id="10" name="Google Shape;10;p2"/>
-          <p:cNvSpPr txBox="1"/>
+          <p:cNvSpPr txBox="1">
+            <a:spLocks noGrp="1"/>
+          </p:cNvSpPr>
           <p:nvPr>
             <p:ph type="ctrTitle"/>
           </p:nvPr>
@@ -2420,7 +2417,7 @@
           </a:prstGeom>
         </p:spPr>
         <p:txBody>
-          <a:bodyPr anchorCtr="0" anchor="b" bIns="91425" lIns="91425" spcFirstLastPara="1" rIns="91425" wrap="square" tIns="91425">
+          <a:bodyPr spcFirstLastPara="1" wrap="square" lIns="91425" tIns="91425" rIns="91425" bIns="91425" anchor="b" anchorCtr="0">
             <a:noAutofit/>
           </a:bodyPr>
           <a:lstStyle>
@@ -2524,15 +2521,19 @@
               <a:defRPr sz="5200"/>
             </a:lvl9pPr>
           </a:lstStyle>
-          <a:p/>
+          <a:p>
+            <a:endParaRPr/>
+          </a:p>
         </p:txBody>
       </p:sp>
       <p:sp>
         <p:nvSpPr>
           <p:cNvPr id="11" name="Google Shape;11;p2"/>
-          <p:cNvSpPr txBox="1"/>
+          <p:cNvSpPr txBox="1">
+            <a:spLocks noGrp="1"/>
+          </p:cNvSpPr>
           <p:nvPr>
-            <p:ph idx="1" type="subTitle"/>
+            <p:ph type="subTitle" idx="1"/>
           </p:nvPr>
         </p:nvSpPr>
         <p:spPr>
@@ -2545,7 +2546,7 @@
           </a:prstGeom>
         </p:spPr>
         <p:txBody>
-          <a:bodyPr anchorCtr="0" anchor="t" bIns="91425" lIns="91425" spcFirstLastPara="1" rIns="91425" wrap="square" tIns="91425">
+          <a:bodyPr spcFirstLastPara="1" wrap="square" lIns="91425" tIns="91425" rIns="91425" bIns="91425" anchor="t" anchorCtr="0">
             <a:noAutofit/>
           </a:bodyPr>
           <a:lstStyle>
@@ -2676,15 +2677,19 @@
               <a:defRPr sz="2800"/>
             </a:lvl9pPr>
           </a:lstStyle>
-          <a:p/>
+          <a:p>
+            <a:endParaRPr/>
+          </a:p>
         </p:txBody>
       </p:sp>
       <p:sp>
         <p:nvSpPr>
           <p:cNvPr id="12" name="Google Shape;12;p2"/>
-          <p:cNvSpPr txBox="1"/>
+          <p:cNvSpPr txBox="1">
+            <a:spLocks noGrp="1"/>
+          </p:cNvSpPr>
           <p:nvPr>
-            <p:ph idx="12" type="sldNum"/>
+            <p:ph type="sldNum" idx="12"/>
           </p:nvPr>
         </p:nvSpPr>
         <p:spPr>
@@ -2697,7 +2702,7 @@
           </a:prstGeom>
         </p:spPr>
         <p:txBody>
-          <a:bodyPr anchorCtr="0" anchor="ctr" bIns="91425" lIns="91425" spcFirstLastPara="1" rIns="91425" wrap="square" tIns="91425">
+          <a:bodyPr spcFirstLastPara="1" wrap="square" lIns="91425" tIns="91425" rIns="91425" bIns="91425" anchor="ctr" anchorCtr="0">
             <a:noAutofit/>
           </a:bodyPr>
           <a:lstStyle>
@@ -2739,7 +2744,7 @@
             </a:lvl9pPr>
           </a:lstStyle>
           <a:p>
-            <a:pPr indent="0" lvl="0" marL="0" rtl="0" algn="r">
+            <a:pPr marL="0" lvl="0" indent="0" algn="r" rtl="0">
               <a:spcBef>
                 <a:spcPts val="0"/>
               </a:spcBef>
@@ -2765,11 +2770,11 @@
 </file>
 
 <file path=ppt/slideLayouts/slideLayout10.xml><?xml version="1.0" encoding="utf-8"?>
-<p:sldLayout xmlns:a="http://schemas.openxmlformats.org/drawingml/2006/main" xmlns:r="http://schemas.openxmlformats.org/officeDocument/2006/relationships" xmlns:mc="http://schemas.openxmlformats.org/markup-compatibility/2006" xmlns:mv="urn:schemas-microsoft-com:mac:vml" xmlns:p="http://schemas.openxmlformats.org/presentationml/2006/main" xmlns:c="http://schemas.openxmlformats.org/drawingml/2006/chart" xmlns:dgm="http://schemas.openxmlformats.org/drawingml/2006/diagram" xmlns:o="urn:schemas-microsoft-com:office:office" xmlns:v="urn:schemas-microsoft-com:vml" xmlns:pvml="urn:schemas-microsoft-com:office:powerpoint" xmlns:com="http://schemas.openxmlformats.org/drawingml/2006/compatibility" xmlns:p14="http://schemas.microsoft.com/office/powerpoint/2010/main" xmlns:p15="http://schemas.microsoft.com/office/powerpoint/2012/main" matchingName="Big number">
+<p:sldLayout xmlns:a="http://schemas.openxmlformats.org/drawingml/2006/main" xmlns:r="http://schemas.openxmlformats.org/officeDocument/2006/relationships" xmlns:p="http://schemas.openxmlformats.org/presentationml/2006/main" matchingName="Big number">
   <p:cSld name="BIG_NUMBER">
     <p:spTree>
       <p:nvGrpSpPr>
-        <p:cNvPr id="44" name="Shape 44"/>
+        <p:cNvPr id="1" name="Shape 44"/>
         <p:cNvGrpSpPr/>
         <p:nvPr/>
       </p:nvGrpSpPr>
@@ -2784,9 +2789,11 @@
       <p:sp>
         <p:nvSpPr>
           <p:cNvPr id="45" name="Google Shape;45;p11"/>
-          <p:cNvSpPr txBox="1"/>
+          <p:cNvSpPr txBox="1">
+            <a:spLocks noGrp="1"/>
+          </p:cNvSpPr>
           <p:nvPr>
-            <p:ph hasCustomPrompt="1" type="title"/>
+            <p:ph type="title" hasCustomPrompt="1"/>
           </p:nvPr>
         </p:nvSpPr>
         <p:spPr>
@@ -2799,7 +2806,7 @@
           </a:prstGeom>
         </p:spPr>
         <p:txBody>
-          <a:bodyPr anchorCtr="0" anchor="b" bIns="91425" lIns="91425" spcFirstLastPara="1" rIns="91425" wrap="square" tIns="91425">
+          <a:bodyPr spcFirstLastPara="1" wrap="square" lIns="91425" tIns="91425" rIns="91425" bIns="91425" anchor="b" anchorCtr="0">
             <a:noAutofit/>
           </a:bodyPr>
           <a:lstStyle>
@@ -2913,9 +2920,11 @@
       <p:sp>
         <p:nvSpPr>
           <p:cNvPr id="46" name="Google Shape;46;p11"/>
-          <p:cNvSpPr txBox="1"/>
+          <p:cNvSpPr txBox="1">
+            <a:spLocks noGrp="1"/>
+          </p:cNvSpPr>
           <p:nvPr>
-            <p:ph idx="1" type="body"/>
+            <p:ph type="body" idx="1"/>
           </p:nvPr>
         </p:nvSpPr>
         <p:spPr>
@@ -2928,11 +2937,11 @@
           </a:prstGeom>
         </p:spPr>
         <p:txBody>
-          <a:bodyPr anchorCtr="0" anchor="t" bIns="91425" lIns="91425" spcFirstLastPara="1" rIns="91425" wrap="square" tIns="91425">
+          <a:bodyPr spcFirstLastPara="1" wrap="square" lIns="91425" tIns="91425" rIns="91425" bIns="91425" anchor="t" anchorCtr="0">
             <a:noAutofit/>
           </a:bodyPr>
           <a:lstStyle>
-            <a:lvl1pPr indent="-342900" lvl="0" marL="457200" algn="ctr">
+            <a:lvl1pPr marL="457200" lvl="0" indent="-342900" algn="ctr">
               <a:spcBef>
                 <a:spcPts val="0"/>
               </a:spcBef>
@@ -2943,7 +2952,7 @@
               <a:buChar char="●"/>
               <a:defRPr/>
             </a:lvl1pPr>
-            <a:lvl2pPr indent="-317500" lvl="1" marL="914400" algn="ctr">
+            <a:lvl2pPr marL="914400" lvl="1" indent="-317500" algn="ctr">
               <a:spcBef>
                 <a:spcPts val="1600"/>
               </a:spcBef>
@@ -2954,7 +2963,7 @@
               <a:buChar char="○"/>
               <a:defRPr/>
             </a:lvl2pPr>
-            <a:lvl3pPr indent="-317500" lvl="2" marL="1371600" algn="ctr">
+            <a:lvl3pPr marL="1371600" lvl="2" indent="-317500" algn="ctr">
               <a:spcBef>
                 <a:spcPts val="1600"/>
               </a:spcBef>
@@ -2965,7 +2974,7 @@
               <a:buChar char="■"/>
               <a:defRPr/>
             </a:lvl3pPr>
-            <a:lvl4pPr indent="-317500" lvl="3" marL="1828800" algn="ctr">
+            <a:lvl4pPr marL="1828800" lvl="3" indent="-317500" algn="ctr">
               <a:spcBef>
                 <a:spcPts val="1600"/>
               </a:spcBef>
@@ -2976,7 +2985,7 @@
               <a:buChar char="●"/>
               <a:defRPr/>
             </a:lvl4pPr>
-            <a:lvl5pPr indent="-317500" lvl="4" marL="2286000" algn="ctr">
+            <a:lvl5pPr marL="2286000" lvl="4" indent="-317500" algn="ctr">
               <a:spcBef>
                 <a:spcPts val="1600"/>
               </a:spcBef>
@@ -2987,7 +2996,7 @@
               <a:buChar char="○"/>
               <a:defRPr/>
             </a:lvl5pPr>
-            <a:lvl6pPr indent="-317500" lvl="5" marL="2743200" algn="ctr">
+            <a:lvl6pPr marL="2743200" lvl="5" indent="-317500" algn="ctr">
               <a:spcBef>
                 <a:spcPts val="1600"/>
               </a:spcBef>
@@ -2998,7 +3007,7 @@
               <a:buChar char="■"/>
               <a:defRPr/>
             </a:lvl6pPr>
-            <a:lvl7pPr indent="-317500" lvl="6" marL="3200400" algn="ctr">
+            <a:lvl7pPr marL="3200400" lvl="6" indent="-317500" algn="ctr">
               <a:spcBef>
                 <a:spcPts val="1600"/>
               </a:spcBef>
@@ -3009,7 +3018,7 @@
               <a:buChar char="●"/>
               <a:defRPr/>
             </a:lvl7pPr>
-            <a:lvl8pPr indent="-317500" lvl="7" marL="3657600" algn="ctr">
+            <a:lvl8pPr marL="3657600" lvl="7" indent="-317500" algn="ctr">
               <a:spcBef>
                 <a:spcPts val="1600"/>
               </a:spcBef>
@@ -3020,7 +3029,7 @@
               <a:buChar char="○"/>
               <a:defRPr/>
             </a:lvl8pPr>
-            <a:lvl9pPr indent="-317500" lvl="8" marL="4114800" algn="ctr">
+            <a:lvl9pPr marL="4114800" lvl="8" indent="-317500" algn="ctr">
               <a:spcBef>
                 <a:spcPts val="1600"/>
               </a:spcBef>
@@ -3032,15 +3041,19 @@
               <a:defRPr/>
             </a:lvl9pPr>
           </a:lstStyle>
-          <a:p/>
+          <a:p>
+            <a:endParaRPr/>
+          </a:p>
         </p:txBody>
       </p:sp>
       <p:sp>
         <p:nvSpPr>
           <p:cNvPr id="47" name="Google Shape;47;p11"/>
-          <p:cNvSpPr txBox="1"/>
+          <p:cNvSpPr txBox="1">
+            <a:spLocks noGrp="1"/>
+          </p:cNvSpPr>
           <p:nvPr>
-            <p:ph idx="12" type="sldNum"/>
+            <p:ph type="sldNum" idx="12"/>
           </p:nvPr>
         </p:nvSpPr>
         <p:spPr>
@@ -3053,7 +3066,7 @@
           </a:prstGeom>
         </p:spPr>
         <p:txBody>
-          <a:bodyPr anchorCtr="0" anchor="ctr" bIns="91425" lIns="91425" spcFirstLastPara="1" rIns="91425" wrap="square" tIns="91425">
+          <a:bodyPr spcFirstLastPara="1" wrap="square" lIns="91425" tIns="91425" rIns="91425" bIns="91425" anchor="ctr" anchorCtr="0">
             <a:noAutofit/>
           </a:bodyPr>
           <a:lstStyle>
@@ -3095,7 +3108,7 @@
             </a:lvl9pPr>
           </a:lstStyle>
           <a:p>
-            <a:pPr indent="0" lvl="0" marL="0" rtl="0" algn="r">
+            <a:pPr marL="0" lvl="0" indent="0" algn="r" rtl="0">
               <a:spcBef>
                 <a:spcPts val="0"/>
               </a:spcBef>
@@ -3121,11 +3134,11 @@
 </file>
 
 <file path=ppt/slideLayouts/slideLayout11.xml><?xml version="1.0" encoding="utf-8"?>
-<p:sldLayout xmlns:a="http://schemas.openxmlformats.org/drawingml/2006/main" xmlns:r="http://schemas.openxmlformats.org/officeDocument/2006/relationships" xmlns:mc="http://schemas.openxmlformats.org/markup-compatibility/2006" xmlns:mv="urn:schemas-microsoft-com:mac:vml" xmlns:p="http://schemas.openxmlformats.org/presentationml/2006/main" xmlns:c="http://schemas.openxmlformats.org/drawingml/2006/chart" xmlns:dgm="http://schemas.openxmlformats.org/drawingml/2006/diagram" xmlns:o="urn:schemas-microsoft-com:office:office" xmlns:v="urn:schemas-microsoft-com:vml" xmlns:pvml="urn:schemas-microsoft-com:office:powerpoint" xmlns:com="http://schemas.openxmlformats.org/drawingml/2006/compatibility" xmlns:p14="http://schemas.microsoft.com/office/powerpoint/2010/main" xmlns:p15="http://schemas.microsoft.com/office/powerpoint/2012/main" matchingName="Blank" type="blank">
+<p:sldLayout xmlns:a="http://schemas.openxmlformats.org/drawingml/2006/main" xmlns:r="http://schemas.openxmlformats.org/officeDocument/2006/relationships" xmlns:p="http://schemas.openxmlformats.org/presentationml/2006/main" matchingName="Blank" type="blank">
   <p:cSld name="BLANK">
     <p:spTree>
       <p:nvGrpSpPr>
-        <p:cNvPr id="48" name="Shape 48"/>
+        <p:cNvPr id="1" name="Shape 48"/>
         <p:cNvGrpSpPr/>
         <p:nvPr/>
       </p:nvGrpSpPr>
@@ -3140,9 +3153,11 @@
       <p:sp>
         <p:nvSpPr>
           <p:cNvPr id="49" name="Google Shape;49;p12"/>
-          <p:cNvSpPr txBox="1"/>
+          <p:cNvSpPr txBox="1">
+            <a:spLocks noGrp="1"/>
+          </p:cNvSpPr>
           <p:nvPr>
-            <p:ph idx="12" type="sldNum"/>
+            <p:ph type="sldNum" idx="12"/>
           </p:nvPr>
         </p:nvSpPr>
         <p:spPr>
@@ -3155,7 +3170,7 @@
           </a:prstGeom>
         </p:spPr>
         <p:txBody>
-          <a:bodyPr anchorCtr="0" anchor="ctr" bIns="91425" lIns="91425" spcFirstLastPara="1" rIns="91425" wrap="square" tIns="91425">
+          <a:bodyPr spcFirstLastPara="1" wrap="square" lIns="91425" tIns="91425" rIns="91425" bIns="91425" anchor="ctr" anchorCtr="0">
             <a:noAutofit/>
           </a:bodyPr>
           <a:lstStyle>
@@ -3197,7 +3212,7 @@
             </a:lvl9pPr>
           </a:lstStyle>
           <a:p>
-            <a:pPr indent="0" lvl="0" marL="0" rtl="0" algn="r">
+            <a:pPr marL="0" lvl="0" indent="0" algn="r" rtl="0">
               <a:spcBef>
                 <a:spcPts val="0"/>
               </a:spcBef>
@@ -3223,11 +3238,11 @@
 </file>
 
 <file path=ppt/slideLayouts/slideLayout2.xml><?xml version="1.0" encoding="utf-8"?>
-<p:sldLayout xmlns:a="http://schemas.openxmlformats.org/drawingml/2006/main" xmlns:r="http://schemas.openxmlformats.org/officeDocument/2006/relationships" xmlns:mc="http://schemas.openxmlformats.org/markup-compatibility/2006" xmlns:mv="urn:schemas-microsoft-com:mac:vml" xmlns:p="http://schemas.openxmlformats.org/presentationml/2006/main" xmlns:c="http://schemas.openxmlformats.org/drawingml/2006/chart" xmlns:dgm="http://schemas.openxmlformats.org/drawingml/2006/diagram" xmlns:o="urn:schemas-microsoft-com:office:office" xmlns:v="urn:schemas-microsoft-com:vml" xmlns:pvml="urn:schemas-microsoft-com:office:powerpoint" xmlns:com="http://schemas.openxmlformats.org/drawingml/2006/compatibility" xmlns:p14="http://schemas.microsoft.com/office/powerpoint/2010/main" xmlns:p15="http://schemas.microsoft.com/office/powerpoint/2012/main" matchingName="Section header" type="secHead">
+<p:sldLayout xmlns:a="http://schemas.openxmlformats.org/drawingml/2006/main" xmlns:r="http://schemas.openxmlformats.org/officeDocument/2006/relationships" xmlns:p="http://schemas.openxmlformats.org/presentationml/2006/main" matchingName="Section header" type="secHead">
   <p:cSld name="SECTION_HEADER">
     <p:spTree>
       <p:nvGrpSpPr>
-        <p:cNvPr id="13" name="Shape 13"/>
+        <p:cNvPr id="1" name="Shape 13"/>
         <p:cNvGrpSpPr/>
         <p:nvPr/>
       </p:nvGrpSpPr>
@@ -3242,7 +3257,9 @@
       <p:sp>
         <p:nvSpPr>
           <p:cNvPr id="14" name="Google Shape;14;p3"/>
-          <p:cNvSpPr txBox="1"/>
+          <p:cNvSpPr txBox="1">
+            <a:spLocks noGrp="1"/>
+          </p:cNvSpPr>
           <p:nvPr>
             <p:ph type="title"/>
           </p:nvPr>
@@ -3257,7 +3274,7 @@
           </a:prstGeom>
         </p:spPr>
         <p:txBody>
-          <a:bodyPr anchorCtr="0" anchor="ctr" bIns="91425" lIns="91425" spcFirstLastPara="1" rIns="91425" wrap="square" tIns="91425">
+          <a:bodyPr spcFirstLastPara="1" wrap="square" lIns="91425" tIns="91425" rIns="91425" bIns="91425" anchor="ctr" anchorCtr="0">
             <a:noAutofit/>
           </a:bodyPr>
           <a:lstStyle>
@@ -3361,15 +3378,19 @@
               <a:defRPr sz="3600"/>
             </a:lvl9pPr>
           </a:lstStyle>
-          <a:p/>
+          <a:p>
+            <a:endParaRPr/>
+          </a:p>
         </p:txBody>
       </p:sp>
       <p:sp>
         <p:nvSpPr>
           <p:cNvPr id="15" name="Google Shape;15;p3"/>
-          <p:cNvSpPr txBox="1"/>
+          <p:cNvSpPr txBox="1">
+            <a:spLocks noGrp="1"/>
+          </p:cNvSpPr>
           <p:nvPr>
-            <p:ph idx="12" type="sldNum"/>
+            <p:ph type="sldNum" idx="12"/>
           </p:nvPr>
         </p:nvSpPr>
         <p:spPr>
@@ -3382,7 +3403,7 @@
           </a:prstGeom>
         </p:spPr>
         <p:txBody>
-          <a:bodyPr anchorCtr="0" anchor="ctr" bIns="91425" lIns="91425" spcFirstLastPara="1" rIns="91425" wrap="square" tIns="91425">
+          <a:bodyPr spcFirstLastPara="1" wrap="square" lIns="91425" tIns="91425" rIns="91425" bIns="91425" anchor="ctr" anchorCtr="0">
             <a:noAutofit/>
           </a:bodyPr>
           <a:lstStyle>
@@ -3424,7 +3445,7 @@
             </a:lvl9pPr>
           </a:lstStyle>
           <a:p>
-            <a:pPr indent="0" lvl="0" marL="0" rtl="0" algn="r">
+            <a:pPr marL="0" lvl="0" indent="0" algn="r" rtl="0">
               <a:spcBef>
                 <a:spcPts val="0"/>
               </a:spcBef>
@@ -3450,11 +3471,11 @@
 </file>
 
 <file path=ppt/slideLayouts/slideLayout3.xml><?xml version="1.0" encoding="utf-8"?>
-<p:sldLayout xmlns:a="http://schemas.openxmlformats.org/drawingml/2006/main" xmlns:r="http://schemas.openxmlformats.org/officeDocument/2006/relationships" xmlns:mc="http://schemas.openxmlformats.org/markup-compatibility/2006" xmlns:mv="urn:schemas-microsoft-com:mac:vml" xmlns:p="http://schemas.openxmlformats.org/presentationml/2006/main" xmlns:c="http://schemas.openxmlformats.org/drawingml/2006/chart" xmlns:dgm="http://schemas.openxmlformats.org/drawingml/2006/diagram" xmlns:o="urn:schemas-microsoft-com:office:office" xmlns:v="urn:schemas-microsoft-com:vml" xmlns:pvml="urn:schemas-microsoft-com:office:powerpoint" xmlns:com="http://schemas.openxmlformats.org/drawingml/2006/compatibility" xmlns:p14="http://schemas.microsoft.com/office/powerpoint/2010/main" xmlns:p15="http://schemas.microsoft.com/office/powerpoint/2012/main" matchingName="Title and body" type="tx">
+<p:sldLayout xmlns:a="http://schemas.openxmlformats.org/drawingml/2006/main" xmlns:r="http://schemas.openxmlformats.org/officeDocument/2006/relationships" xmlns:p="http://schemas.openxmlformats.org/presentationml/2006/main" matchingName="Title and body" type="tx">
   <p:cSld name="TITLE_AND_BODY">
     <p:spTree>
       <p:nvGrpSpPr>
-        <p:cNvPr id="16" name="Shape 16"/>
+        <p:cNvPr id="1" name="Shape 16"/>
         <p:cNvGrpSpPr/>
         <p:nvPr/>
       </p:nvGrpSpPr>
@@ -3469,7 +3490,9 @@
       <p:sp>
         <p:nvSpPr>
           <p:cNvPr id="17" name="Google Shape;17;p4"/>
-          <p:cNvSpPr txBox="1"/>
+          <p:cNvSpPr txBox="1">
+            <a:spLocks noGrp="1"/>
+          </p:cNvSpPr>
           <p:nvPr>
             <p:ph type="title"/>
           </p:nvPr>
@@ -3484,7 +3507,7 @@
           </a:prstGeom>
         </p:spPr>
         <p:txBody>
-          <a:bodyPr anchorCtr="0" anchor="t" bIns="91425" lIns="91425" spcFirstLastPara="1" rIns="91425" wrap="square" tIns="91425">
+          <a:bodyPr spcFirstLastPara="1" wrap="square" lIns="91425" tIns="91425" rIns="91425" bIns="91425" anchor="t" anchorCtr="0">
             <a:noAutofit/>
           </a:bodyPr>
           <a:lstStyle>
@@ -3588,15 +3611,19 @@
               <a:defRPr/>
             </a:lvl9pPr>
           </a:lstStyle>
-          <a:p/>
+          <a:p>
+            <a:endParaRPr/>
+          </a:p>
         </p:txBody>
       </p:sp>
       <p:sp>
         <p:nvSpPr>
           <p:cNvPr id="18" name="Google Shape;18;p4"/>
-          <p:cNvSpPr txBox="1"/>
+          <p:cNvSpPr txBox="1">
+            <a:spLocks noGrp="1"/>
+          </p:cNvSpPr>
           <p:nvPr>
-            <p:ph idx="1" type="body"/>
+            <p:ph type="body" idx="1"/>
           </p:nvPr>
         </p:nvSpPr>
         <p:spPr>
@@ -3609,11 +3636,11 @@
           </a:prstGeom>
         </p:spPr>
         <p:txBody>
-          <a:bodyPr anchorCtr="0" anchor="t" bIns="91425" lIns="91425" spcFirstLastPara="1" rIns="91425" wrap="square" tIns="91425">
+          <a:bodyPr spcFirstLastPara="1" wrap="square" lIns="91425" tIns="91425" rIns="91425" bIns="91425" anchor="t" anchorCtr="0">
             <a:noAutofit/>
           </a:bodyPr>
           <a:lstStyle>
-            <a:lvl1pPr indent="-342900" lvl="0" marL="457200">
+            <a:lvl1pPr marL="457200" lvl="0" indent="-342900">
               <a:spcBef>
                 <a:spcPts val="0"/>
               </a:spcBef>
@@ -3624,7 +3651,7 @@
               <a:buChar char="●"/>
               <a:defRPr/>
             </a:lvl1pPr>
-            <a:lvl2pPr indent="-317500" lvl="1" marL="914400">
+            <a:lvl2pPr marL="914400" lvl="1" indent="-317500">
               <a:spcBef>
                 <a:spcPts val="1600"/>
               </a:spcBef>
@@ -3635,7 +3662,7 @@
               <a:buChar char="○"/>
               <a:defRPr/>
             </a:lvl2pPr>
-            <a:lvl3pPr indent="-317500" lvl="2" marL="1371600">
+            <a:lvl3pPr marL="1371600" lvl="2" indent="-317500">
               <a:spcBef>
                 <a:spcPts val="1600"/>
               </a:spcBef>
@@ -3646,7 +3673,7 @@
               <a:buChar char="■"/>
               <a:defRPr/>
             </a:lvl3pPr>
-            <a:lvl4pPr indent="-317500" lvl="3" marL="1828800">
+            <a:lvl4pPr marL="1828800" lvl="3" indent="-317500">
               <a:spcBef>
                 <a:spcPts val="1600"/>
               </a:spcBef>
@@ -3657,7 +3684,7 @@
               <a:buChar char="●"/>
               <a:defRPr/>
             </a:lvl4pPr>
-            <a:lvl5pPr indent="-317500" lvl="4" marL="2286000">
+            <a:lvl5pPr marL="2286000" lvl="4" indent="-317500">
               <a:spcBef>
                 <a:spcPts val="1600"/>
               </a:spcBef>
@@ -3668,7 +3695,7 @@
               <a:buChar char="○"/>
               <a:defRPr/>
             </a:lvl5pPr>
-            <a:lvl6pPr indent="-317500" lvl="5" marL="2743200">
+            <a:lvl6pPr marL="2743200" lvl="5" indent="-317500">
               <a:spcBef>
                 <a:spcPts val="1600"/>
               </a:spcBef>
@@ -3679,7 +3706,7 @@
               <a:buChar char="■"/>
               <a:defRPr/>
             </a:lvl6pPr>
-            <a:lvl7pPr indent="-317500" lvl="6" marL="3200400">
+            <a:lvl7pPr marL="3200400" lvl="6" indent="-317500">
               <a:spcBef>
                 <a:spcPts val="1600"/>
               </a:spcBef>
@@ -3690,7 +3717,7 @@
               <a:buChar char="●"/>
               <a:defRPr/>
             </a:lvl7pPr>
-            <a:lvl8pPr indent="-317500" lvl="7" marL="3657600">
+            <a:lvl8pPr marL="3657600" lvl="7" indent="-317500">
               <a:spcBef>
                 <a:spcPts val="1600"/>
               </a:spcBef>
@@ -3701,7 +3728,7 @@
               <a:buChar char="○"/>
               <a:defRPr/>
             </a:lvl8pPr>
-            <a:lvl9pPr indent="-317500" lvl="8" marL="4114800">
+            <a:lvl9pPr marL="4114800" lvl="8" indent="-317500">
               <a:spcBef>
                 <a:spcPts val="1600"/>
               </a:spcBef>
@@ -3713,15 +3740,19 @@
               <a:defRPr/>
             </a:lvl9pPr>
           </a:lstStyle>
-          <a:p/>
+          <a:p>
+            <a:endParaRPr/>
+          </a:p>
         </p:txBody>
       </p:sp>
       <p:sp>
         <p:nvSpPr>
           <p:cNvPr id="19" name="Google Shape;19;p4"/>
-          <p:cNvSpPr txBox="1"/>
+          <p:cNvSpPr txBox="1">
+            <a:spLocks noGrp="1"/>
+          </p:cNvSpPr>
           <p:nvPr>
-            <p:ph idx="12" type="sldNum"/>
+            <p:ph type="sldNum" idx="12"/>
           </p:nvPr>
         </p:nvSpPr>
         <p:spPr>
@@ -3734,7 +3765,7 @@
           </a:prstGeom>
         </p:spPr>
         <p:txBody>
-          <a:bodyPr anchorCtr="0" anchor="ctr" bIns="91425" lIns="91425" spcFirstLastPara="1" rIns="91425" wrap="square" tIns="91425">
+          <a:bodyPr spcFirstLastPara="1" wrap="square" lIns="91425" tIns="91425" rIns="91425" bIns="91425" anchor="ctr" anchorCtr="0">
             <a:noAutofit/>
           </a:bodyPr>
           <a:lstStyle>
@@ -3776,7 +3807,7 @@
             </a:lvl9pPr>
           </a:lstStyle>
           <a:p>
-            <a:pPr indent="0" lvl="0" marL="0" rtl="0" algn="r">
+            <a:pPr marL="0" lvl="0" indent="0" algn="r" rtl="0">
               <a:spcBef>
                 <a:spcPts val="0"/>
               </a:spcBef>
@@ -3802,11 +3833,11 @@
 </file>
 
 <file path=ppt/slideLayouts/slideLayout4.xml><?xml version="1.0" encoding="utf-8"?>
-<p:sldLayout xmlns:a="http://schemas.openxmlformats.org/drawingml/2006/main" xmlns:r="http://schemas.openxmlformats.org/officeDocument/2006/relationships" xmlns:mc="http://schemas.openxmlformats.org/markup-compatibility/2006" xmlns:mv="urn:schemas-microsoft-com:mac:vml" xmlns:p="http://schemas.openxmlformats.org/presentationml/2006/main" xmlns:c="http://schemas.openxmlformats.org/drawingml/2006/chart" xmlns:dgm="http://schemas.openxmlformats.org/drawingml/2006/diagram" xmlns:o="urn:schemas-microsoft-com:office:office" xmlns:v="urn:schemas-microsoft-com:vml" xmlns:pvml="urn:schemas-microsoft-com:office:powerpoint" xmlns:com="http://schemas.openxmlformats.org/drawingml/2006/compatibility" xmlns:p14="http://schemas.microsoft.com/office/powerpoint/2010/main" xmlns:p15="http://schemas.microsoft.com/office/powerpoint/2012/main" matchingName="Title and two columns" type="twoColTx">
+<p:sldLayout xmlns:a="http://schemas.openxmlformats.org/drawingml/2006/main" xmlns:r="http://schemas.openxmlformats.org/officeDocument/2006/relationships" xmlns:p="http://schemas.openxmlformats.org/presentationml/2006/main" matchingName="Title and two columns" type="twoColTx">
   <p:cSld name="TITLE_AND_TWO_COLUMNS">
     <p:spTree>
       <p:nvGrpSpPr>
-        <p:cNvPr id="20" name="Shape 20"/>
+        <p:cNvPr id="1" name="Shape 20"/>
         <p:cNvGrpSpPr/>
         <p:nvPr/>
       </p:nvGrpSpPr>
@@ -3821,7 +3852,9 @@
       <p:sp>
         <p:nvSpPr>
           <p:cNvPr id="21" name="Google Shape;21;p5"/>
-          <p:cNvSpPr txBox="1"/>
+          <p:cNvSpPr txBox="1">
+            <a:spLocks noGrp="1"/>
+          </p:cNvSpPr>
           <p:nvPr>
             <p:ph type="title"/>
           </p:nvPr>
@@ -3836,7 +3869,7 @@
           </a:prstGeom>
         </p:spPr>
         <p:txBody>
-          <a:bodyPr anchorCtr="0" anchor="t" bIns="91425" lIns="91425" spcFirstLastPara="1" rIns="91425" wrap="square" tIns="91425">
+          <a:bodyPr spcFirstLastPara="1" wrap="square" lIns="91425" tIns="91425" rIns="91425" bIns="91425" anchor="t" anchorCtr="0">
             <a:noAutofit/>
           </a:bodyPr>
           <a:lstStyle>
@@ -3940,15 +3973,19 @@
               <a:defRPr/>
             </a:lvl9pPr>
           </a:lstStyle>
-          <a:p/>
+          <a:p>
+            <a:endParaRPr/>
+          </a:p>
         </p:txBody>
       </p:sp>
       <p:sp>
         <p:nvSpPr>
           <p:cNvPr id="22" name="Google Shape;22;p5"/>
-          <p:cNvSpPr txBox="1"/>
+          <p:cNvSpPr txBox="1">
+            <a:spLocks noGrp="1"/>
+          </p:cNvSpPr>
           <p:nvPr>
-            <p:ph idx="1" type="body"/>
+            <p:ph type="body" idx="1"/>
           </p:nvPr>
         </p:nvSpPr>
         <p:spPr>
@@ -3961,11 +3998,11 @@
           </a:prstGeom>
         </p:spPr>
         <p:txBody>
-          <a:bodyPr anchorCtr="0" anchor="t" bIns="91425" lIns="91425" spcFirstLastPara="1" rIns="91425" wrap="square" tIns="91425">
+          <a:bodyPr spcFirstLastPara="1" wrap="square" lIns="91425" tIns="91425" rIns="91425" bIns="91425" anchor="t" anchorCtr="0">
             <a:noAutofit/>
           </a:bodyPr>
           <a:lstStyle>
-            <a:lvl1pPr indent="-317500" lvl="0" marL="457200">
+            <a:lvl1pPr marL="457200" lvl="0" indent="-317500">
               <a:spcBef>
                 <a:spcPts val="0"/>
               </a:spcBef>
@@ -3976,7 +4013,7 @@
               <a:buChar char="●"/>
               <a:defRPr sz="1400"/>
             </a:lvl1pPr>
-            <a:lvl2pPr indent="-304800" lvl="1" marL="914400">
+            <a:lvl2pPr marL="914400" lvl="1" indent="-304800">
               <a:spcBef>
                 <a:spcPts val="1600"/>
               </a:spcBef>
@@ -3987,7 +4024,7 @@
               <a:buChar char="○"/>
               <a:defRPr sz="1200"/>
             </a:lvl2pPr>
-            <a:lvl3pPr indent="-304800" lvl="2" marL="1371600">
+            <a:lvl3pPr marL="1371600" lvl="2" indent="-304800">
               <a:spcBef>
                 <a:spcPts val="1600"/>
               </a:spcBef>
@@ -3998,7 +4035,7 @@
               <a:buChar char="■"/>
               <a:defRPr sz="1200"/>
             </a:lvl3pPr>
-            <a:lvl4pPr indent="-304800" lvl="3" marL="1828800">
+            <a:lvl4pPr marL="1828800" lvl="3" indent="-304800">
               <a:spcBef>
                 <a:spcPts val="1600"/>
               </a:spcBef>
@@ -4009,7 +4046,7 @@
               <a:buChar char="●"/>
               <a:defRPr sz="1200"/>
             </a:lvl4pPr>
-            <a:lvl5pPr indent="-304800" lvl="4" marL="2286000">
+            <a:lvl5pPr marL="2286000" lvl="4" indent="-304800">
               <a:spcBef>
                 <a:spcPts val="1600"/>
               </a:spcBef>
@@ -4020,7 +4057,7 @@
               <a:buChar char="○"/>
               <a:defRPr sz="1200"/>
             </a:lvl5pPr>
-            <a:lvl6pPr indent="-304800" lvl="5" marL="2743200">
+            <a:lvl6pPr marL="2743200" lvl="5" indent="-304800">
               <a:spcBef>
                 <a:spcPts val="1600"/>
               </a:spcBef>
@@ -4031,7 +4068,7 @@
               <a:buChar char="■"/>
               <a:defRPr sz="1200"/>
             </a:lvl6pPr>
-            <a:lvl7pPr indent="-304800" lvl="6" marL="3200400">
+            <a:lvl7pPr marL="3200400" lvl="6" indent="-304800">
               <a:spcBef>
                 <a:spcPts val="1600"/>
               </a:spcBef>
@@ -4042,7 +4079,7 @@
               <a:buChar char="●"/>
               <a:defRPr sz="1200"/>
             </a:lvl7pPr>
-            <a:lvl8pPr indent="-304800" lvl="7" marL="3657600">
+            <a:lvl8pPr marL="3657600" lvl="7" indent="-304800">
               <a:spcBef>
                 <a:spcPts val="1600"/>
               </a:spcBef>
@@ -4053,7 +4090,7 @@
               <a:buChar char="○"/>
               <a:defRPr sz="1200"/>
             </a:lvl8pPr>
-            <a:lvl9pPr indent="-304800" lvl="8" marL="4114800">
+            <a:lvl9pPr marL="4114800" lvl="8" indent="-304800">
               <a:spcBef>
                 <a:spcPts val="1600"/>
               </a:spcBef>
@@ -4065,15 +4102,19 @@
               <a:defRPr sz="1200"/>
             </a:lvl9pPr>
           </a:lstStyle>
-          <a:p/>
+          <a:p>
+            <a:endParaRPr/>
+          </a:p>
         </p:txBody>
       </p:sp>
       <p:sp>
         <p:nvSpPr>
           <p:cNvPr id="23" name="Google Shape;23;p5"/>
-          <p:cNvSpPr txBox="1"/>
+          <p:cNvSpPr txBox="1">
+            <a:spLocks noGrp="1"/>
+          </p:cNvSpPr>
           <p:nvPr>
-            <p:ph idx="2" type="body"/>
+            <p:ph type="body" idx="2"/>
           </p:nvPr>
         </p:nvSpPr>
         <p:spPr>
@@ -4086,11 +4127,11 @@
           </a:prstGeom>
         </p:spPr>
         <p:txBody>
-          <a:bodyPr anchorCtr="0" anchor="t" bIns="91425" lIns="91425" spcFirstLastPara="1" rIns="91425" wrap="square" tIns="91425">
+          <a:bodyPr spcFirstLastPara="1" wrap="square" lIns="91425" tIns="91425" rIns="91425" bIns="91425" anchor="t" anchorCtr="0">
             <a:noAutofit/>
           </a:bodyPr>
           <a:lstStyle>
-            <a:lvl1pPr indent="-317500" lvl="0" marL="457200">
+            <a:lvl1pPr marL="457200" lvl="0" indent="-317500">
               <a:spcBef>
                 <a:spcPts val="0"/>
               </a:spcBef>
@@ -4101,7 +4142,7 @@
               <a:buChar char="●"/>
               <a:defRPr sz="1400"/>
             </a:lvl1pPr>
-            <a:lvl2pPr indent="-304800" lvl="1" marL="914400">
+            <a:lvl2pPr marL="914400" lvl="1" indent="-304800">
               <a:spcBef>
                 <a:spcPts val="1600"/>
               </a:spcBef>
@@ -4112,7 +4153,7 @@
               <a:buChar char="○"/>
               <a:defRPr sz="1200"/>
             </a:lvl2pPr>
-            <a:lvl3pPr indent="-304800" lvl="2" marL="1371600">
+            <a:lvl3pPr marL="1371600" lvl="2" indent="-304800">
               <a:spcBef>
                 <a:spcPts val="1600"/>
               </a:spcBef>
@@ -4123,7 +4164,7 @@
               <a:buChar char="■"/>
               <a:defRPr sz="1200"/>
             </a:lvl3pPr>
-            <a:lvl4pPr indent="-304800" lvl="3" marL="1828800">
+            <a:lvl4pPr marL="1828800" lvl="3" indent="-304800">
               <a:spcBef>
                 <a:spcPts val="1600"/>
               </a:spcBef>
@@ -4134,7 +4175,7 @@
               <a:buChar char="●"/>
               <a:defRPr sz="1200"/>
             </a:lvl4pPr>
-            <a:lvl5pPr indent="-304800" lvl="4" marL="2286000">
+            <a:lvl5pPr marL="2286000" lvl="4" indent="-304800">
               <a:spcBef>
                 <a:spcPts val="1600"/>
               </a:spcBef>
@@ -4145,7 +4186,7 @@
               <a:buChar char="○"/>
               <a:defRPr sz="1200"/>
             </a:lvl5pPr>
-            <a:lvl6pPr indent="-304800" lvl="5" marL="2743200">
+            <a:lvl6pPr marL="2743200" lvl="5" indent="-304800">
               <a:spcBef>
                 <a:spcPts val="1600"/>
               </a:spcBef>
@@ -4156,7 +4197,7 @@
               <a:buChar char="■"/>
               <a:defRPr sz="1200"/>
             </a:lvl6pPr>
-            <a:lvl7pPr indent="-304800" lvl="6" marL="3200400">
+            <a:lvl7pPr marL="3200400" lvl="6" indent="-304800">
               <a:spcBef>
                 <a:spcPts val="1600"/>
               </a:spcBef>
@@ -4167,7 +4208,7 @@
               <a:buChar char="●"/>
               <a:defRPr sz="1200"/>
             </a:lvl7pPr>
-            <a:lvl8pPr indent="-304800" lvl="7" marL="3657600">
+            <a:lvl8pPr marL="3657600" lvl="7" indent="-304800">
               <a:spcBef>
                 <a:spcPts val="1600"/>
               </a:spcBef>
@@ -4178,7 +4219,7 @@
               <a:buChar char="○"/>
               <a:defRPr sz="1200"/>
             </a:lvl8pPr>
-            <a:lvl9pPr indent="-304800" lvl="8" marL="4114800">
+            <a:lvl9pPr marL="4114800" lvl="8" indent="-304800">
               <a:spcBef>
                 <a:spcPts val="1600"/>
               </a:spcBef>
@@ -4190,15 +4231,19 @@
               <a:defRPr sz="1200"/>
             </a:lvl9pPr>
           </a:lstStyle>
-          <a:p/>
+          <a:p>
+            <a:endParaRPr/>
+          </a:p>
         </p:txBody>
       </p:sp>
       <p:sp>
         <p:nvSpPr>
           <p:cNvPr id="24" name="Google Shape;24;p5"/>
-          <p:cNvSpPr txBox="1"/>
+          <p:cNvSpPr txBox="1">
+            <a:spLocks noGrp="1"/>
+          </p:cNvSpPr>
           <p:nvPr>
-            <p:ph idx="12" type="sldNum"/>
+            <p:ph type="sldNum" idx="12"/>
           </p:nvPr>
         </p:nvSpPr>
         <p:spPr>
@@ -4211,7 +4256,7 @@
           </a:prstGeom>
         </p:spPr>
         <p:txBody>
-          <a:bodyPr anchorCtr="0" anchor="ctr" bIns="91425" lIns="91425" spcFirstLastPara="1" rIns="91425" wrap="square" tIns="91425">
+          <a:bodyPr spcFirstLastPara="1" wrap="square" lIns="91425" tIns="91425" rIns="91425" bIns="91425" anchor="ctr" anchorCtr="0">
             <a:noAutofit/>
           </a:bodyPr>
           <a:lstStyle>
@@ -4253,7 +4298,7 @@
             </a:lvl9pPr>
           </a:lstStyle>
           <a:p>
-            <a:pPr indent="0" lvl="0" marL="0" rtl="0" algn="r">
+            <a:pPr marL="0" lvl="0" indent="0" algn="r" rtl="0">
               <a:spcBef>
                 <a:spcPts val="0"/>
               </a:spcBef>
@@ -4279,11 +4324,11 @@
 </file>
 
 <file path=ppt/slideLayouts/slideLayout5.xml><?xml version="1.0" encoding="utf-8"?>
-<p:sldLayout xmlns:a="http://schemas.openxmlformats.org/drawingml/2006/main" xmlns:r="http://schemas.openxmlformats.org/officeDocument/2006/relationships" xmlns:mc="http://schemas.openxmlformats.org/markup-compatibility/2006" xmlns:mv="urn:schemas-microsoft-com:mac:vml" xmlns:p="http://schemas.openxmlformats.org/presentationml/2006/main" xmlns:c="http://schemas.openxmlformats.org/drawingml/2006/chart" xmlns:dgm="http://schemas.openxmlformats.org/drawingml/2006/diagram" xmlns:o="urn:schemas-microsoft-com:office:office" xmlns:v="urn:schemas-microsoft-com:vml" xmlns:pvml="urn:schemas-microsoft-com:office:powerpoint" xmlns:com="http://schemas.openxmlformats.org/drawingml/2006/compatibility" xmlns:p14="http://schemas.microsoft.com/office/powerpoint/2010/main" xmlns:p15="http://schemas.microsoft.com/office/powerpoint/2012/main" matchingName="Title only" type="titleOnly">
+<p:sldLayout xmlns:a="http://schemas.openxmlformats.org/drawingml/2006/main" xmlns:r="http://schemas.openxmlformats.org/officeDocument/2006/relationships" xmlns:p="http://schemas.openxmlformats.org/presentationml/2006/main" matchingName="Title only" type="titleOnly">
   <p:cSld name="TITLE_ONLY">
     <p:spTree>
       <p:nvGrpSpPr>
-        <p:cNvPr id="25" name="Shape 25"/>
+        <p:cNvPr id="1" name="Shape 25"/>
         <p:cNvGrpSpPr/>
         <p:nvPr/>
       </p:nvGrpSpPr>
@@ -4298,7 +4343,9 @@
       <p:sp>
         <p:nvSpPr>
           <p:cNvPr id="26" name="Google Shape;26;p6"/>
-          <p:cNvSpPr txBox="1"/>
+          <p:cNvSpPr txBox="1">
+            <a:spLocks noGrp="1"/>
+          </p:cNvSpPr>
           <p:nvPr>
             <p:ph type="title"/>
           </p:nvPr>
@@ -4313,7 +4360,7 @@
           </a:prstGeom>
         </p:spPr>
         <p:txBody>
-          <a:bodyPr anchorCtr="0" anchor="t" bIns="91425" lIns="91425" spcFirstLastPara="1" rIns="91425" wrap="square" tIns="91425">
+          <a:bodyPr spcFirstLastPara="1" wrap="square" lIns="91425" tIns="91425" rIns="91425" bIns="91425" anchor="t" anchorCtr="0">
             <a:noAutofit/>
           </a:bodyPr>
           <a:lstStyle>
@@ -4417,15 +4464,19 @@
               <a:defRPr/>
             </a:lvl9pPr>
           </a:lstStyle>
-          <a:p/>
+          <a:p>
+            <a:endParaRPr/>
+          </a:p>
         </p:txBody>
       </p:sp>
       <p:sp>
         <p:nvSpPr>
           <p:cNvPr id="27" name="Google Shape;27;p6"/>
-          <p:cNvSpPr txBox="1"/>
+          <p:cNvSpPr txBox="1">
+            <a:spLocks noGrp="1"/>
+          </p:cNvSpPr>
           <p:nvPr>
-            <p:ph idx="12" type="sldNum"/>
+            <p:ph type="sldNum" idx="12"/>
           </p:nvPr>
         </p:nvSpPr>
         <p:spPr>
@@ -4438,7 +4489,7 @@
           </a:prstGeom>
         </p:spPr>
         <p:txBody>
-          <a:bodyPr anchorCtr="0" anchor="ctr" bIns="91425" lIns="91425" spcFirstLastPara="1" rIns="91425" wrap="square" tIns="91425">
+          <a:bodyPr spcFirstLastPara="1" wrap="square" lIns="91425" tIns="91425" rIns="91425" bIns="91425" anchor="ctr" anchorCtr="0">
             <a:noAutofit/>
           </a:bodyPr>
           <a:lstStyle>
@@ -4480,7 +4531,7 @@
             </a:lvl9pPr>
           </a:lstStyle>
           <a:p>
-            <a:pPr indent="0" lvl="0" marL="0" rtl="0" algn="r">
+            <a:pPr marL="0" lvl="0" indent="0" algn="r" rtl="0">
               <a:spcBef>
                 <a:spcPts val="0"/>
               </a:spcBef>
@@ -4506,11 +4557,11 @@
 </file>
 
 <file path=ppt/slideLayouts/slideLayout6.xml><?xml version="1.0" encoding="utf-8"?>
-<p:sldLayout xmlns:a="http://schemas.openxmlformats.org/drawingml/2006/main" xmlns:r="http://schemas.openxmlformats.org/officeDocument/2006/relationships" xmlns:mc="http://schemas.openxmlformats.org/markup-compatibility/2006" xmlns:mv="urn:schemas-microsoft-com:mac:vml" xmlns:p="http://schemas.openxmlformats.org/presentationml/2006/main" xmlns:c="http://schemas.openxmlformats.org/drawingml/2006/chart" xmlns:dgm="http://schemas.openxmlformats.org/drawingml/2006/diagram" xmlns:o="urn:schemas-microsoft-com:office:office" xmlns:v="urn:schemas-microsoft-com:vml" xmlns:pvml="urn:schemas-microsoft-com:office:powerpoint" xmlns:com="http://schemas.openxmlformats.org/drawingml/2006/compatibility" xmlns:p14="http://schemas.microsoft.com/office/powerpoint/2010/main" xmlns:p15="http://schemas.microsoft.com/office/powerpoint/2012/main" matchingName="One column text">
+<p:sldLayout xmlns:a="http://schemas.openxmlformats.org/drawingml/2006/main" xmlns:r="http://schemas.openxmlformats.org/officeDocument/2006/relationships" xmlns:p="http://schemas.openxmlformats.org/presentationml/2006/main" matchingName="One column text">
   <p:cSld name="ONE_COLUMN_TEXT">
     <p:spTree>
       <p:nvGrpSpPr>
-        <p:cNvPr id="28" name="Shape 28"/>
+        <p:cNvPr id="1" name="Shape 28"/>
         <p:cNvGrpSpPr/>
         <p:nvPr/>
       </p:nvGrpSpPr>
@@ -4525,7 +4576,9 @@
       <p:sp>
         <p:nvSpPr>
           <p:cNvPr id="29" name="Google Shape;29;p7"/>
-          <p:cNvSpPr txBox="1"/>
+          <p:cNvSpPr txBox="1">
+            <a:spLocks noGrp="1"/>
+          </p:cNvSpPr>
           <p:nvPr>
             <p:ph type="title"/>
           </p:nvPr>
@@ -4540,7 +4593,7 @@
           </a:prstGeom>
         </p:spPr>
         <p:txBody>
-          <a:bodyPr anchorCtr="0" anchor="b" bIns="91425" lIns="91425" spcFirstLastPara="1" rIns="91425" wrap="square" tIns="91425">
+          <a:bodyPr spcFirstLastPara="1" wrap="square" lIns="91425" tIns="91425" rIns="91425" bIns="91425" anchor="b" anchorCtr="0">
             <a:noAutofit/>
           </a:bodyPr>
           <a:lstStyle>
@@ -4644,15 +4697,19 @@
               <a:defRPr sz="2400"/>
             </a:lvl9pPr>
           </a:lstStyle>
-          <a:p/>
+          <a:p>
+            <a:endParaRPr/>
+          </a:p>
         </p:txBody>
       </p:sp>
       <p:sp>
         <p:nvSpPr>
           <p:cNvPr id="30" name="Google Shape;30;p7"/>
-          <p:cNvSpPr txBox="1"/>
+          <p:cNvSpPr txBox="1">
+            <a:spLocks noGrp="1"/>
+          </p:cNvSpPr>
           <p:nvPr>
-            <p:ph idx="1" type="body"/>
+            <p:ph type="body" idx="1"/>
           </p:nvPr>
         </p:nvSpPr>
         <p:spPr>
@@ -4665,11 +4722,11 @@
           </a:prstGeom>
         </p:spPr>
         <p:txBody>
-          <a:bodyPr anchorCtr="0" anchor="t" bIns="91425" lIns="91425" spcFirstLastPara="1" rIns="91425" wrap="square" tIns="91425">
+          <a:bodyPr spcFirstLastPara="1" wrap="square" lIns="91425" tIns="91425" rIns="91425" bIns="91425" anchor="t" anchorCtr="0">
             <a:noAutofit/>
           </a:bodyPr>
           <a:lstStyle>
-            <a:lvl1pPr indent="-304800" lvl="0" marL="457200">
+            <a:lvl1pPr marL="457200" lvl="0" indent="-304800">
               <a:spcBef>
                 <a:spcPts val="0"/>
               </a:spcBef>
@@ -4680,7 +4737,7 @@
               <a:buChar char="●"/>
               <a:defRPr sz="1200"/>
             </a:lvl1pPr>
-            <a:lvl2pPr indent="-304800" lvl="1" marL="914400">
+            <a:lvl2pPr marL="914400" lvl="1" indent="-304800">
               <a:spcBef>
                 <a:spcPts val="1600"/>
               </a:spcBef>
@@ -4691,7 +4748,7 @@
               <a:buChar char="○"/>
               <a:defRPr sz="1200"/>
             </a:lvl2pPr>
-            <a:lvl3pPr indent="-304800" lvl="2" marL="1371600">
+            <a:lvl3pPr marL="1371600" lvl="2" indent="-304800">
               <a:spcBef>
                 <a:spcPts val="1600"/>
               </a:spcBef>
@@ -4702,7 +4759,7 @@
               <a:buChar char="■"/>
               <a:defRPr sz="1200"/>
             </a:lvl3pPr>
-            <a:lvl4pPr indent="-304800" lvl="3" marL="1828800">
+            <a:lvl4pPr marL="1828800" lvl="3" indent="-304800">
               <a:spcBef>
                 <a:spcPts val="1600"/>
               </a:spcBef>
@@ -4713,7 +4770,7 @@
               <a:buChar char="●"/>
               <a:defRPr sz="1200"/>
             </a:lvl4pPr>
-            <a:lvl5pPr indent="-304800" lvl="4" marL="2286000">
+            <a:lvl5pPr marL="2286000" lvl="4" indent="-304800">
               <a:spcBef>
                 <a:spcPts val="1600"/>
               </a:spcBef>
@@ -4724,7 +4781,7 @@
               <a:buChar char="○"/>
               <a:defRPr sz="1200"/>
             </a:lvl5pPr>
-            <a:lvl6pPr indent="-304800" lvl="5" marL="2743200">
+            <a:lvl6pPr marL="2743200" lvl="5" indent="-304800">
               <a:spcBef>
                 <a:spcPts val="1600"/>
               </a:spcBef>
@@ -4735,7 +4792,7 @@
               <a:buChar char="■"/>
               <a:defRPr sz="1200"/>
             </a:lvl6pPr>
-            <a:lvl7pPr indent="-304800" lvl="6" marL="3200400">
+            <a:lvl7pPr marL="3200400" lvl="6" indent="-304800">
               <a:spcBef>
                 <a:spcPts val="1600"/>
               </a:spcBef>
@@ -4746,7 +4803,7 @@
               <a:buChar char="●"/>
               <a:defRPr sz="1200"/>
             </a:lvl7pPr>
-            <a:lvl8pPr indent="-304800" lvl="7" marL="3657600">
+            <a:lvl8pPr marL="3657600" lvl="7" indent="-304800">
               <a:spcBef>
                 <a:spcPts val="1600"/>
               </a:spcBef>
@@ -4757,7 +4814,7 @@
               <a:buChar char="○"/>
               <a:defRPr sz="1200"/>
             </a:lvl8pPr>
-            <a:lvl9pPr indent="-304800" lvl="8" marL="4114800">
+            <a:lvl9pPr marL="4114800" lvl="8" indent="-304800">
               <a:spcBef>
                 <a:spcPts val="1600"/>
               </a:spcBef>
@@ -4769,15 +4826,19 @@
               <a:defRPr sz="1200"/>
             </a:lvl9pPr>
           </a:lstStyle>
-          <a:p/>
+          <a:p>
+            <a:endParaRPr/>
+          </a:p>
         </p:txBody>
       </p:sp>
       <p:sp>
         <p:nvSpPr>
           <p:cNvPr id="31" name="Google Shape;31;p7"/>
-          <p:cNvSpPr txBox="1"/>
+          <p:cNvSpPr txBox="1">
+            <a:spLocks noGrp="1"/>
+          </p:cNvSpPr>
           <p:nvPr>
-            <p:ph idx="12" type="sldNum"/>
+            <p:ph type="sldNum" idx="12"/>
           </p:nvPr>
         </p:nvSpPr>
         <p:spPr>
@@ -4790,7 +4851,7 @@
           </a:prstGeom>
         </p:spPr>
         <p:txBody>
-          <a:bodyPr anchorCtr="0" anchor="ctr" bIns="91425" lIns="91425" spcFirstLastPara="1" rIns="91425" wrap="square" tIns="91425">
+          <a:bodyPr spcFirstLastPara="1" wrap="square" lIns="91425" tIns="91425" rIns="91425" bIns="91425" anchor="ctr" anchorCtr="0">
             <a:noAutofit/>
           </a:bodyPr>
           <a:lstStyle>
@@ -4832,7 +4893,7 @@
             </a:lvl9pPr>
           </a:lstStyle>
           <a:p>
-            <a:pPr indent="0" lvl="0" marL="0" rtl="0" algn="r">
+            <a:pPr marL="0" lvl="0" indent="0" algn="r" rtl="0">
               <a:spcBef>
                 <a:spcPts val="0"/>
               </a:spcBef>
@@ -4858,11 +4919,11 @@
 </file>
 
 <file path=ppt/slideLayouts/slideLayout7.xml><?xml version="1.0" encoding="utf-8"?>
-<p:sldLayout xmlns:a="http://schemas.openxmlformats.org/drawingml/2006/main" xmlns:r="http://schemas.openxmlformats.org/officeDocument/2006/relationships" xmlns:mc="http://schemas.openxmlformats.org/markup-compatibility/2006" xmlns:mv="urn:schemas-microsoft-com:mac:vml" xmlns:p="http://schemas.openxmlformats.org/presentationml/2006/main" xmlns:c="http://schemas.openxmlformats.org/drawingml/2006/chart" xmlns:dgm="http://schemas.openxmlformats.org/drawingml/2006/diagram" xmlns:o="urn:schemas-microsoft-com:office:office" xmlns:v="urn:schemas-microsoft-com:vml" xmlns:pvml="urn:schemas-microsoft-com:office:powerpoint" xmlns:com="http://schemas.openxmlformats.org/drawingml/2006/compatibility" xmlns:p14="http://schemas.microsoft.com/office/powerpoint/2010/main" xmlns:p15="http://schemas.microsoft.com/office/powerpoint/2012/main" matchingName="Main point">
+<p:sldLayout xmlns:a="http://schemas.openxmlformats.org/drawingml/2006/main" xmlns:r="http://schemas.openxmlformats.org/officeDocument/2006/relationships" xmlns:p="http://schemas.openxmlformats.org/presentationml/2006/main" matchingName="Main point">
   <p:cSld name="MAIN_POINT">
     <p:spTree>
       <p:nvGrpSpPr>
-        <p:cNvPr id="32" name="Shape 32"/>
+        <p:cNvPr id="1" name="Shape 32"/>
         <p:cNvGrpSpPr/>
         <p:nvPr/>
       </p:nvGrpSpPr>
@@ -4877,7 +4938,9 @@
       <p:sp>
         <p:nvSpPr>
           <p:cNvPr id="33" name="Google Shape;33;p8"/>
-          <p:cNvSpPr txBox="1"/>
+          <p:cNvSpPr txBox="1">
+            <a:spLocks noGrp="1"/>
+          </p:cNvSpPr>
           <p:nvPr>
             <p:ph type="title"/>
           </p:nvPr>
@@ -4892,7 +4955,7 @@
           </a:prstGeom>
         </p:spPr>
         <p:txBody>
-          <a:bodyPr anchorCtr="0" anchor="ctr" bIns="91425" lIns="91425" spcFirstLastPara="1" rIns="91425" wrap="square" tIns="91425">
+          <a:bodyPr spcFirstLastPara="1" wrap="square" lIns="91425" tIns="91425" rIns="91425" bIns="91425" anchor="ctr" anchorCtr="0">
             <a:noAutofit/>
           </a:bodyPr>
           <a:lstStyle>
@@ -4996,15 +5059,19 @@
               <a:defRPr sz="4800"/>
             </a:lvl9pPr>
           </a:lstStyle>
-          <a:p/>
+          <a:p>
+            <a:endParaRPr/>
+          </a:p>
         </p:txBody>
       </p:sp>
       <p:sp>
         <p:nvSpPr>
           <p:cNvPr id="34" name="Google Shape;34;p8"/>
-          <p:cNvSpPr txBox="1"/>
+          <p:cNvSpPr txBox="1">
+            <a:spLocks noGrp="1"/>
+          </p:cNvSpPr>
           <p:nvPr>
-            <p:ph idx="12" type="sldNum"/>
+            <p:ph type="sldNum" idx="12"/>
           </p:nvPr>
         </p:nvSpPr>
         <p:spPr>
@@ -5017,7 +5084,7 @@
           </a:prstGeom>
         </p:spPr>
         <p:txBody>
-          <a:bodyPr anchorCtr="0" anchor="ctr" bIns="91425" lIns="91425" spcFirstLastPara="1" rIns="91425" wrap="square" tIns="91425">
+          <a:bodyPr spcFirstLastPara="1" wrap="square" lIns="91425" tIns="91425" rIns="91425" bIns="91425" anchor="ctr" anchorCtr="0">
             <a:noAutofit/>
           </a:bodyPr>
           <a:lstStyle>
@@ -5059,7 +5126,7 @@
             </a:lvl9pPr>
           </a:lstStyle>
           <a:p>
-            <a:pPr indent="0" lvl="0" marL="0" rtl="0" algn="r">
+            <a:pPr marL="0" lvl="0" indent="0" algn="r" rtl="0">
               <a:spcBef>
                 <a:spcPts val="0"/>
               </a:spcBef>
@@ -5085,11 +5152,11 @@
 </file>
 
 <file path=ppt/slideLayouts/slideLayout8.xml><?xml version="1.0" encoding="utf-8"?>
-<p:sldLayout xmlns:a="http://schemas.openxmlformats.org/drawingml/2006/main" xmlns:r="http://schemas.openxmlformats.org/officeDocument/2006/relationships" xmlns:mc="http://schemas.openxmlformats.org/markup-compatibility/2006" xmlns:mv="urn:schemas-microsoft-com:mac:vml" xmlns:p="http://schemas.openxmlformats.org/presentationml/2006/main" xmlns:c="http://schemas.openxmlformats.org/drawingml/2006/chart" xmlns:dgm="http://schemas.openxmlformats.org/drawingml/2006/diagram" xmlns:o="urn:schemas-microsoft-com:office:office" xmlns:v="urn:schemas-microsoft-com:vml" xmlns:pvml="urn:schemas-microsoft-com:office:powerpoint" xmlns:com="http://schemas.openxmlformats.org/drawingml/2006/compatibility" xmlns:p14="http://schemas.microsoft.com/office/powerpoint/2010/main" xmlns:p15="http://schemas.microsoft.com/office/powerpoint/2012/main" matchingName="Section title and description">
+<p:sldLayout xmlns:a="http://schemas.openxmlformats.org/drawingml/2006/main" xmlns:r="http://schemas.openxmlformats.org/officeDocument/2006/relationships" xmlns:p="http://schemas.openxmlformats.org/presentationml/2006/main" matchingName="Section title and description">
   <p:cSld name="SECTION_TITLE_AND_DESCRIPTION">
     <p:spTree>
       <p:nvGrpSpPr>
-        <p:cNvPr id="35" name="Shape 35"/>
+        <p:cNvPr id="1" name="Shape 35"/>
         <p:cNvGrpSpPr/>
         <p:nvPr/>
       </p:nvGrpSpPr>
@@ -5123,12 +5190,12 @@
           </a:ln>
         </p:spPr>
         <p:txBody>
-          <a:bodyPr anchorCtr="0" anchor="ctr" bIns="91425" lIns="91425" spcFirstLastPara="1" rIns="91425" wrap="square" tIns="91425">
+          <a:bodyPr spcFirstLastPara="1" wrap="square" lIns="91425" tIns="91425" rIns="91425" bIns="91425" anchor="ctr" anchorCtr="0">
             <a:noAutofit/>
           </a:bodyPr>
           <a:lstStyle/>
           <a:p>
-            <a:pPr indent="0" lvl="0" marL="0" rtl="0" algn="l">
+            <a:pPr marL="0" lvl="0" indent="0" algn="l" rtl="0">
               <a:spcBef>
                 <a:spcPts val="0"/>
               </a:spcBef>
@@ -5137,9 +5204,6 @@
               </a:spcAft>
               <a:buNone/>
             </a:pPr>
-            <a:r>
-              <a:t/>
-            </a:r>
             <a:endParaRPr/>
           </a:p>
         </p:txBody>
@@ -5147,7 +5211,9 @@
       <p:sp>
         <p:nvSpPr>
           <p:cNvPr id="37" name="Google Shape;37;p9"/>
-          <p:cNvSpPr txBox="1"/>
+          <p:cNvSpPr txBox="1">
+            <a:spLocks noGrp="1"/>
+          </p:cNvSpPr>
           <p:nvPr>
             <p:ph type="title"/>
           </p:nvPr>
@@ -5162,7 +5228,7 @@
           </a:prstGeom>
         </p:spPr>
         <p:txBody>
-          <a:bodyPr anchorCtr="0" anchor="b" bIns="91425" lIns="91425" spcFirstLastPara="1" rIns="91425" wrap="square" tIns="91425">
+          <a:bodyPr spcFirstLastPara="1" wrap="square" lIns="91425" tIns="91425" rIns="91425" bIns="91425" anchor="b" anchorCtr="0">
             <a:noAutofit/>
           </a:bodyPr>
           <a:lstStyle>
@@ -5266,15 +5332,19 @@
               <a:defRPr sz="4200"/>
             </a:lvl9pPr>
           </a:lstStyle>
-          <a:p/>
+          <a:p>
+            <a:endParaRPr/>
+          </a:p>
         </p:txBody>
       </p:sp>
       <p:sp>
         <p:nvSpPr>
           <p:cNvPr id="38" name="Google Shape;38;p9"/>
-          <p:cNvSpPr txBox="1"/>
+          <p:cNvSpPr txBox="1">
+            <a:spLocks noGrp="1"/>
+          </p:cNvSpPr>
           <p:nvPr>
-            <p:ph idx="1" type="subTitle"/>
+            <p:ph type="subTitle" idx="1"/>
           </p:nvPr>
         </p:nvSpPr>
         <p:spPr>
@@ -5287,7 +5357,7 @@
           </a:prstGeom>
         </p:spPr>
         <p:txBody>
-          <a:bodyPr anchorCtr="0" anchor="t" bIns="91425" lIns="91425" spcFirstLastPara="1" rIns="91425" wrap="square" tIns="91425">
+          <a:bodyPr spcFirstLastPara="1" wrap="square" lIns="91425" tIns="91425" rIns="91425" bIns="91425" anchor="t" anchorCtr="0">
             <a:noAutofit/>
           </a:bodyPr>
           <a:lstStyle>
@@ -5418,15 +5488,19 @@
               <a:defRPr sz="2100"/>
             </a:lvl9pPr>
           </a:lstStyle>
-          <a:p/>
+          <a:p>
+            <a:endParaRPr/>
+          </a:p>
         </p:txBody>
       </p:sp>
       <p:sp>
         <p:nvSpPr>
           <p:cNvPr id="39" name="Google Shape;39;p9"/>
-          <p:cNvSpPr txBox="1"/>
+          <p:cNvSpPr txBox="1">
+            <a:spLocks noGrp="1"/>
+          </p:cNvSpPr>
           <p:nvPr>
-            <p:ph idx="2" type="body"/>
+            <p:ph type="body" idx="2"/>
           </p:nvPr>
         </p:nvSpPr>
         <p:spPr>
@@ -5439,11 +5513,11 @@
           </a:prstGeom>
         </p:spPr>
         <p:txBody>
-          <a:bodyPr anchorCtr="0" anchor="ctr" bIns="91425" lIns="91425" spcFirstLastPara="1" rIns="91425" wrap="square" tIns="91425">
+          <a:bodyPr spcFirstLastPara="1" wrap="square" lIns="91425" tIns="91425" rIns="91425" bIns="91425" anchor="ctr" anchorCtr="0">
             <a:noAutofit/>
           </a:bodyPr>
           <a:lstStyle>
-            <a:lvl1pPr indent="-342900" lvl="0" marL="457200">
+            <a:lvl1pPr marL="457200" lvl="0" indent="-342900">
               <a:spcBef>
                 <a:spcPts val="0"/>
               </a:spcBef>
@@ -5461,7 +5535,7 @@
                 </a:solidFill>
               </a:defRPr>
             </a:lvl1pPr>
-            <a:lvl2pPr indent="-317500" lvl="1" marL="914400">
+            <a:lvl2pPr marL="914400" lvl="1" indent="-317500">
               <a:spcBef>
                 <a:spcPts val="1600"/>
               </a:spcBef>
@@ -5479,7 +5553,7 @@
                 </a:solidFill>
               </a:defRPr>
             </a:lvl2pPr>
-            <a:lvl3pPr indent="-317500" lvl="2" marL="1371600">
+            <a:lvl3pPr marL="1371600" lvl="2" indent="-317500">
               <a:spcBef>
                 <a:spcPts val="1600"/>
               </a:spcBef>
@@ -5497,7 +5571,7 @@
                 </a:solidFill>
               </a:defRPr>
             </a:lvl3pPr>
-            <a:lvl4pPr indent="-317500" lvl="3" marL="1828800">
+            <a:lvl4pPr marL="1828800" lvl="3" indent="-317500">
               <a:spcBef>
                 <a:spcPts val="1600"/>
               </a:spcBef>
@@ -5515,7 +5589,7 @@
                 </a:solidFill>
               </a:defRPr>
             </a:lvl4pPr>
-            <a:lvl5pPr indent="-317500" lvl="4" marL="2286000">
+            <a:lvl5pPr marL="2286000" lvl="4" indent="-317500">
               <a:spcBef>
                 <a:spcPts val="1600"/>
               </a:spcBef>
@@ -5533,7 +5607,7 @@
                 </a:solidFill>
               </a:defRPr>
             </a:lvl5pPr>
-            <a:lvl6pPr indent="-317500" lvl="5" marL="2743200">
+            <a:lvl6pPr marL="2743200" lvl="5" indent="-317500">
               <a:spcBef>
                 <a:spcPts val="1600"/>
               </a:spcBef>
@@ -5551,7 +5625,7 @@
                 </a:solidFill>
               </a:defRPr>
             </a:lvl6pPr>
-            <a:lvl7pPr indent="-317500" lvl="6" marL="3200400">
+            <a:lvl7pPr marL="3200400" lvl="6" indent="-317500">
               <a:spcBef>
                 <a:spcPts val="1600"/>
               </a:spcBef>
@@ -5569,7 +5643,7 @@
                 </a:solidFill>
               </a:defRPr>
             </a:lvl7pPr>
-            <a:lvl8pPr indent="-317500" lvl="7" marL="3657600">
+            <a:lvl8pPr marL="3657600" lvl="7" indent="-317500">
               <a:spcBef>
                 <a:spcPts val="1600"/>
               </a:spcBef>
@@ -5587,7 +5661,7 @@
                 </a:solidFill>
               </a:defRPr>
             </a:lvl8pPr>
-            <a:lvl9pPr indent="-317500" lvl="8" marL="4114800">
+            <a:lvl9pPr marL="4114800" lvl="8" indent="-317500">
               <a:spcBef>
                 <a:spcPts val="1600"/>
               </a:spcBef>
@@ -5606,15 +5680,19 @@
               </a:defRPr>
             </a:lvl9pPr>
           </a:lstStyle>
-          <a:p/>
+          <a:p>
+            <a:endParaRPr/>
+          </a:p>
         </p:txBody>
       </p:sp>
       <p:sp>
         <p:nvSpPr>
           <p:cNvPr id="40" name="Google Shape;40;p9"/>
-          <p:cNvSpPr txBox="1"/>
+          <p:cNvSpPr txBox="1">
+            <a:spLocks noGrp="1"/>
+          </p:cNvSpPr>
           <p:nvPr>
-            <p:ph idx="12" type="sldNum"/>
+            <p:ph type="sldNum" idx="12"/>
           </p:nvPr>
         </p:nvSpPr>
         <p:spPr>
@@ -5627,7 +5705,7 @@
           </a:prstGeom>
         </p:spPr>
         <p:txBody>
-          <a:bodyPr anchorCtr="0" anchor="ctr" bIns="91425" lIns="91425" spcFirstLastPara="1" rIns="91425" wrap="square" tIns="91425">
+          <a:bodyPr spcFirstLastPara="1" wrap="square" lIns="91425" tIns="91425" rIns="91425" bIns="91425" anchor="ctr" anchorCtr="0">
             <a:noAutofit/>
           </a:bodyPr>
           <a:lstStyle>
@@ -5669,7 +5747,7 @@
             </a:lvl9pPr>
           </a:lstStyle>
           <a:p>
-            <a:pPr indent="0" lvl="0" marL="0" rtl="0" algn="r">
+            <a:pPr marL="0" lvl="0" indent="0" algn="r" rtl="0">
               <a:spcBef>
                 <a:spcPts val="0"/>
               </a:spcBef>
@@ -5695,11 +5773,11 @@
 </file>
 
 <file path=ppt/slideLayouts/slideLayout9.xml><?xml version="1.0" encoding="utf-8"?>
-<p:sldLayout xmlns:a="http://schemas.openxmlformats.org/drawingml/2006/main" xmlns:r="http://schemas.openxmlformats.org/officeDocument/2006/relationships" xmlns:mc="http://schemas.openxmlformats.org/markup-compatibility/2006" xmlns:mv="urn:schemas-microsoft-com:mac:vml" xmlns:p="http://schemas.openxmlformats.org/presentationml/2006/main" xmlns:c="http://schemas.openxmlformats.org/drawingml/2006/chart" xmlns:dgm="http://schemas.openxmlformats.org/drawingml/2006/diagram" xmlns:o="urn:schemas-microsoft-com:office:office" xmlns:v="urn:schemas-microsoft-com:vml" xmlns:pvml="urn:schemas-microsoft-com:office:powerpoint" xmlns:com="http://schemas.openxmlformats.org/drawingml/2006/compatibility" xmlns:p14="http://schemas.microsoft.com/office/powerpoint/2010/main" xmlns:p15="http://schemas.microsoft.com/office/powerpoint/2012/main" matchingName="Caption">
+<p:sldLayout xmlns:a="http://schemas.openxmlformats.org/drawingml/2006/main" xmlns:r="http://schemas.openxmlformats.org/officeDocument/2006/relationships" xmlns:p="http://schemas.openxmlformats.org/presentationml/2006/main" matchingName="Caption">
   <p:cSld name="CAPTION_ONLY">
     <p:spTree>
       <p:nvGrpSpPr>
-        <p:cNvPr id="41" name="Shape 41"/>
+        <p:cNvPr id="1" name="Shape 41"/>
         <p:cNvGrpSpPr/>
         <p:nvPr/>
       </p:nvGrpSpPr>
@@ -5714,9 +5792,11 @@
       <p:sp>
         <p:nvSpPr>
           <p:cNvPr id="42" name="Google Shape;42;p10"/>
-          <p:cNvSpPr txBox="1"/>
+          <p:cNvSpPr txBox="1">
+            <a:spLocks noGrp="1"/>
+          </p:cNvSpPr>
           <p:nvPr>
-            <p:ph idx="1" type="body"/>
+            <p:ph type="body" idx="1"/>
           </p:nvPr>
         </p:nvSpPr>
         <p:spPr>
@@ -5729,11 +5809,11 @@
           </a:prstGeom>
         </p:spPr>
         <p:txBody>
-          <a:bodyPr anchorCtr="0" anchor="ctr" bIns="91425" lIns="91425" spcFirstLastPara="1" rIns="91425" wrap="square" tIns="91425">
+          <a:bodyPr spcFirstLastPara="1" wrap="square" lIns="91425" tIns="91425" rIns="91425" bIns="91425" anchor="ctr" anchorCtr="0">
             <a:noAutofit/>
           </a:bodyPr>
           <a:lstStyle>
-            <a:lvl1pPr indent="-228600" lvl="0" marL="457200">
+            <a:lvl1pPr marL="457200" lvl="0" indent="-228600">
               <a:lnSpc>
                 <a:spcPct val="100000"/>
               </a:lnSpc>
@@ -5748,15 +5828,19 @@
               <a:defRPr/>
             </a:lvl1pPr>
           </a:lstStyle>
-          <a:p/>
+          <a:p>
+            <a:endParaRPr/>
+          </a:p>
         </p:txBody>
       </p:sp>
       <p:sp>
         <p:nvSpPr>
           <p:cNvPr id="43" name="Google Shape;43;p10"/>
-          <p:cNvSpPr txBox="1"/>
+          <p:cNvSpPr txBox="1">
+            <a:spLocks noGrp="1"/>
+          </p:cNvSpPr>
           <p:nvPr>
-            <p:ph idx="12" type="sldNum"/>
+            <p:ph type="sldNum" idx="12"/>
           </p:nvPr>
         </p:nvSpPr>
         <p:spPr>
@@ -5769,7 +5853,7 @@
           </a:prstGeom>
         </p:spPr>
         <p:txBody>
-          <a:bodyPr anchorCtr="0" anchor="ctr" bIns="91425" lIns="91425" spcFirstLastPara="1" rIns="91425" wrap="square" tIns="91425">
+          <a:bodyPr spcFirstLastPara="1" wrap="square" lIns="91425" tIns="91425" rIns="91425" bIns="91425" anchor="ctr" anchorCtr="0">
             <a:noAutofit/>
           </a:bodyPr>
           <a:lstStyle>
@@ -5811,7 +5895,7 @@
             </a:lvl9pPr>
           </a:lstStyle>
           <a:p>
-            <a:pPr indent="0" lvl="0" marL="0" rtl="0" algn="r">
+            <a:pPr marL="0" lvl="0" indent="0" algn="r" rtl="0">
               <a:spcBef>
                 <a:spcPts val="0"/>
               </a:spcBef>
@@ -5837,18 +5921,19 @@
 </file>
 
 <file path=ppt/slideMasters/slideMaster1.xml><?xml version="1.0" encoding="utf-8"?>
-<p:sldMaster xmlns:a="http://schemas.openxmlformats.org/drawingml/2006/main" xmlns:r="http://schemas.openxmlformats.org/officeDocument/2006/relationships" xmlns:mc="http://schemas.openxmlformats.org/markup-compatibility/2006" xmlns:mv="urn:schemas-microsoft-com:mac:vml" xmlns:p="http://schemas.openxmlformats.org/presentationml/2006/main" xmlns:c="http://schemas.openxmlformats.org/drawingml/2006/chart" xmlns:dgm="http://schemas.openxmlformats.org/drawingml/2006/diagram" xmlns:o="urn:schemas-microsoft-com:office:office" xmlns:v="urn:schemas-microsoft-com:vml" xmlns:pvml="urn:schemas-microsoft-com:office:powerpoint" xmlns:com="http://schemas.openxmlformats.org/drawingml/2006/compatibility" xmlns:p14="http://schemas.microsoft.com/office/powerpoint/2010/main" xmlns:p15="http://schemas.microsoft.com/office/powerpoint/2012/main">
+<p:sldMaster xmlns:a="http://schemas.openxmlformats.org/drawingml/2006/main" xmlns:r="http://schemas.openxmlformats.org/officeDocument/2006/relationships" xmlns:p="http://schemas.openxmlformats.org/presentationml/2006/main">
   <p:cSld name="simple-dark-2">
     <p:bg>
       <p:bgPr>
         <a:solidFill>
           <a:schemeClr val="lt1"/>
         </a:solidFill>
+        <a:effectLst/>
       </p:bgPr>
     </p:bg>
     <p:spTree>
       <p:nvGrpSpPr>
-        <p:cNvPr id="5" name="Shape 5"/>
+        <p:cNvPr id="1" name="Shape 5"/>
         <p:cNvGrpSpPr/>
         <p:nvPr/>
       </p:nvGrpSpPr>
@@ -5863,7 +5948,9 @@
       <p:sp>
         <p:nvSpPr>
           <p:cNvPr id="6" name="Google Shape;6;p1"/>
-          <p:cNvSpPr txBox="1"/>
+          <p:cNvSpPr txBox="1">
+            <a:spLocks noGrp="1"/>
+          </p:cNvSpPr>
           <p:nvPr>
             <p:ph type="title"/>
           </p:nvPr>
@@ -5882,7 +5969,7 @@
           </a:ln>
         </p:spPr>
         <p:txBody>
-          <a:bodyPr anchorCtr="0" anchor="t" bIns="91425" lIns="91425" spcFirstLastPara="1" rIns="91425" wrap="square" tIns="91425">
+          <a:bodyPr spcFirstLastPara="1" wrap="square" lIns="91425" tIns="91425" rIns="91425" bIns="91425" anchor="t" anchorCtr="0">
             <a:noAutofit/>
           </a:bodyPr>
           <a:lstStyle>
@@ -6049,15 +6136,19 @@
               </a:defRPr>
             </a:lvl9pPr>
           </a:lstStyle>
-          <a:p/>
+          <a:p>
+            <a:endParaRPr/>
+          </a:p>
         </p:txBody>
       </p:sp>
       <p:sp>
         <p:nvSpPr>
           <p:cNvPr id="7" name="Google Shape;7;p1"/>
-          <p:cNvSpPr txBox="1"/>
+          <p:cNvSpPr txBox="1">
+            <a:spLocks noGrp="1"/>
+          </p:cNvSpPr>
           <p:nvPr>
-            <p:ph idx="1" type="body"/>
+            <p:ph type="body" idx="1"/>
           </p:nvPr>
         </p:nvSpPr>
         <p:spPr>
@@ -6074,11 +6165,11 @@
           </a:ln>
         </p:spPr>
         <p:txBody>
-          <a:bodyPr anchorCtr="0" anchor="t" bIns="91425" lIns="91425" spcFirstLastPara="1" rIns="91425" wrap="square" tIns="91425">
+          <a:bodyPr spcFirstLastPara="1" wrap="square" lIns="91425" tIns="91425" rIns="91425" bIns="91425" anchor="t" anchorCtr="0">
             <a:noAutofit/>
           </a:bodyPr>
           <a:lstStyle>
-            <a:lvl1pPr indent="-342900" lvl="0" marL="457200">
+            <a:lvl1pPr marL="457200" lvl="0" indent="-342900">
               <a:lnSpc>
                 <a:spcPct val="115000"/>
               </a:lnSpc>
@@ -6099,7 +6190,7 @@
                 </a:solidFill>
               </a:defRPr>
             </a:lvl1pPr>
-            <a:lvl2pPr indent="-317500" lvl="1" marL="914400">
+            <a:lvl2pPr marL="914400" lvl="1" indent="-317500">
               <a:lnSpc>
                 <a:spcPct val="115000"/>
               </a:lnSpc>
@@ -6120,7 +6211,7 @@
                 </a:solidFill>
               </a:defRPr>
             </a:lvl2pPr>
-            <a:lvl3pPr indent="-317500" lvl="2" marL="1371600">
+            <a:lvl3pPr marL="1371600" lvl="2" indent="-317500">
               <a:lnSpc>
                 <a:spcPct val="115000"/>
               </a:lnSpc>
@@ -6141,7 +6232,7 @@
                 </a:solidFill>
               </a:defRPr>
             </a:lvl3pPr>
-            <a:lvl4pPr indent="-317500" lvl="3" marL="1828800">
+            <a:lvl4pPr marL="1828800" lvl="3" indent="-317500">
               <a:lnSpc>
                 <a:spcPct val="115000"/>
               </a:lnSpc>
@@ -6162,7 +6253,7 @@
                 </a:solidFill>
               </a:defRPr>
             </a:lvl4pPr>
-            <a:lvl5pPr indent="-317500" lvl="4" marL="2286000">
+            <a:lvl5pPr marL="2286000" lvl="4" indent="-317500">
               <a:lnSpc>
                 <a:spcPct val="115000"/>
               </a:lnSpc>
@@ -6183,7 +6274,7 @@
                 </a:solidFill>
               </a:defRPr>
             </a:lvl5pPr>
-            <a:lvl6pPr indent="-317500" lvl="5" marL="2743200">
+            <a:lvl6pPr marL="2743200" lvl="5" indent="-317500">
               <a:lnSpc>
                 <a:spcPct val="115000"/>
               </a:lnSpc>
@@ -6204,7 +6295,7 @@
                 </a:solidFill>
               </a:defRPr>
             </a:lvl6pPr>
-            <a:lvl7pPr indent="-317500" lvl="6" marL="3200400">
+            <a:lvl7pPr marL="3200400" lvl="6" indent="-317500">
               <a:lnSpc>
                 <a:spcPct val="115000"/>
               </a:lnSpc>
@@ -6225,7 +6316,7 @@
                 </a:solidFill>
               </a:defRPr>
             </a:lvl7pPr>
-            <a:lvl8pPr indent="-317500" lvl="7" marL="3657600">
+            <a:lvl8pPr marL="3657600" lvl="7" indent="-317500">
               <a:lnSpc>
                 <a:spcPct val="115000"/>
               </a:lnSpc>
@@ -6246,7 +6337,7 @@
                 </a:solidFill>
               </a:defRPr>
             </a:lvl8pPr>
-            <a:lvl9pPr indent="-317500" lvl="8" marL="4114800">
+            <a:lvl9pPr marL="4114800" lvl="8" indent="-317500">
               <a:lnSpc>
                 <a:spcPct val="115000"/>
               </a:lnSpc>
@@ -6268,15 +6359,19 @@
               </a:defRPr>
             </a:lvl9pPr>
           </a:lstStyle>
-          <a:p/>
+          <a:p>
+            <a:endParaRPr/>
+          </a:p>
         </p:txBody>
       </p:sp>
       <p:sp>
         <p:nvSpPr>
           <p:cNvPr id="8" name="Google Shape;8;p1"/>
-          <p:cNvSpPr txBox="1"/>
+          <p:cNvSpPr txBox="1">
+            <a:spLocks noGrp="1"/>
+          </p:cNvSpPr>
           <p:nvPr>
-            <p:ph idx="12" type="sldNum"/>
+            <p:ph type="sldNum" idx="12"/>
           </p:nvPr>
         </p:nvSpPr>
         <p:spPr>
@@ -6293,7 +6388,7 @@
           </a:ln>
         </p:spPr>
         <p:txBody>
-          <a:bodyPr anchorCtr="0" anchor="ctr" bIns="91425" lIns="91425" spcFirstLastPara="1" rIns="91425" wrap="square" tIns="91425">
+          <a:bodyPr spcFirstLastPara="1" wrap="square" lIns="91425" tIns="91425" rIns="91425" bIns="91425" anchor="ctr" anchorCtr="0">
             <a:noAutofit/>
           </a:bodyPr>
           <a:lstStyle>
@@ -6371,7 +6466,7 @@
             </a:lvl9pPr>
           </a:lstStyle>
           <a:p>
-            <a:pPr indent="0" lvl="0" marL="0" rtl="0" algn="r">
+            <a:pPr marL="0" lvl="0" indent="0" algn="r" rtl="0">
               <a:spcBef>
                 <a:spcPts val="0"/>
               </a:spcBef>
@@ -6390,7 +6485,7 @@
       </p:sp>
     </p:spTree>
   </p:cSld>
-  <p:clrMap accent1="accent1" accent2="accent2" accent3="accent3" accent4="accent4" accent5="accent5" accent6="accent6" bg1="lt1" bg2="dk2" tx1="dk1" tx2="lt2" folHlink="folHlink" hlink="hlink"/>
+  <p:clrMap bg1="lt1" tx1="dk1" bg2="dk2" tx2="lt2" accent1="accent1" accent2="accent2" accent3="accent3" accent4="accent4" accent5="accent5" accent6="accent6" hlink="hlink" folHlink="folHlink"/>
   <p:sldLayoutIdLst>
     <p:sldLayoutId id="2147483648" r:id="rId1"/>
     <p:sldLayoutId id="2147483649" r:id="rId2"/>
@@ -6404,10 +6499,10 @@
     <p:sldLayoutId id="2147483657" r:id="rId10"/>
     <p:sldLayoutId id="2147483658" r:id="rId11"/>
   </p:sldLayoutIdLst>
-  <p:hf dt="0" ftr="0" hdr="0" sldNum="0"/>
+  <p:hf sldNum="0" hdr="0" ftr="0" dt="0"/>
   <p:txStyles>
     <p:titleStyle>
-      <a:defPPr lvl="0" marR="0" rtl="0" algn="l">
+      <a:defPPr marR="0" lvl="0" algn="l" rtl="0">
         <a:lnSpc>
           <a:spcPct val="100000"/>
         </a:lnSpc>
@@ -6418,7 +6513,7 @@
           <a:spcPts val="0"/>
         </a:spcAft>
       </a:defPPr>
-      <a:lvl1pPr lvl="0" marR="0" rtl="0" algn="l">
+      <a:lvl1pPr marR="0" lvl="0" algn="l" rtl="0">
         <a:lnSpc>
           <a:spcPct val="100000"/>
         </a:lnSpc>
@@ -6432,7 +6527,7 @@
           <a:srgbClr val="000000"/>
         </a:buClr>
         <a:buFont typeface="Arial"/>
-        <a:defRPr b="0" i="0" sz="1400" u="none" cap="none" strike="noStrike">
+        <a:defRPr sz="1400" b="0" i="0" u="none" strike="noStrike" cap="none">
           <a:solidFill>
             <a:srgbClr val="000000"/>
           </a:solidFill>
@@ -6442,7 +6537,7 @@
           <a:sym typeface="Arial"/>
         </a:defRPr>
       </a:lvl1pPr>
-      <a:lvl2pPr lvl="1" marR="0" rtl="0" algn="l">
+      <a:lvl2pPr marR="0" lvl="1" algn="l" rtl="0">
         <a:lnSpc>
           <a:spcPct val="100000"/>
         </a:lnSpc>
@@ -6456,7 +6551,7 @@
           <a:srgbClr val="000000"/>
         </a:buClr>
         <a:buFont typeface="Arial"/>
-        <a:defRPr b="0" i="0" sz="1400" u="none" cap="none" strike="noStrike">
+        <a:defRPr sz="1400" b="0" i="0" u="none" strike="noStrike" cap="none">
           <a:solidFill>
             <a:srgbClr val="000000"/>
           </a:solidFill>
@@ -6466,7 +6561,7 @@
           <a:sym typeface="Arial"/>
         </a:defRPr>
       </a:lvl2pPr>
-      <a:lvl3pPr lvl="2" marR="0" rtl="0" algn="l">
+      <a:lvl3pPr marR="0" lvl="2" algn="l" rtl="0">
         <a:lnSpc>
           <a:spcPct val="100000"/>
         </a:lnSpc>
@@ -6480,7 +6575,7 @@
           <a:srgbClr val="000000"/>
         </a:buClr>
         <a:buFont typeface="Arial"/>
-        <a:defRPr b="0" i="0" sz="1400" u="none" cap="none" strike="noStrike">
+        <a:defRPr sz="1400" b="0" i="0" u="none" strike="noStrike" cap="none">
           <a:solidFill>
             <a:srgbClr val="000000"/>
           </a:solidFill>
@@ -6490,7 +6585,7 @@
           <a:sym typeface="Arial"/>
         </a:defRPr>
       </a:lvl3pPr>
-      <a:lvl4pPr lvl="3" marR="0" rtl="0" algn="l">
+      <a:lvl4pPr marR="0" lvl="3" algn="l" rtl="0">
         <a:lnSpc>
           <a:spcPct val="100000"/>
         </a:lnSpc>
@@ -6504,7 +6599,7 @@
           <a:srgbClr val="000000"/>
         </a:buClr>
         <a:buFont typeface="Arial"/>
-        <a:defRPr b="0" i="0" sz="1400" u="none" cap="none" strike="noStrike">
+        <a:defRPr sz="1400" b="0" i="0" u="none" strike="noStrike" cap="none">
           <a:solidFill>
             <a:srgbClr val="000000"/>
           </a:solidFill>
@@ -6514,7 +6609,7 @@
           <a:sym typeface="Arial"/>
         </a:defRPr>
       </a:lvl4pPr>
-      <a:lvl5pPr lvl="4" marR="0" rtl="0" algn="l">
+      <a:lvl5pPr marR="0" lvl="4" algn="l" rtl="0">
         <a:lnSpc>
           <a:spcPct val="100000"/>
         </a:lnSpc>
@@ -6528,7 +6623,7 @@
           <a:srgbClr val="000000"/>
         </a:buClr>
         <a:buFont typeface="Arial"/>
-        <a:defRPr b="0" i="0" sz="1400" u="none" cap="none" strike="noStrike">
+        <a:defRPr sz="1400" b="0" i="0" u="none" strike="noStrike" cap="none">
           <a:solidFill>
             <a:srgbClr val="000000"/>
           </a:solidFill>
@@ -6538,7 +6633,7 @@
           <a:sym typeface="Arial"/>
         </a:defRPr>
       </a:lvl5pPr>
-      <a:lvl6pPr lvl="5" marR="0" rtl="0" algn="l">
+      <a:lvl6pPr marR="0" lvl="5" algn="l" rtl="0">
         <a:lnSpc>
           <a:spcPct val="100000"/>
         </a:lnSpc>
@@ -6552,7 +6647,7 @@
           <a:srgbClr val="000000"/>
         </a:buClr>
         <a:buFont typeface="Arial"/>
-        <a:defRPr b="0" i="0" sz="1400" u="none" cap="none" strike="noStrike">
+        <a:defRPr sz="1400" b="0" i="0" u="none" strike="noStrike" cap="none">
           <a:solidFill>
             <a:srgbClr val="000000"/>
           </a:solidFill>
@@ -6562,7 +6657,7 @@
           <a:sym typeface="Arial"/>
         </a:defRPr>
       </a:lvl6pPr>
-      <a:lvl7pPr lvl="6" marR="0" rtl="0" algn="l">
+      <a:lvl7pPr marR="0" lvl="6" algn="l" rtl="0">
         <a:lnSpc>
           <a:spcPct val="100000"/>
         </a:lnSpc>
@@ -6576,7 +6671,7 @@
           <a:srgbClr val="000000"/>
         </a:buClr>
         <a:buFont typeface="Arial"/>
-        <a:defRPr b="0" i="0" sz="1400" u="none" cap="none" strike="noStrike">
+        <a:defRPr sz="1400" b="0" i="0" u="none" strike="noStrike" cap="none">
           <a:solidFill>
             <a:srgbClr val="000000"/>
           </a:solidFill>
@@ -6586,7 +6681,7 @@
           <a:sym typeface="Arial"/>
         </a:defRPr>
       </a:lvl7pPr>
-      <a:lvl8pPr lvl="7" marR="0" rtl="0" algn="l">
+      <a:lvl8pPr marR="0" lvl="7" algn="l" rtl="0">
         <a:lnSpc>
           <a:spcPct val="100000"/>
         </a:lnSpc>
@@ -6600,7 +6695,7 @@
           <a:srgbClr val="000000"/>
         </a:buClr>
         <a:buFont typeface="Arial"/>
-        <a:defRPr b="0" i="0" sz="1400" u="none" cap="none" strike="noStrike">
+        <a:defRPr sz="1400" b="0" i="0" u="none" strike="noStrike" cap="none">
           <a:solidFill>
             <a:srgbClr val="000000"/>
           </a:solidFill>
@@ -6610,7 +6705,7 @@
           <a:sym typeface="Arial"/>
         </a:defRPr>
       </a:lvl8pPr>
-      <a:lvl9pPr lvl="8" marR="0" rtl="0" algn="l">
+      <a:lvl9pPr marR="0" lvl="8" algn="l" rtl="0">
         <a:lnSpc>
           <a:spcPct val="100000"/>
         </a:lnSpc>
@@ -6624,7 +6719,7 @@
           <a:srgbClr val="000000"/>
         </a:buClr>
         <a:buFont typeface="Arial"/>
-        <a:defRPr b="0" i="0" sz="1400" u="none" cap="none" strike="noStrike">
+        <a:defRPr sz="1400" b="0" i="0" u="none" strike="noStrike" cap="none">
           <a:solidFill>
             <a:srgbClr val="000000"/>
           </a:solidFill>
@@ -6636,7 +6731,7 @@
       </a:lvl9pPr>
     </p:titleStyle>
     <p:bodyStyle>
-      <a:defPPr lvl="0" marR="0" rtl="0" algn="l">
+      <a:defPPr marR="0" lvl="0" algn="l" rtl="0">
         <a:lnSpc>
           <a:spcPct val="100000"/>
         </a:lnSpc>
@@ -6647,7 +6742,7 @@
           <a:spcPts val="0"/>
         </a:spcAft>
       </a:defPPr>
-      <a:lvl1pPr lvl="0" marR="0" rtl="0" algn="l">
+      <a:lvl1pPr marR="0" lvl="0" algn="l" rtl="0">
         <a:lnSpc>
           <a:spcPct val="100000"/>
         </a:lnSpc>
@@ -6661,7 +6756,7 @@
           <a:srgbClr val="000000"/>
         </a:buClr>
         <a:buFont typeface="Arial"/>
-        <a:defRPr b="0" i="0" sz="1400" u="none" cap="none" strike="noStrike">
+        <a:defRPr sz="1400" b="0" i="0" u="none" strike="noStrike" cap="none">
           <a:solidFill>
             <a:srgbClr val="000000"/>
           </a:solidFill>
@@ -6671,7 +6766,7 @@
           <a:sym typeface="Arial"/>
         </a:defRPr>
       </a:lvl1pPr>
-      <a:lvl2pPr lvl="1" marR="0" rtl="0" algn="l">
+      <a:lvl2pPr marR="0" lvl="1" algn="l" rtl="0">
         <a:lnSpc>
           <a:spcPct val="100000"/>
         </a:lnSpc>
@@ -6685,7 +6780,7 @@
           <a:srgbClr val="000000"/>
         </a:buClr>
         <a:buFont typeface="Arial"/>
-        <a:defRPr b="0" i="0" sz="1400" u="none" cap="none" strike="noStrike">
+        <a:defRPr sz="1400" b="0" i="0" u="none" strike="noStrike" cap="none">
           <a:solidFill>
             <a:srgbClr val="000000"/>
           </a:solidFill>
@@ -6695,7 +6790,7 @@
           <a:sym typeface="Arial"/>
         </a:defRPr>
       </a:lvl2pPr>
-      <a:lvl3pPr lvl="2" marR="0" rtl="0" algn="l">
+      <a:lvl3pPr marR="0" lvl="2" algn="l" rtl="0">
         <a:lnSpc>
           <a:spcPct val="100000"/>
         </a:lnSpc>
@@ -6709,7 +6804,7 @@
           <a:srgbClr val="000000"/>
         </a:buClr>
         <a:buFont typeface="Arial"/>
-        <a:defRPr b="0" i="0" sz="1400" u="none" cap="none" strike="noStrike">
+        <a:defRPr sz="1400" b="0" i="0" u="none" strike="noStrike" cap="none">
           <a:solidFill>
             <a:srgbClr val="000000"/>
           </a:solidFill>
@@ -6719,7 +6814,7 @@
           <a:sym typeface="Arial"/>
         </a:defRPr>
       </a:lvl3pPr>
-      <a:lvl4pPr lvl="3" marR="0" rtl="0" algn="l">
+      <a:lvl4pPr marR="0" lvl="3" algn="l" rtl="0">
         <a:lnSpc>
           <a:spcPct val="100000"/>
         </a:lnSpc>
@@ -6733,7 +6828,7 @@
           <a:srgbClr val="000000"/>
         </a:buClr>
         <a:buFont typeface="Arial"/>
-        <a:defRPr b="0" i="0" sz="1400" u="none" cap="none" strike="noStrike">
+        <a:defRPr sz="1400" b="0" i="0" u="none" strike="noStrike" cap="none">
           <a:solidFill>
             <a:srgbClr val="000000"/>
           </a:solidFill>
@@ -6743,7 +6838,7 @@
           <a:sym typeface="Arial"/>
         </a:defRPr>
       </a:lvl4pPr>
-      <a:lvl5pPr lvl="4" marR="0" rtl="0" algn="l">
+      <a:lvl5pPr marR="0" lvl="4" algn="l" rtl="0">
         <a:lnSpc>
           <a:spcPct val="100000"/>
         </a:lnSpc>
@@ -6757,7 +6852,7 @@
           <a:srgbClr val="000000"/>
         </a:buClr>
         <a:buFont typeface="Arial"/>
-        <a:defRPr b="0" i="0" sz="1400" u="none" cap="none" strike="noStrike">
+        <a:defRPr sz="1400" b="0" i="0" u="none" strike="noStrike" cap="none">
           <a:solidFill>
             <a:srgbClr val="000000"/>
           </a:solidFill>
@@ -6767,7 +6862,7 @@
           <a:sym typeface="Arial"/>
         </a:defRPr>
       </a:lvl5pPr>
-      <a:lvl6pPr lvl="5" marR="0" rtl="0" algn="l">
+      <a:lvl6pPr marR="0" lvl="5" algn="l" rtl="0">
         <a:lnSpc>
           <a:spcPct val="100000"/>
         </a:lnSpc>
@@ -6781,7 +6876,7 @@
           <a:srgbClr val="000000"/>
         </a:buClr>
         <a:buFont typeface="Arial"/>
-        <a:defRPr b="0" i="0" sz="1400" u="none" cap="none" strike="noStrike">
+        <a:defRPr sz="1400" b="0" i="0" u="none" strike="noStrike" cap="none">
           <a:solidFill>
             <a:srgbClr val="000000"/>
           </a:solidFill>
@@ -6791,7 +6886,7 @@
           <a:sym typeface="Arial"/>
         </a:defRPr>
       </a:lvl6pPr>
-      <a:lvl7pPr lvl="6" marR="0" rtl="0" algn="l">
+      <a:lvl7pPr marR="0" lvl="6" algn="l" rtl="0">
         <a:lnSpc>
           <a:spcPct val="100000"/>
         </a:lnSpc>
@@ -6805,7 +6900,7 @@
           <a:srgbClr val="000000"/>
         </a:buClr>
         <a:buFont typeface="Arial"/>
-        <a:defRPr b="0" i="0" sz="1400" u="none" cap="none" strike="noStrike">
+        <a:defRPr sz="1400" b="0" i="0" u="none" strike="noStrike" cap="none">
           <a:solidFill>
             <a:srgbClr val="000000"/>
           </a:solidFill>
@@ -6815,7 +6910,7 @@
           <a:sym typeface="Arial"/>
         </a:defRPr>
       </a:lvl7pPr>
-      <a:lvl8pPr lvl="7" marR="0" rtl="0" algn="l">
+      <a:lvl8pPr marR="0" lvl="7" algn="l" rtl="0">
         <a:lnSpc>
           <a:spcPct val="100000"/>
         </a:lnSpc>
@@ -6829,7 +6924,7 @@
           <a:srgbClr val="000000"/>
         </a:buClr>
         <a:buFont typeface="Arial"/>
-        <a:defRPr b="0" i="0" sz="1400" u="none" cap="none" strike="noStrike">
+        <a:defRPr sz="1400" b="0" i="0" u="none" strike="noStrike" cap="none">
           <a:solidFill>
             <a:srgbClr val="000000"/>
           </a:solidFill>
@@ -6839,7 +6934,7 @@
           <a:sym typeface="Arial"/>
         </a:defRPr>
       </a:lvl8pPr>
-      <a:lvl9pPr lvl="8" marR="0" rtl="0" algn="l">
+      <a:lvl9pPr marR="0" lvl="8" algn="l" rtl="0">
         <a:lnSpc>
           <a:spcPct val="100000"/>
         </a:lnSpc>
@@ -6853,7 +6948,7 @@
           <a:srgbClr val="000000"/>
         </a:buClr>
         <a:buFont typeface="Arial"/>
-        <a:defRPr b="0" i="0" sz="1400" u="none" cap="none" strike="noStrike">
+        <a:defRPr sz="1400" b="0" i="0" u="none" strike="noStrike" cap="none">
           <a:solidFill>
             <a:srgbClr val="000000"/>
           </a:solidFill>
@@ -6865,7 +6960,7 @@
       </a:lvl9pPr>
     </p:bodyStyle>
     <p:otherStyle>
-      <a:defPPr lvl="0" marR="0" rtl="0" algn="l">
+      <a:defPPr marR="0" lvl="0" algn="l" rtl="0">
         <a:lnSpc>
           <a:spcPct val="100000"/>
         </a:lnSpc>
@@ -6876,7 +6971,7 @@
           <a:spcPts val="0"/>
         </a:spcAft>
       </a:defPPr>
-      <a:lvl1pPr lvl="0" marR="0" rtl="0" algn="l">
+      <a:lvl1pPr marR="0" lvl="0" algn="l" rtl="0">
         <a:lnSpc>
           <a:spcPct val="100000"/>
         </a:lnSpc>
@@ -6890,7 +6985,7 @@
           <a:srgbClr val="000000"/>
         </a:buClr>
         <a:buFont typeface="Arial"/>
-        <a:defRPr b="0" i="0" sz="1400" u="none" cap="none" strike="noStrike">
+        <a:defRPr sz="1400" b="0" i="0" u="none" strike="noStrike" cap="none">
           <a:solidFill>
             <a:srgbClr val="000000"/>
           </a:solidFill>
@@ -6900,7 +6995,7 @@
           <a:sym typeface="Arial"/>
         </a:defRPr>
       </a:lvl1pPr>
-      <a:lvl2pPr lvl="1" marR="0" rtl="0" algn="l">
+      <a:lvl2pPr marR="0" lvl="1" algn="l" rtl="0">
         <a:lnSpc>
           <a:spcPct val="100000"/>
         </a:lnSpc>
@@ -6914,7 +7009,7 @@
           <a:srgbClr val="000000"/>
         </a:buClr>
         <a:buFont typeface="Arial"/>
-        <a:defRPr b="0" i="0" sz="1400" u="none" cap="none" strike="noStrike">
+        <a:defRPr sz="1400" b="0" i="0" u="none" strike="noStrike" cap="none">
           <a:solidFill>
             <a:srgbClr val="000000"/>
           </a:solidFill>
@@ -6924,7 +7019,7 @@
           <a:sym typeface="Arial"/>
         </a:defRPr>
       </a:lvl2pPr>
-      <a:lvl3pPr lvl="2" marR="0" rtl="0" algn="l">
+      <a:lvl3pPr marR="0" lvl="2" algn="l" rtl="0">
         <a:lnSpc>
           <a:spcPct val="100000"/>
         </a:lnSpc>
@@ -6938,7 +7033,7 @@
           <a:srgbClr val="000000"/>
         </a:buClr>
         <a:buFont typeface="Arial"/>
-        <a:defRPr b="0" i="0" sz="1400" u="none" cap="none" strike="noStrike">
+        <a:defRPr sz="1400" b="0" i="0" u="none" strike="noStrike" cap="none">
           <a:solidFill>
             <a:srgbClr val="000000"/>
           </a:solidFill>
@@ -6948,7 +7043,7 @@
           <a:sym typeface="Arial"/>
         </a:defRPr>
       </a:lvl3pPr>
-      <a:lvl4pPr lvl="3" marR="0" rtl="0" algn="l">
+      <a:lvl4pPr marR="0" lvl="3" algn="l" rtl="0">
         <a:lnSpc>
           <a:spcPct val="100000"/>
         </a:lnSpc>
@@ -6962,7 +7057,7 @@
           <a:srgbClr val="000000"/>
         </a:buClr>
         <a:buFont typeface="Arial"/>
-        <a:defRPr b="0" i="0" sz="1400" u="none" cap="none" strike="noStrike">
+        <a:defRPr sz="1400" b="0" i="0" u="none" strike="noStrike" cap="none">
           <a:solidFill>
             <a:srgbClr val="000000"/>
           </a:solidFill>
@@ -6972,7 +7067,7 @@
           <a:sym typeface="Arial"/>
         </a:defRPr>
       </a:lvl4pPr>
-      <a:lvl5pPr lvl="4" marR="0" rtl="0" algn="l">
+      <a:lvl5pPr marR="0" lvl="4" algn="l" rtl="0">
         <a:lnSpc>
           <a:spcPct val="100000"/>
         </a:lnSpc>
@@ -6986,7 +7081,7 @@
           <a:srgbClr val="000000"/>
         </a:buClr>
         <a:buFont typeface="Arial"/>
-        <a:defRPr b="0" i="0" sz="1400" u="none" cap="none" strike="noStrike">
+        <a:defRPr sz="1400" b="0" i="0" u="none" strike="noStrike" cap="none">
           <a:solidFill>
             <a:srgbClr val="000000"/>
           </a:solidFill>
@@ -6996,7 +7091,7 @@
           <a:sym typeface="Arial"/>
         </a:defRPr>
       </a:lvl5pPr>
-      <a:lvl6pPr lvl="5" marR="0" rtl="0" algn="l">
+      <a:lvl6pPr marR="0" lvl="5" algn="l" rtl="0">
         <a:lnSpc>
           <a:spcPct val="100000"/>
         </a:lnSpc>
@@ -7010,7 +7105,7 @@
           <a:srgbClr val="000000"/>
         </a:buClr>
         <a:buFont typeface="Arial"/>
-        <a:defRPr b="0" i="0" sz="1400" u="none" cap="none" strike="noStrike">
+        <a:defRPr sz="1400" b="0" i="0" u="none" strike="noStrike" cap="none">
           <a:solidFill>
             <a:srgbClr val="000000"/>
           </a:solidFill>
@@ -7020,7 +7115,7 @@
           <a:sym typeface="Arial"/>
         </a:defRPr>
       </a:lvl6pPr>
-      <a:lvl7pPr lvl="6" marR="0" rtl="0" algn="l">
+      <a:lvl7pPr marR="0" lvl="6" algn="l" rtl="0">
         <a:lnSpc>
           <a:spcPct val="100000"/>
         </a:lnSpc>
@@ -7034,7 +7129,7 @@
           <a:srgbClr val="000000"/>
         </a:buClr>
         <a:buFont typeface="Arial"/>
-        <a:defRPr b="0" i="0" sz="1400" u="none" cap="none" strike="noStrike">
+        <a:defRPr sz="1400" b="0" i="0" u="none" strike="noStrike" cap="none">
           <a:solidFill>
             <a:srgbClr val="000000"/>
           </a:solidFill>
@@ -7044,7 +7139,7 @@
           <a:sym typeface="Arial"/>
         </a:defRPr>
       </a:lvl7pPr>
-      <a:lvl8pPr lvl="7" marR="0" rtl="0" algn="l">
+      <a:lvl8pPr marR="0" lvl="7" algn="l" rtl="0">
         <a:lnSpc>
           <a:spcPct val="100000"/>
         </a:lnSpc>
@@ -7058,7 +7153,7 @@
           <a:srgbClr val="000000"/>
         </a:buClr>
         <a:buFont typeface="Arial"/>
-        <a:defRPr b="0" i="0" sz="1400" u="none" cap="none" strike="noStrike">
+        <a:defRPr sz="1400" b="0" i="0" u="none" strike="noStrike" cap="none">
           <a:solidFill>
             <a:srgbClr val="000000"/>
           </a:solidFill>
@@ -7068,7 +7163,7 @@
           <a:sym typeface="Arial"/>
         </a:defRPr>
       </a:lvl8pPr>
-      <a:lvl9pPr lvl="8" marR="0" rtl="0" algn="l">
+      <a:lvl9pPr marR="0" lvl="8" algn="l" rtl="0">
         <a:lnSpc>
           <a:spcPct val="100000"/>
         </a:lnSpc>
@@ -7082,7 +7177,7 @@
           <a:srgbClr val="000000"/>
         </a:buClr>
         <a:buFont typeface="Arial"/>
-        <a:defRPr b="0" i="0" sz="1400" u="none" cap="none" strike="noStrike">
+        <a:defRPr sz="1400" b="0" i="0" u="none" strike="noStrike" cap="none">
           <a:solidFill>
             <a:srgbClr val="000000"/>
           </a:solidFill>
@@ -7098,11 +7193,11 @@
 </file>
 
 <file path=ppt/slides/slide1.xml><?xml version="1.0" encoding="utf-8"?>
-<p:sld xmlns:a="http://schemas.openxmlformats.org/drawingml/2006/main" xmlns:r="http://schemas.openxmlformats.org/officeDocument/2006/relationships" xmlns:mc="http://schemas.openxmlformats.org/markup-compatibility/2006" xmlns:mv="urn:schemas-microsoft-com:mac:vml" xmlns:p="http://schemas.openxmlformats.org/presentationml/2006/main" xmlns:c="http://schemas.openxmlformats.org/drawingml/2006/chart" xmlns:dgm="http://schemas.openxmlformats.org/drawingml/2006/diagram" xmlns:o="urn:schemas-microsoft-com:office:office" xmlns:v="urn:schemas-microsoft-com:vml" xmlns:pvml="urn:schemas-microsoft-com:office:powerpoint" xmlns:com="http://schemas.openxmlformats.org/drawingml/2006/compatibility" xmlns:p14="http://schemas.microsoft.com/office/powerpoint/2010/main" xmlns:p15="http://schemas.microsoft.com/office/powerpoint/2012/main">
+<p:sld xmlns:a="http://schemas.openxmlformats.org/drawingml/2006/main" xmlns:r="http://schemas.openxmlformats.org/officeDocument/2006/relationships" xmlns:p="http://schemas.openxmlformats.org/presentationml/2006/main">
   <p:cSld>
     <p:spTree>
       <p:nvGrpSpPr>
-        <p:cNvPr id="53" name="Shape 53"/>
+        <p:cNvPr id="1" name="Shape 53"/>
         <p:cNvGrpSpPr/>
         <p:nvPr/>
       </p:nvGrpSpPr>
@@ -7117,7 +7212,9 @@
       <p:sp>
         <p:nvSpPr>
           <p:cNvPr id="54" name="Google Shape;54;p13"/>
-          <p:cNvSpPr txBox="1"/>
+          <p:cNvSpPr txBox="1">
+            <a:spLocks noGrp="1"/>
+          </p:cNvSpPr>
           <p:nvPr>
             <p:ph type="ctrTitle"/>
           </p:nvPr>
@@ -7132,12 +7229,12 @@
           </a:prstGeom>
         </p:spPr>
         <p:txBody>
-          <a:bodyPr anchorCtr="0" anchor="b" bIns="91425" lIns="91425" spcFirstLastPara="1" rIns="91425" wrap="square" tIns="91425">
+          <a:bodyPr spcFirstLastPara="1" wrap="square" lIns="91425" tIns="91425" rIns="91425" bIns="91425" anchor="b" anchorCtr="0">
             <a:noAutofit/>
           </a:bodyPr>
           <a:lstStyle/>
           <a:p>
-            <a:pPr indent="0" lvl="0" marL="0" rtl="0" algn="ctr">
+            <a:pPr marL="0" lvl="0" indent="0" algn="ctr" rtl="0">
               <a:spcBef>
                 <a:spcPts val="0"/>
               </a:spcBef>
@@ -7157,9 +7254,11 @@
       <p:sp>
         <p:nvSpPr>
           <p:cNvPr id="55" name="Google Shape;55;p13"/>
-          <p:cNvSpPr txBox="1"/>
+          <p:cNvSpPr txBox="1">
+            <a:spLocks noGrp="1"/>
+          </p:cNvSpPr>
           <p:nvPr>
-            <p:ph idx="1" type="subTitle"/>
+            <p:ph type="subTitle" idx="1"/>
           </p:nvPr>
         </p:nvSpPr>
         <p:spPr>
@@ -7172,12 +7271,12 @@
           </a:prstGeom>
         </p:spPr>
         <p:txBody>
-          <a:bodyPr anchorCtr="0" anchor="t" bIns="91425" lIns="91425" spcFirstLastPara="1" rIns="91425" wrap="square" tIns="91425">
+          <a:bodyPr spcFirstLastPara="1" wrap="square" lIns="91425" tIns="91425" rIns="91425" bIns="91425" anchor="t" anchorCtr="0">
             <a:noAutofit/>
           </a:bodyPr>
           <a:lstStyle/>
           <a:p>
-            <a:pPr indent="0" lvl="0" marL="0" rtl="0" algn="ctr">
+            <a:pPr marL="0" lvl="0" indent="0" algn="ctr" rtl="0">
               <a:spcBef>
                 <a:spcPts val="0"/>
               </a:spcBef>
@@ -7186,9 +7285,6 @@
               </a:spcAft>
               <a:buNone/>
             </a:pPr>
-            <a:r>
-              <a:t/>
-            </a:r>
             <a:endParaRPr/>
           </a:p>
         </p:txBody>
@@ -7202,11 +7298,11 @@
 </file>
 
 <file path=ppt/slides/slide10.xml><?xml version="1.0" encoding="utf-8"?>
-<p:sld xmlns:a="http://schemas.openxmlformats.org/drawingml/2006/main" xmlns:r="http://schemas.openxmlformats.org/officeDocument/2006/relationships" xmlns:mc="http://schemas.openxmlformats.org/markup-compatibility/2006" xmlns:mv="urn:schemas-microsoft-com:mac:vml" xmlns:p="http://schemas.openxmlformats.org/presentationml/2006/main" xmlns:c="http://schemas.openxmlformats.org/drawingml/2006/chart" xmlns:dgm="http://schemas.openxmlformats.org/drawingml/2006/diagram" xmlns:o="urn:schemas-microsoft-com:office:office" xmlns:v="urn:schemas-microsoft-com:vml" xmlns:pvml="urn:schemas-microsoft-com:office:powerpoint" xmlns:com="http://schemas.openxmlformats.org/drawingml/2006/compatibility" xmlns:p14="http://schemas.microsoft.com/office/powerpoint/2010/main" xmlns:p15="http://schemas.microsoft.com/office/powerpoint/2012/main">
+<p:sld xmlns:a="http://schemas.openxmlformats.org/drawingml/2006/main" xmlns:r="http://schemas.openxmlformats.org/officeDocument/2006/relationships" xmlns:p="http://schemas.openxmlformats.org/presentationml/2006/main">
   <p:cSld>
     <p:spTree>
       <p:nvGrpSpPr>
-        <p:cNvPr id="110" name="Shape 110"/>
+        <p:cNvPr id="1" name="Shape 110"/>
         <p:cNvGrpSpPr/>
         <p:nvPr/>
       </p:nvGrpSpPr>
@@ -7221,7 +7317,9 @@
       <p:sp>
         <p:nvSpPr>
           <p:cNvPr id="111" name="Google Shape;111;p22"/>
-          <p:cNvSpPr txBox="1"/>
+          <p:cNvSpPr txBox="1">
+            <a:spLocks noGrp="1"/>
+          </p:cNvSpPr>
           <p:nvPr>
             <p:ph type="title"/>
           </p:nvPr>
@@ -7236,12 +7334,12 @@
           </a:prstGeom>
         </p:spPr>
         <p:txBody>
-          <a:bodyPr anchorCtr="0" anchor="t" bIns="91425" lIns="91425" spcFirstLastPara="1" rIns="91425" wrap="square" tIns="91425">
+          <a:bodyPr spcFirstLastPara="1" wrap="square" lIns="91425" tIns="91425" rIns="91425" bIns="91425" anchor="t" anchorCtr="0">
             <a:noAutofit/>
           </a:bodyPr>
           <a:lstStyle/>
           <a:p>
-            <a:pPr indent="0" lvl="0" marL="0" rtl="0" algn="l">
+            <a:pPr marL="0" lvl="0" indent="0" algn="l" rtl="0">
               <a:spcBef>
                 <a:spcPts val="0"/>
               </a:spcBef>
@@ -7250,9 +7348,6 @@
               </a:spcAft>
               <a:buNone/>
             </a:pPr>
-            <a:r>
-              <a:t/>
-            </a:r>
             <a:endParaRPr/>
           </a:p>
         </p:txBody>
@@ -7260,9 +7355,11 @@
       <p:sp>
         <p:nvSpPr>
           <p:cNvPr id="112" name="Google Shape;112;p22"/>
-          <p:cNvSpPr txBox="1"/>
+          <p:cNvSpPr txBox="1">
+            <a:spLocks noGrp="1"/>
+          </p:cNvSpPr>
           <p:nvPr>
-            <p:ph idx="1" type="body"/>
+            <p:ph type="body" idx="1"/>
           </p:nvPr>
         </p:nvSpPr>
         <p:spPr>
@@ -7275,12 +7372,12 @@
           </a:prstGeom>
         </p:spPr>
         <p:txBody>
-          <a:bodyPr anchorCtr="0" anchor="t" bIns="91425" lIns="91425" spcFirstLastPara="1" rIns="91425" wrap="square" tIns="91425">
+          <a:bodyPr spcFirstLastPara="1" wrap="square" lIns="91425" tIns="91425" rIns="91425" bIns="91425" anchor="t" anchorCtr="0">
             <a:noAutofit/>
           </a:bodyPr>
           <a:lstStyle/>
           <a:p>
-            <a:pPr indent="0" lvl="0" marL="0" rtl="0" algn="l">
+            <a:pPr marL="0" lvl="0" indent="0" algn="l" rtl="0">
               <a:spcBef>
                 <a:spcPts val="0"/>
               </a:spcBef>
@@ -7289,9 +7386,6 @@
               </a:spcAft>
               <a:buNone/>
             </a:pPr>
-            <a:r>
-              <a:t/>
-            </a:r>
             <a:endParaRPr/>
           </a:p>
         </p:txBody>
@@ -7333,11 +7427,11 @@
 </file>
 
 <file path=ppt/slides/slide11.xml><?xml version="1.0" encoding="utf-8"?>
-<p:sld xmlns:a="http://schemas.openxmlformats.org/drawingml/2006/main" xmlns:r="http://schemas.openxmlformats.org/officeDocument/2006/relationships" xmlns:mc="http://schemas.openxmlformats.org/markup-compatibility/2006" xmlns:mv="urn:schemas-microsoft-com:mac:vml" xmlns:p="http://schemas.openxmlformats.org/presentationml/2006/main" xmlns:c="http://schemas.openxmlformats.org/drawingml/2006/chart" xmlns:dgm="http://schemas.openxmlformats.org/drawingml/2006/diagram" xmlns:o="urn:schemas-microsoft-com:office:office" xmlns:v="urn:schemas-microsoft-com:vml" xmlns:pvml="urn:schemas-microsoft-com:office:powerpoint" xmlns:com="http://schemas.openxmlformats.org/drawingml/2006/compatibility" xmlns:p14="http://schemas.microsoft.com/office/powerpoint/2010/main" xmlns:p15="http://schemas.microsoft.com/office/powerpoint/2012/main">
+<p:sld xmlns:a="http://schemas.openxmlformats.org/drawingml/2006/main" xmlns:r="http://schemas.openxmlformats.org/officeDocument/2006/relationships" xmlns:p="http://schemas.openxmlformats.org/presentationml/2006/main">
   <p:cSld>
     <p:spTree>
       <p:nvGrpSpPr>
-        <p:cNvPr id="117" name="Shape 117"/>
+        <p:cNvPr id="1" name="Shape 117"/>
         <p:cNvGrpSpPr/>
         <p:nvPr/>
       </p:nvGrpSpPr>
@@ -7352,7 +7446,9 @@
       <p:sp>
         <p:nvSpPr>
           <p:cNvPr id="118" name="Google Shape;118;p23"/>
-          <p:cNvSpPr txBox="1"/>
+          <p:cNvSpPr txBox="1">
+            <a:spLocks noGrp="1"/>
+          </p:cNvSpPr>
           <p:nvPr>
             <p:ph type="title"/>
           </p:nvPr>
@@ -7367,12 +7463,12 @@
           </a:prstGeom>
         </p:spPr>
         <p:txBody>
-          <a:bodyPr anchorCtr="0" anchor="t" bIns="91425" lIns="91425" spcFirstLastPara="1" rIns="91425" wrap="square" tIns="91425">
+          <a:bodyPr spcFirstLastPara="1" wrap="square" lIns="91425" tIns="91425" rIns="91425" bIns="91425" anchor="t" anchorCtr="0">
             <a:noAutofit/>
           </a:bodyPr>
           <a:lstStyle/>
           <a:p>
-            <a:pPr indent="0" lvl="0" marL="0" rtl="0" algn="l">
+            <a:pPr marL="0" lvl="0" indent="0" algn="l" rtl="0">
               <a:spcBef>
                 <a:spcPts val="0"/>
               </a:spcBef>
@@ -7392,9 +7488,11 @@
       <p:sp>
         <p:nvSpPr>
           <p:cNvPr id="119" name="Google Shape;119;p23"/>
-          <p:cNvSpPr txBox="1"/>
+          <p:cNvSpPr txBox="1">
+            <a:spLocks noGrp="1"/>
+          </p:cNvSpPr>
           <p:nvPr>
-            <p:ph idx="1" type="body"/>
+            <p:ph type="body" idx="1"/>
           </p:nvPr>
         </p:nvSpPr>
         <p:spPr>
@@ -7407,12 +7505,12 @@
           </a:prstGeom>
         </p:spPr>
         <p:txBody>
-          <a:bodyPr anchorCtr="0" anchor="t" bIns="91425" lIns="91425" spcFirstLastPara="1" rIns="91425" wrap="square" tIns="91425">
+          <a:bodyPr spcFirstLastPara="1" wrap="square" lIns="91425" tIns="91425" rIns="91425" bIns="91425" anchor="t" anchorCtr="0">
             <a:noAutofit/>
           </a:bodyPr>
           <a:lstStyle/>
           <a:p>
-            <a:pPr indent="-342900" lvl="0" marL="457200" rtl="0" algn="l">
+            <a:pPr marL="457200" lvl="0" indent="-342900" algn="l" rtl="0">
               <a:lnSpc>
                 <a:spcPct val="150000"/>
               </a:lnSpc>
@@ -7432,7 +7530,7 @@
             <a:endParaRPr/>
           </a:p>
           <a:p>
-            <a:pPr indent="-342900" lvl="0" marL="457200" rtl="0" algn="l">
+            <a:pPr marL="457200" lvl="0" indent="-342900" algn="l" rtl="0">
               <a:lnSpc>
                 <a:spcPct val="150000"/>
               </a:lnSpc>
@@ -7452,7 +7550,7 @@
             <a:endParaRPr/>
           </a:p>
           <a:p>
-            <a:pPr indent="-342900" lvl="0" marL="457200" rtl="0" algn="l">
+            <a:pPr marL="457200" lvl="0" indent="-342900" algn="l" rtl="0">
               <a:lnSpc>
                 <a:spcPct val="150000"/>
               </a:lnSpc>
@@ -7472,7 +7570,7 @@
             <a:endParaRPr/>
           </a:p>
           <a:p>
-            <a:pPr indent="-342900" lvl="0" marL="457200" rtl="0" algn="l">
+            <a:pPr marL="457200" lvl="0" indent="-342900" algn="l" rtl="0">
               <a:lnSpc>
                 <a:spcPct val="150000"/>
               </a:lnSpc>
@@ -7492,7 +7590,7 @@
             <a:endParaRPr/>
           </a:p>
           <a:p>
-            <a:pPr indent="0" lvl="0" marL="457200" rtl="0" algn="l">
+            <a:pPr marL="457200" lvl="0" indent="0" algn="l" rtl="0">
               <a:lnSpc>
                 <a:spcPct val="150000"/>
               </a:lnSpc>
@@ -7504,9 +7602,6 @@
               </a:spcAft>
               <a:buNone/>
             </a:pPr>
-            <a:r>
-              <a:t/>
-            </a:r>
             <a:endParaRPr/>
           </a:p>
         </p:txBody>
@@ -7520,11 +7615,11 @@
 </file>
 
 <file path=ppt/slides/slide12.xml><?xml version="1.0" encoding="utf-8"?>
-<p:sld xmlns:a="http://schemas.openxmlformats.org/drawingml/2006/main" xmlns:r="http://schemas.openxmlformats.org/officeDocument/2006/relationships" xmlns:mc="http://schemas.openxmlformats.org/markup-compatibility/2006" xmlns:mv="urn:schemas-microsoft-com:mac:vml" xmlns:p="http://schemas.openxmlformats.org/presentationml/2006/main" xmlns:c="http://schemas.openxmlformats.org/drawingml/2006/chart" xmlns:dgm="http://schemas.openxmlformats.org/drawingml/2006/diagram" xmlns:o="urn:schemas-microsoft-com:office:office" xmlns:v="urn:schemas-microsoft-com:vml" xmlns:pvml="urn:schemas-microsoft-com:office:powerpoint" xmlns:com="http://schemas.openxmlformats.org/drawingml/2006/compatibility" xmlns:p14="http://schemas.microsoft.com/office/powerpoint/2010/main" xmlns:p15="http://schemas.microsoft.com/office/powerpoint/2012/main">
+<p:sld xmlns:a="http://schemas.openxmlformats.org/drawingml/2006/main" xmlns:r="http://schemas.openxmlformats.org/officeDocument/2006/relationships" xmlns:p="http://schemas.openxmlformats.org/presentationml/2006/main">
   <p:cSld>
     <p:spTree>
       <p:nvGrpSpPr>
-        <p:cNvPr id="123" name="Shape 123"/>
+        <p:cNvPr id="1" name="Shape 130"/>
         <p:cNvGrpSpPr/>
         <p:nvPr/>
       </p:nvGrpSpPr>
@@ -7538,8 +7633,10 @@
       </p:grpSpPr>
       <p:sp>
         <p:nvSpPr>
-          <p:cNvPr id="124" name="Google Shape;124;p24"/>
-          <p:cNvSpPr txBox="1"/>
+          <p:cNvPr id="131" name="Google Shape;131;p25"/>
+          <p:cNvSpPr txBox="1">
+            <a:spLocks noGrp="1"/>
+          </p:cNvSpPr>
           <p:nvPr>
             <p:ph type="title"/>
           </p:nvPr>
@@ -7554,12 +7651,12 @@
           </a:prstGeom>
         </p:spPr>
         <p:txBody>
-          <a:bodyPr anchorCtr="0" anchor="t" bIns="91425" lIns="91425" spcFirstLastPara="1" rIns="91425" wrap="square" tIns="91425">
+          <a:bodyPr spcFirstLastPara="1" wrap="square" lIns="91425" tIns="91425" rIns="91425" bIns="91425" anchor="t" anchorCtr="0">
             <a:noAutofit/>
           </a:bodyPr>
           <a:lstStyle/>
           <a:p>
-            <a:pPr indent="0" lvl="0" marL="0" rtl="0" algn="l">
+            <a:pPr marL="0" lvl="0" indent="0" algn="l" rtl="0">
               <a:spcBef>
                 <a:spcPts val="0"/>
               </a:spcBef>
@@ -7568,19 +7665,18 @@
               </a:spcAft>
               <a:buNone/>
             </a:pPr>
-            <a:r>
-              <a:t/>
-            </a:r>
             <a:endParaRPr/>
           </a:p>
         </p:txBody>
       </p:sp>
       <p:sp>
         <p:nvSpPr>
-          <p:cNvPr id="125" name="Google Shape;125;p24"/>
-          <p:cNvSpPr txBox="1"/>
+          <p:cNvPr id="132" name="Google Shape;132;p25"/>
+          <p:cNvSpPr txBox="1">
+            <a:spLocks noGrp="1"/>
+          </p:cNvSpPr>
           <p:nvPr>
-            <p:ph idx="1" type="body"/>
+            <p:ph type="body" idx="1"/>
           </p:nvPr>
         </p:nvSpPr>
         <p:spPr>
@@ -7593,12 +7689,12 @@
           </a:prstGeom>
         </p:spPr>
         <p:txBody>
-          <a:bodyPr anchorCtr="0" anchor="t" bIns="91425" lIns="91425" spcFirstLastPara="1" rIns="91425" wrap="square" tIns="91425">
+          <a:bodyPr spcFirstLastPara="1" wrap="square" lIns="91425" tIns="91425" rIns="91425" bIns="91425" anchor="t" anchorCtr="0">
             <a:noAutofit/>
           </a:bodyPr>
           <a:lstStyle/>
           <a:p>
-            <a:pPr indent="0" lvl="0" marL="0" rtl="0" algn="l">
+            <a:pPr marL="0" lvl="0" indent="0" algn="l" rtl="0">
               <a:spcBef>
                 <a:spcPts val="0"/>
               </a:spcBef>
@@ -7607,140 +7703,6 @@
               </a:spcAft>
               <a:buNone/>
             </a:pPr>
-            <a:r>
-              <a:t/>
-            </a:r>
-            <a:endParaRPr/>
-          </a:p>
-        </p:txBody>
-      </p:sp>
-      <p:pic>
-        <p:nvPicPr>
-          <p:cNvPr id="126" name="Google Shape;126;p24"/>
-          <p:cNvPicPr preferRelativeResize="0"/>
-          <p:nvPr/>
-        </p:nvPicPr>
-        <p:blipFill>
-          <a:blip r:embed="rId3">
-            <a:alphaModFix/>
-          </a:blip>
-          <a:stretch>
-            <a:fillRect/>
-          </a:stretch>
-        </p:blipFill>
-        <p:spPr>
-          <a:xfrm>
-            <a:off x="-275150" y="1541437"/>
-            <a:ext cx="9694300" cy="2638475"/>
-          </a:xfrm>
-          <a:prstGeom prst="rect">
-            <a:avLst/>
-          </a:prstGeom>
-          <a:noFill/>
-          <a:ln>
-            <a:noFill/>
-          </a:ln>
-        </p:spPr>
-      </p:pic>
-    </p:spTree>
-  </p:cSld>
-  <p:clrMapOvr>
-    <a:masterClrMapping/>
-  </p:clrMapOvr>
-</p:sld>
-</file>
-
-<file path=ppt/slides/slide13.xml><?xml version="1.0" encoding="utf-8"?>
-<p:sld xmlns:a="http://schemas.openxmlformats.org/drawingml/2006/main" xmlns:r="http://schemas.openxmlformats.org/officeDocument/2006/relationships" xmlns:mc="http://schemas.openxmlformats.org/markup-compatibility/2006" xmlns:mv="urn:schemas-microsoft-com:mac:vml" xmlns:p="http://schemas.openxmlformats.org/presentationml/2006/main" xmlns:c="http://schemas.openxmlformats.org/drawingml/2006/chart" xmlns:dgm="http://schemas.openxmlformats.org/drawingml/2006/diagram" xmlns:o="urn:schemas-microsoft-com:office:office" xmlns:v="urn:schemas-microsoft-com:vml" xmlns:pvml="urn:schemas-microsoft-com:office:powerpoint" xmlns:com="http://schemas.openxmlformats.org/drawingml/2006/compatibility" xmlns:p14="http://schemas.microsoft.com/office/powerpoint/2010/main" xmlns:p15="http://schemas.microsoft.com/office/powerpoint/2012/main">
-  <p:cSld>
-    <p:spTree>
-      <p:nvGrpSpPr>
-        <p:cNvPr id="130" name="Shape 130"/>
-        <p:cNvGrpSpPr/>
-        <p:nvPr/>
-      </p:nvGrpSpPr>
-      <p:grpSpPr>
-        <a:xfrm>
-          <a:off x="0" y="0"/>
-          <a:ext cx="0" cy="0"/>
-          <a:chOff x="0" y="0"/>
-          <a:chExt cx="0" cy="0"/>
-        </a:xfrm>
-      </p:grpSpPr>
-      <p:sp>
-        <p:nvSpPr>
-          <p:cNvPr id="131" name="Google Shape;131;p25"/>
-          <p:cNvSpPr txBox="1"/>
-          <p:nvPr>
-            <p:ph type="title"/>
-          </p:nvPr>
-        </p:nvSpPr>
-        <p:spPr>
-          <a:xfrm>
-            <a:off x="311700" y="445025"/>
-            <a:ext cx="8520600" cy="572700"/>
-          </a:xfrm>
-          <a:prstGeom prst="rect">
-            <a:avLst/>
-          </a:prstGeom>
-        </p:spPr>
-        <p:txBody>
-          <a:bodyPr anchorCtr="0" anchor="t" bIns="91425" lIns="91425" spcFirstLastPara="1" rIns="91425" wrap="square" tIns="91425">
-            <a:noAutofit/>
-          </a:bodyPr>
-          <a:lstStyle/>
-          <a:p>
-            <a:pPr indent="0" lvl="0" marL="0" rtl="0" algn="l">
-              <a:spcBef>
-                <a:spcPts val="0"/>
-              </a:spcBef>
-              <a:spcAft>
-                <a:spcPts val="0"/>
-              </a:spcAft>
-              <a:buNone/>
-            </a:pPr>
-            <a:r>
-              <a:t/>
-            </a:r>
-            <a:endParaRPr/>
-          </a:p>
-        </p:txBody>
-      </p:sp>
-      <p:sp>
-        <p:nvSpPr>
-          <p:cNvPr id="132" name="Google Shape;132;p25"/>
-          <p:cNvSpPr txBox="1"/>
-          <p:nvPr>
-            <p:ph idx="1" type="body"/>
-          </p:nvPr>
-        </p:nvSpPr>
-        <p:spPr>
-          <a:xfrm>
-            <a:off x="311700" y="1152475"/>
-            <a:ext cx="8520600" cy="3416400"/>
-          </a:xfrm>
-          <a:prstGeom prst="rect">
-            <a:avLst/>
-          </a:prstGeom>
-        </p:spPr>
-        <p:txBody>
-          <a:bodyPr anchorCtr="0" anchor="t" bIns="91425" lIns="91425" spcFirstLastPara="1" rIns="91425" wrap="square" tIns="91425">
-            <a:noAutofit/>
-          </a:bodyPr>
-          <a:lstStyle/>
-          <a:p>
-            <a:pPr indent="0" lvl="0" marL="0" rtl="0" algn="l">
-              <a:spcBef>
-                <a:spcPts val="0"/>
-              </a:spcBef>
-              <a:spcAft>
-                <a:spcPts val="1600"/>
-              </a:spcAft>
-              <a:buNone/>
-            </a:pPr>
-            <a:r>
-              <a:t/>
-            </a:r>
             <a:endParaRPr/>
           </a:p>
         </p:txBody>
@@ -7781,12 +7743,12 @@
 </p:sld>
 </file>
 
-<file path=ppt/slides/slide14.xml><?xml version="1.0" encoding="utf-8"?>
-<p:sld xmlns:a="http://schemas.openxmlformats.org/drawingml/2006/main" xmlns:r="http://schemas.openxmlformats.org/officeDocument/2006/relationships" xmlns:mc="http://schemas.openxmlformats.org/markup-compatibility/2006" xmlns:mv="urn:schemas-microsoft-com:mac:vml" xmlns:p="http://schemas.openxmlformats.org/presentationml/2006/main" xmlns:c="http://schemas.openxmlformats.org/drawingml/2006/chart" xmlns:dgm="http://schemas.openxmlformats.org/drawingml/2006/diagram" xmlns:o="urn:schemas-microsoft-com:office:office" xmlns:v="urn:schemas-microsoft-com:vml" xmlns:pvml="urn:schemas-microsoft-com:office:powerpoint" xmlns:com="http://schemas.openxmlformats.org/drawingml/2006/compatibility" xmlns:p14="http://schemas.microsoft.com/office/powerpoint/2010/main" xmlns:p15="http://schemas.microsoft.com/office/powerpoint/2012/main">
+<file path=ppt/slides/slide13.xml><?xml version="1.0" encoding="utf-8"?>
+<p:sld xmlns:a="http://schemas.openxmlformats.org/drawingml/2006/main" xmlns:r="http://schemas.openxmlformats.org/officeDocument/2006/relationships" xmlns:p="http://schemas.openxmlformats.org/presentationml/2006/main">
   <p:cSld>
     <p:spTree>
       <p:nvGrpSpPr>
-        <p:cNvPr id="137" name="Shape 137"/>
+        <p:cNvPr id="1" name="Shape 137"/>
         <p:cNvGrpSpPr/>
         <p:nvPr/>
       </p:nvGrpSpPr>
@@ -7801,7 +7763,9 @@
       <p:sp>
         <p:nvSpPr>
           <p:cNvPr id="138" name="Google Shape;138;p26"/>
-          <p:cNvSpPr txBox="1"/>
+          <p:cNvSpPr txBox="1">
+            <a:spLocks noGrp="1"/>
+          </p:cNvSpPr>
           <p:nvPr>
             <p:ph type="title"/>
           </p:nvPr>
@@ -7816,12 +7780,12 @@
           </a:prstGeom>
         </p:spPr>
         <p:txBody>
-          <a:bodyPr anchorCtr="0" anchor="t" bIns="91425" lIns="91425" spcFirstLastPara="1" rIns="91425" wrap="square" tIns="91425">
+          <a:bodyPr spcFirstLastPara="1" wrap="square" lIns="91425" tIns="91425" rIns="91425" bIns="91425" anchor="t" anchorCtr="0">
             <a:noAutofit/>
           </a:bodyPr>
           <a:lstStyle/>
           <a:p>
-            <a:pPr indent="0" lvl="0" marL="0" rtl="0" algn="l">
+            <a:pPr marL="0" lvl="0" indent="0" algn="l" rtl="0">
               <a:spcBef>
                 <a:spcPts val="0"/>
               </a:spcBef>
@@ -7841,9 +7805,11 @@
       <p:sp>
         <p:nvSpPr>
           <p:cNvPr id="139" name="Google Shape;139;p26"/>
-          <p:cNvSpPr txBox="1"/>
+          <p:cNvSpPr txBox="1">
+            <a:spLocks noGrp="1"/>
+          </p:cNvSpPr>
           <p:nvPr>
-            <p:ph idx="1" type="body"/>
+            <p:ph type="body" idx="1"/>
           </p:nvPr>
         </p:nvSpPr>
         <p:spPr>
@@ -7856,12 +7822,12 @@
           </a:prstGeom>
         </p:spPr>
         <p:txBody>
-          <a:bodyPr anchorCtr="0" anchor="t" bIns="91425" lIns="91425" spcFirstLastPara="1" rIns="91425" wrap="square" tIns="91425">
+          <a:bodyPr spcFirstLastPara="1" wrap="square" lIns="91425" tIns="91425" rIns="91425" bIns="91425" anchor="t" anchorCtr="0">
             <a:noAutofit/>
           </a:bodyPr>
           <a:lstStyle/>
           <a:p>
-            <a:pPr indent="-342900" lvl="0" marL="457200" rtl="0" algn="l">
+            <a:pPr marL="457200" lvl="0" indent="-342900" algn="l" rtl="0">
               <a:lnSpc>
                 <a:spcPct val="150000"/>
               </a:lnSpc>
@@ -7881,7 +7847,7 @@
             <a:endParaRPr/>
           </a:p>
           <a:p>
-            <a:pPr indent="-342900" lvl="0" marL="457200" rtl="0" algn="l">
+            <a:pPr marL="457200" lvl="0" indent="-342900" algn="l" rtl="0">
               <a:lnSpc>
                 <a:spcPct val="150000"/>
               </a:lnSpc>
@@ -7901,7 +7867,7 @@
             <a:endParaRPr/>
           </a:p>
           <a:p>
-            <a:pPr indent="-342900" lvl="0" marL="457200" rtl="0" algn="l">
+            <a:pPr marL="457200" lvl="0" indent="-342900" algn="l" rtl="0">
               <a:lnSpc>
                 <a:spcPct val="150000"/>
               </a:lnSpc>
@@ -7930,12 +7896,12 @@
 </p:sld>
 </file>
 
-<file path=ppt/slides/slide15.xml><?xml version="1.0" encoding="utf-8"?>
-<p:sld xmlns:a="http://schemas.openxmlformats.org/drawingml/2006/main" xmlns:r="http://schemas.openxmlformats.org/officeDocument/2006/relationships" xmlns:mc="http://schemas.openxmlformats.org/markup-compatibility/2006" xmlns:mv="urn:schemas-microsoft-com:mac:vml" xmlns:p="http://schemas.openxmlformats.org/presentationml/2006/main" xmlns:c="http://schemas.openxmlformats.org/drawingml/2006/chart" xmlns:dgm="http://schemas.openxmlformats.org/drawingml/2006/diagram" xmlns:o="urn:schemas-microsoft-com:office:office" xmlns:v="urn:schemas-microsoft-com:vml" xmlns:pvml="urn:schemas-microsoft-com:office:powerpoint" xmlns:com="http://schemas.openxmlformats.org/drawingml/2006/compatibility" xmlns:p14="http://schemas.microsoft.com/office/powerpoint/2010/main" xmlns:p15="http://schemas.microsoft.com/office/powerpoint/2012/main">
+<file path=ppt/slides/slide14.xml><?xml version="1.0" encoding="utf-8"?>
+<p:sld xmlns:a="http://schemas.openxmlformats.org/drawingml/2006/main" xmlns:r="http://schemas.openxmlformats.org/officeDocument/2006/relationships" xmlns:p="http://schemas.openxmlformats.org/presentationml/2006/main">
   <p:cSld>
     <p:spTree>
       <p:nvGrpSpPr>
-        <p:cNvPr id="143" name="Shape 143"/>
+        <p:cNvPr id="1" name="Shape 143"/>
         <p:cNvGrpSpPr/>
         <p:nvPr/>
       </p:nvGrpSpPr>
@@ -7950,7 +7916,9 @@
       <p:sp>
         <p:nvSpPr>
           <p:cNvPr id="144" name="Google Shape;144;p27"/>
-          <p:cNvSpPr txBox="1"/>
+          <p:cNvSpPr txBox="1">
+            <a:spLocks noGrp="1"/>
+          </p:cNvSpPr>
           <p:nvPr>
             <p:ph type="title"/>
           </p:nvPr>
@@ -7965,12 +7933,12 @@
           </a:prstGeom>
         </p:spPr>
         <p:txBody>
-          <a:bodyPr anchorCtr="0" anchor="t" bIns="91425" lIns="91425" spcFirstLastPara="1" rIns="91425" wrap="square" tIns="91425">
+          <a:bodyPr spcFirstLastPara="1" wrap="square" lIns="91425" tIns="91425" rIns="91425" bIns="91425" anchor="t" anchorCtr="0">
             <a:noAutofit/>
           </a:bodyPr>
           <a:lstStyle/>
           <a:p>
-            <a:pPr indent="0" lvl="0" marL="0" rtl="0" algn="l">
+            <a:pPr marL="0" lvl="0" indent="0" algn="l" rtl="0">
               <a:spcBef>
                 <a:spcPts val="0"/>
               </a:spcBef>
@@ -7979,9 +7947,6 @@
               </a:spcAft>
               <a:buNone/>
             </a:pPr>
-            <a:r>
-              <a:t/>
-            </a:r>
             <a:endParaRPr/>
           </a:p>
         </p:txBody>
@@ -7989,9 +7954,11 @@
       <p:sp>
         <p:nvSpPr>
           <p:cNvPr id="145" name="Google Shape;145;p27"/>
-          <p:cNvSpPr txBox="1"/>
+          <p:cNvSpPr txBox="1">
+            <a:spLocks noGrp="1"/>
+          </p:cNvSpPr>
           <p:nvPr>
-            <p:ph idx="1" type="body"/>
+            <p:ph type="body" idx="1"/>
           </p:nvPr>
         </p:nvSpPr>
         <p:spPr>
@@ -8004,12 +7971,12 @@
           </a:prstGeom>
         </p:spPr>
         <p:txBody>
-          <a:bodyPr anchorCtr="0" anchor="t" bIns="91425" lIns="91425" spcFirstLastPara="1" rIns="91425" wrap="square" tIns="91425">
+          <a:bodyPr spcFirstLastPara="1" wrap="square" lIns="91425" tIns="91425" rIns="91425" bIns="91425" anchor="t" anchorCtr="0">
             <a:noAutofit/>
           </a:bodyPr>
           <a:lstStyle/>
           <a:p>
-            <a:pPr indent="0" lvl="0" marL="0" rtl="0" algn="l">
+            <a:pPr marL="0" lvl="0" indent="0" algn="l" rtl="0">
               <a:spcBef>
                 <a:spcPts val="0"/>
               </a:spcBef>
@@ -8018,9 +7985,6 @@
               </a:spcAft>
               <a:buNone/>
             </a:pPr>
-            <a:r>
-              <a:t/>
-            </a:r>
             <a:endParaRPr/>
           </a:p>
         </p:txBody>
@@ -8061,12 +8025,12 @@
 </p:sld>
 </file>
 
-<file path=ppt/slides/slide16.xml><?xml version="1.0" encoding="utf-8"?>
-<p:sld xmlns:a="http://schemas.openxmlformats.org/drawingml/2006/main" xmlns:r="http://schemas.openxmlformats.org/officeDocument/2006/relationships" xmlns:mc="http://schemas.openxmlformats.org/markup-compatibility/2006" xmlns:mv="urn:schemas-microsoft-com:mac:vml" xmlns:p="http://schemas.openxmlformats.org/presentationml/2006/main" xmlns:c="http://schemas.openxmlformats.org/drawingml/2006/chart" xmlns:dgm="http://schemas.openxmlformats.org/drawingml/2006/diagram" xmlns:o="urn:schemas-microsoft-com:office:office" xmlns:v="urn:schemas-microsoft-com:vml" xmlns:pvml="urn:schemas-microsoft-com:office:powerpoint" xmlns:com="http://schemas.openxmlformats.org/drawingml/2006/compatibility" xmlns:p14="http://schemas.microsoft.com/office/powerpoint/2010/main" xmlns:p15="http://schemas.microsoft.com/office/powerpoint/2012/main">
+<file path=ppt/slides/slide15.xml><?xml version="1.0" encoding="utf-8"?>
+<p:sld xmlns:a="http://schemas.openxmlformats.org/drawingml/2006/main" xmlns:r="http://schemas.openxmlformats.org/officeDocument/2006/relationships" xmlns:p="http://schemas.openxmlformats.org/presentationml/2006/main">
   <p:cSld>
     <p:spTree>
       <p:nvGrpSpPr>
-        <p:cNvPr id="150" name="Shape 150"/>
+        <p:cNvPr id="1" name="Shape 150"/>
         <p:cNvGrpSpPr/>
         <p:nvPr/>
       </p:nvGrpSpPr>
@@ -8081,7 +8045,9 @@
       <p:sp>
         <p:nvSpPr>
           <p:cNvPr id="151" name="Google Shape;151;p28"/>
-          <p:cNvSpPr txBox="1"/>
+          <p:cNvSpPr txBox="1">
+            <a:spLocks noGrp="1"/>
+          </p:cNvSpPr>
           <p:nvPr>
             <p:ph type="title"/>
           </p:nvPr>
@@ -8096,12 +8062,12 @@
           </a:prstGeom>
         </p:spPr>
         <p:txBody>
-          <a:bodyPr anchorCtr="0" anchor="t" bIns="91425" lIns="91425" spcFirstLastPara="1" rIns="91425" wrap="square" tIns="91425">
+          <a:bodyPr spcFirstLastPara="1" wrap="square" lIns="91425" tIns="91425" rIns="91425" bIns="91425" anchor="t" anchorCtr="0">
             <a:noAutofit/>
           </a:bodyPr>
           <a:lstStyle/>
           <a:p>
-            <a:pPr indent="0" lvl="0" marL="0" rtl="0" algn="l">
+            <a:pPr marL="0" lvl="0" indent="0" algn="l" rtl="0">
               <a:spcBef>
                 <a:spcPts val="0"/>
               </a:spcBef>
@@ -8121,9 +8087,11 @@
       <p:sp>
         <p:nvSpPr>
           <p:cNvPr id="152" name="Google Shape;152;p28"/>
-          <p:cNvSpPr txBox="1"/>
+          <p:cNvSpPr txBox="1">
+            <a:spLocks noGrp="1"/>
+          </p:cNvSpPr>
           <p:nvPr>
-            <p:ph idx="1" type="body"/>
+            <p:ph type="body" idx="1"/>
           </p:nvPr>
         </p:nvSpPr>
         <p:spPr>
@@ -8136,12 +8104,12 @@
           </a:prstGeom>
         </p:spPr>
         <p:txBody>
-          <a:bodyPr anchorCtr="0" anchor="t" bIns="91425" lIns="91425" spcFirstLastPara="1" rIns="91425" wrap="square" tIns="91425">
+          <a:bodyPr spcFirstLastPara="1" wrap="square" lIns="91425" tIns="91425" rIns="91425" bIns="91425" anchor="t" anchorCtr="0">
             <a:noAutofit/>
           </a:bodyPr>
           <a:lstStyle/>
           <a:p>
-            <a:pPr indent="-342900" lvl="0" marL="457200" marR="0" rtl="0" algn="l">
+            <a:pPr marL="457200" marR="0" lvl="0" indent="-342900" algn="l" rtl="0">
               <a:lnSpc>
                 <a:spcPct val="115000"/>
               </a:lnSpc>
@@ -8165,7 +8133,7 @@
             <a:endParaRPr/>
           </a:p>
           <a:p>
-            <a:pPr indent="-317500" lvl="1" marL="914400" rtl="0" algn="l">
+            <a:pPr marL="914400" lvl="1" indent="-317500" algn="l" rtl="0">
               <a:spcBef>
                 <a:spcPts val="0"/>
               </a:spcBef>
@@ -8187,7 +8155,7 @@
             <a:endParaRPr/>
           </a:p>
           <a:p>
-            <a:pPr indent="-342900" lvl="0" marL="457200" rtl="0" algn="l">
+            <a:pPr marL="457200" lvl="0" indent="-342900" algn="l" rtl="0">
               <a:spcBef>
                 <a:spcPts val="0"/>
               </a:spcBef>
@@ -8204,7 +8172,7 @@
             <a:endParaRPr/>
           </a:p>
           <a:p>
-            <a:pPr indent="-317500" lvl="1" marL="914400" rtl="0" algn="l">
+            <a:pPr marL="914400" lvl="1" indent="-317500" algn="l" rtl="0">
               <a:spcBef>
                 <a:spcPts val="0"/>
               </a:spcBef>
@@ -8226,7 +8194,7 @@
             <a:endParaRPr/>
           </a:p>
           <a:p>
-            <a:pPr indent="-342900" lvl="0" marL="457200" rtl="0" algn="l">
+            <a:pPr marL="457200" lvl="0" indent="-342900" algn="l" rtl="0">
               <a:spcBef>
                 <a:spcPts val="0"/>
               </a:spcBef>
@@ -8243,7 +8211,7 @@
             <a:endParaRPr/>
           </a:p>
           <a:p>
-            <a:pPr indent="-317500" lvl="1" marL="914400" rtl="0" algn="l">
+            <a:pPr marL="914400" lvl="1" indent="-317500" algn="l" rtl="0">
               <a:spcBef>
                 <a:spcPts val="0"/>
               </a:spcBef>
@@ -8265,7 +8233,7 @@
             <a:endParaRPr/>
           </a:p>
           <a:p>
-            <a:pPr indent="-342900" lvl="0" marL="457200" rtl="0" algn="l">
+            <a:pPr marL="457200" lvl="0" indent="-342900" algn="l" rtl="0">
               <a:spcBef>
                 <a:spcPts val="0"/>
               </a:spcBef>
@@ -8282,7 +8250,7 @@
             <a:endParaRPr/>
           </a:p>
           <a:p>
-            <a:pPr indent="-317500" lvl="1" marL="914400" marR="0" rtl="0" algn="l">
+            <a:pPr marL="914400" marR="0" lvl="1" indent="-317500" algn="l" rtl="0">
               <a:lnSpc>
                 <a:spcPct val="115000"/>
               </a:lnSpc>
@@ -8319,7 +8287,7 @@
             </a:endParaRPr>
           </a:p>
           <a:p>
-            <a:pPr indent="-317500" lvl="0" marL="457200" marR="0" rtl="0" algn="l">
+            <a:pPr marL="457200" marR="0" lvl="0" indent="-317500" algn="l" rtl="0">
               <a:lnSpc>
                 <a:spcPct val="115000"/>
               </a:lnSpc>
@@ -8343,7 +8311,7 @@
             <a:endParaRPr/>
           </a:p>
           <a:p>
-            <a:pPr indent="-317500" lvl="1" marL="914400" rtl="0" algn="l">
+            <a:pPr marL="914400" lvl="1" indent="-317500" algn="l" rtl="0">
               <a:spcBef>
                 <a:spcPts val="0"/>
               </a:spcBef>
@@ -8365,7 +8333,7 @@
             <a:endParaRPr/>
           </a:p>
           <a:p>
-            <a:pPr indent="0" lvl="0" marL="0" rtl="0" algn="l">
+            <a:pPr marL="0" lvl="0" indent="0" algn="l" rtl="0">
               <a:spcBef>
                 <a:spcPts val="1600"/>
               </a:spcBef>
@@ -8374,9 +8342,6 @@
               </a:spcAft>
               <a:buNone/>
             </a:pPr>
-            <a:r>
-              <a:t/>
-            </a:r>
             <a:endParaRPr/>
           </a:p>
         </p:txBody>
@@ -8389,12 +8354,12 @@
 </p:sld>
 </file>
 
-<file path=ppt/slides/slide17.xml><?xml version="1.0" encoding="utf-8"?>
-<p:sld xmlns:a="http://schemas.openxmlformats.org/drawingml/2006/main" xmlns:r="http://schemas.openxmlformats.org/officeDocument/2006/relationships" xmlns:mc="http://schemas.openxmlformats.org/markup-compatibility/2006" xmlns:mv="urn:schemas-microsoft-com:mac:vml" xmlns:p="http://schemas.openxmlformats.org/presentationml/2006/main" xmlns:c="http://schemas.openxmlformats.org/drawingml/2006/chart" xmlns:dgm="http://schemas.openxmlformats.org/drawingml/2006/diagram" xmlns:o="urn:schemas-microsoft-com:office:office" xmlns:v="urn:schemas-microsoft-com:vml" xmlns:pvml="urn:schemas-microsoft-com:office:powerpoint" xmlns:com="http://schemas.openxmlformats.org/drawingml/2006/compatibility" xmlns:p14="http://schemas.microsoft.com/office/powerpoint/2010/main" xmlns:p15="http://schemas.microsoft.com/office/powerpoint/2012/main">
+<file path=ppt/slides/slide16.xml><?xml version="1.0" encoding="utf-8"?>
+<p:sld xmlns:a="http://schemas.openxmlformats.org/drawingml/2006/main" xmlns:r="http://schemas.openxmlformats.org/officeDocument/2006/relationships" xmlns:p="http://schemas.openxmlformats.org/presentationml/2006/main">
   <p:cSld>
     <p:spTree>
       <p:nvGrpSpPr>
-        <p:cNvPr id="156" name="Shape 156"/>
+        <p:cNvPr id="1" name="Shape 156"/>
         <p:cNvGrpSpPr/>
         <p:nvPr/>
       </p:nvGrpSpPr>
@@ -8409,7 +8374,9 @@
       <p:sp>
         <p:nvSpPr>
           <p:cNvPr id="157" name="Google Shape;157;p29"/>
-          <p:cNvSpPr txBox="1"/>
+          <p:cNvSpPr txBox="1">
+            <a:spLocks noGrp="1"/>
+          </p:cNvSpPr>
           <p:nvPr>
             <p:ph type="title"/>
           </p:nvPr>
@@ -8424,12 +8391,12 @@
           </a:prstGeom>
         </p:spPr>
         <p:txBody>
-          <a:bodyPr anchorCtr="0" anchor="t" bIns="91425" lIns="91425" spcFirstLastPara="1" rIns="91425" wrap="square" tIns="91425">
+          <a:bodyPr spcFirstLastPara="1" wrap="square" lIns="91425" tIns="91425" rIns="91425" bIns="91425" anchor="t" anchorCtr="0">
             <a:noAutofit/>
           </a:bodyPr>
           <a:lstStyle/>
           <a:p>
-            <a:pPr indent="0" lvl="0" marL="0" rtl="0" algn="l">
+            <a:pPr marL="0" lvl="0" indent="0" algn="l" rtl="0">
               <a:spcBef>
                 <a:spcPts val="0"/>
               </a:spcBef>
@@ -8449,9 +8416,11 @@
       <p:sp>
         <p:nvSpPr>
           <p:cNvPr id="158" name="Google Shape;158;p29"/>
-          <p:cNvSpPr txBox="1"/>
+          <p:cNvSpPr txBox="1">
+            <a:spLocks noGrp="1"/>
+          </p:cNvSpPr>
           <p:nvPr>
-            <p:ph idx="1" type="body"/>
+            <p:ph type="body" idx="1"/>
           </p:nvPr>
         </p:nvSpPr>
         <p:spPr>
@@ -8464,12 +8433,12 @@
           </a:prstGeom>
         </p:spPr>
         <p:txBody>
-          <a:bodyPr anchorCtr="0" anchor="t" bIns="91425" lIns="91425" spcFirstLastPara="1" rIns="91425" wrap="square" tIns="91425">
+          <a:bodyPr spcFirstLastPara="1" wrap="square" lIns="91425" tIns="91425" rIns="91425" bIns="91425" anchor="t" anchorCtr="0">
             <a:noAutofit/>
           </a:bodyPr>
           <a:lstStyle/>
           <a:p>
-            <a:pPr indent="0" lvl="0" marL="0" rtl="0" algn="l">
+            <a:pPr marL="0" lvl="0" indent="0" algn="l" rtl="0">
               <a:spcBef>
                 <a:spcPts val="0"/>
               </a:spcBef>
@@ -8500,11 +8469,11 @@
 </file>
 
 <file path=ppt/slides/slide2.xml><?xml version="1.0" encoding="utf-8"?>
-<p:sld xmlns:a="http://schemas.openxmlformats.org/drawingml/2006/main" xmlns:r="http://schemas.openxmlformats.org/officeDocument/2006/relationships" xmlns:mc="http://schemas.openxmlformats.org/markup-compatibility/2006" xmlns:mv="urn:schemas-microsoft-com:mac:vml" xmlns:p="http://schemas.openxmlformats.org/presentationml/2006/main" xmlns:c="http://schemas.openxmlformats.org/drawingml/2006/chart" xmlns:dgm="http://schemas.openxmlformats.org/drawingml/2006/diagram" xmlns:o="urn:schemas-microsoft-com:office:office" xmlns:v="urn:schemas-microsoft-com:vml" xmlns:pvml="urn:schemas-microsoft-com:office:powerpoint" xmlns:com="http://schemas.openxmlformats.org/drawingml/2006/compatibility" xmlns:p14="http://schemas.microsoft.com/office/powerpoint/2010/main" xmlns:p15="http://schemas.microsoft.com/office/powerpoint/2012/main">
+<p:sld xmlns:a="http://schemas.openxmlformats.org/drawingml/2006/main" xmlns:r="http://schemas.openxmlformats.org/officeDocument/2006/relationships" xmlns:p="http://schemas.openxmlformats.org/presentationml/2006/main">
   <p:cSld>
     <p:spTree>
       <p:nvGrpSpPr>
-        <p:cNvPr id="59" name="Shape 59"/>
+        <p:cNvPr id="1" name="Shape 59"/>
         <p:cNvGrpSpPr/>
         <p:nvPr/>
       </p:nvGrpSpPr>
@@ -8519,7 +8488,9 @@
       <p:sp>
         <p:nvSpPr>
           <p:cNvPr id="60" name="Google Shape;60;p14"/>
-          <p:cNvSpPr txBox="1"/>
+          <p:cNvSpPr txBox="1">
+            <a:spLocks noGrp="1"/>
+          </p:cNvSpPr>
           <p:nvPr>
             <p:ph type="title"/>
           </p:nvPr>
@@ -8534,12 +8505,12 @@
           </a:prstGeom>
         </p:spPr>
         <p:txBody>
-          <a:bodyPr anchorCtr="0" anchor="t" bIns="91425" lIns="91425" spcFirstLastPara="1" rIns="91425" wrap="square" tIns="91425">
+          <a:bodyPr spcFirstLastPara="1" wrap="square" lIns="91425" tIns="91425" rIns="91425" bIns="91425" anchor="t" anchorCtr="0">
             <a:noAutofit/>
           </a:bodyPr>
           <a:lstStyle/>
           <a:p>
-            <a:pPr indent="0" lvl="0" marL="0" rtl="0" algn="l">
+            <a:pPr marL="0" lvl="0" indent="0" algn="l" rtl="0">
               <a:spcBef>
                 <a:spcPts val="0"/>
               </a:spcBef>
@@ -8559,9 +8530,11 @@
       <p:sp>
         <p:nvSpPr>
           <p:cNvPr id="61" name="Google Shape;61;p14"/>
-          <p:cNvSpPr txBox="1"/>
+          <p:cNvSpPr txBox="1">
+            <a:spLocks noGrp="1"/>
+          </p:cNvSpPr>
           <p:nvPr>
-            <p:ph idx="1" type="body"/>
+            <p:ph type="body" idx="1"/>
           </p:nvPr>
         </p:nvSpPr>
         <p:spPr>
@@ -8574,12 +8547,12 @@
           </a:prstGeom>
         </p:spPr>
         <p:txBody>
-          <a:bodyPr anchorCtr="0" anchor="t" bIns="91425" lIns="91425" spcFirstLastPara="1" rIns="91425" wrap="square" tIns="91425">
+          <a:bodyPr spcFirstLastPara="1" wrap="square" lIns="91425" tIns="91425" rIns="91425" bIns="91425" anchor="t" anchorCtr="0">
             <a:noAutofit/>
           </a:bodyPr>
           <a:lstStyle/>
           <a:p>
-            <a:pPr indent="-342900" lvl="0" marL="457200" rtl="0" algn="l">
+            <a:pPr marL="457200" lvl="0" indent="-342900" algn="l" rtl="0">
               <a:spcBef>
                 <a:spcPts val="0"/>
               </a:spcBef>
@@ -8596,7 +8569,7 @@
             <a:endParaRPr/>
           </a:p>
           <a:p>
-            <a:pPr indent="-317500" lvl="1" marL="914400" rtl="0" algn="l">
+            <a:pPr marL="914400" lvl="1" indent="-317500" algn="l" rtl="0">
               <a:spcBef>
                 <a:spcPts val="0"/>
               </a:spcBef>
@@ -8613,7 +8586,7 @@
             <a:endParaRPr/>
           </a:p>
           <a:p>
-            <a:pPr indent="-317500" lvl="2" marL="1371600" rtl="0" algn="l">
+            <a:pPr marL="1371600" lvl="2" indent="-317500" algn="l" rtl="0">
               <a:spcBef>
                 <a:spcPts val="0"/>
               </a:spcBef>
@@ -8635,7 +8608,7 @@
             <a:endParaRPr/>
           </a:p>
           <a:p>
-            <a:pPr indent="-317500" lvl="2" marL="1371600" rtl="0" algn="l">
+            <a:pPr marL="1371600" lvl="2" indent="-317500" algn="l" rtl="0">
               <a:spcBef>
                 <a:spcPts val="0"/>
               </a:spcBef>
@@ -8657,7 +8630,7 @@
             <a:endParaRPr/>
           </a:p>
           <a:p>
-            <a:pPr indent="-317500" lvl="1" marL="914400" rtl="0" algn="l">
+            <a:pPr marL="914400" lvl="1" indent="-317500" algn="l" rtl="0">
               <a:spcBef>
                 <a:spcPts val="0"/>
               </a:spcBef>
@@ -8674,7 +8647,7 @@
             <a:endParaRPr/>
           </a:p>
           <a:p>
-            <a:pPr indent="-317500" lvl="2" marL="1371600" rtl="0" algn="l">
+            <a:pPr marL="1371600" lvl="2" indent="-317500" algn="l" rtl="0">
               <a:spcBef>
                 <a:spcPts val="0"/>
               </a:spcBef>
@@ -8696,7 +8669,7 @@
             <a:endParaRPr/>
           </a:p>
           <a:p>
-            <a:pPr indent="-317500" lvl="1" marL="914400" rtl="0" algn="l">
+            <a:pPr marL="914400" lvl="1" indent="-317500" algn="l" rtl="0">
               <a:spcBef>
                 <a:spcPts val="0"/>
               </a:spcBef>
@@ -8713,7 +8686,7 @@
             <a:endParaRPr/>
           </a:p>
           <a:p>
-            <a:pPr indent="-317500" lvl="2" marL="1371600" rtl="0" algn="l">
+            <a:pPr marL="1371600" lvl="2" indent="-317500" algn="l" rtl="0">
               <a:spcBef>
                 <a:spcPts val="0"/>
               </a:spcBef>
@@ -8735,7 +8708,7 @@
             <a:endParaRPr/>
           </a:p>
           <a:p>
-            <a:pPr indent="-317500" lvl="1" marL="914400" rtl="0" algn="l">
+            <a:pPr marL="914400" lvl="1" indent="-317500" algn="l" rtl="0">
               <a:spcBef>
                 <a:spcPts val="0"/>
               </a:spcBef>
@@ -8752,7 +8725,7 @@
             <a:endParaRPr/>
           </a:p>
           <a:p>
-            <a:pPr indent="-317500" lvl="2" marL="1371600" rtl="0" algn="l">
+            <a:pPr marL="1371600" lvl="2" indent="-317500" algn="l" rtl="0">
               <a:spcBef>
                 <a:spcPts val="0"/>
               </a:spcBef>
@@ -8781,7 +8754,7 @@
             </a:endParaRPr>
           </a:p>
           <a:p>
-            <a:pPr indent="-317500" lvl="1" marL="914400" rtl="0" algn="l">
+            <a:pPr marL="914400" lvl="1" indent="-317500" algn="l" rtl="0">
               <a:spcBef>
                 <a:spcPts val="0"/>
               </a:spcBef>
@@ -8798,7 +8771,7 @@
             <a:endParaRPr/>
           </a:p>
           <a:p>
-            <a:pPr indent="-317500" lvl="2" marL="1371600" rtl="0" algn="l">
+            <a:pPr marL="1371600" lvl="2" indent="-317500" algn="l" rtl="0">
               <a:spcBef>
                 <a:spcPts val="0"/>
               </a:spcBef>
@@ -8830,11 +8803,11 @@
 </file>
 
 <file path=ppt/slides/slide3.xml><?xml version="1.0" encoding="utf-8"?>
-<p:sld xmlns:a="http://schemas.openxmlformats.org/drawingml/2006/main" xmlns:r="http://schemas.openxmlformats.org/officeDocument/2006/relationships" xmlns:mc="http://schemas.openxmlformats.org/markup-compatibility/2006" xmlns:mv="urn:schemas-microsoft-com:mac:vml" xmlns:p="http://schemas.openxmlformats.org/presentationml/2006/main" xmlns:c="http://schemas.openxmlformats.org/drawingml/2006/chart" xmlns:dgm="http://schemas.openxmlformats.org/drawingml/2006/diagram" xmlns:o="urn:schemas-microsoft-com:office:office" xmlns:v="urn:schemas-microsoft-com:vml" xmlns:pvml="urn:schemas-microsoft-com:office:powerpoint" xmlns:com="http://schemas.openxmlformats.org/drawingml/2006/compatibility" xmlns:p14="http://schemas.microsoft.com/office/powerpoint/2010/main" xmlns:p15="http://schemas.microsoft.com/office/powerpoint/2012/main">
+<p:sld xmlns:a="http://schemas.openxmlformats.org/drawingml/2006/main" xmlns:r="http://schemas.openxmlformats.org/officeDocument/2006/relationships" xmlns:p="http://schemas.openxmlformats.org/presentationml/2006/main">
   <p:cSld>
     <p:spTree>
       <p:nvGrpSpPr>
-        <p:cNvPr id="65" name="Shape 65"/>
+        <p:cNvPr id="1" name="Shape 65"/>
         <p:cNvGrpSpPr/>
         <p:nvPr/>
       </p:nvGrpSpPr>
@@ -8849,7 +8822,9 @@
       <p:sp>
         <p:nvSpPr>
           <p:cNvPr id="66" name="Google Shape;66;p15"/>
-          <p:cNvSpPr txBox="1"/>
+          <p:cNvSpPr txBox="1">
+            <a:spLocks noGrp="1"/>
+          </p:cNvSpPr>
           <p:nvPr>
             <p:ph type="title"/>
           </p:nvPr>
@@ -8864,12 +8839,12 @@
           </a:prstGeom>
         </p:spPr>
         <p:txBody>
-          <a:bodyPr anchorCtr="0" anchor="t" bIns="91425" lIns="91425" spcFirstLastPara="1" rIns="91425" wrap="square" tIns="91425">
+          <a:bodyPr spcFirstLastPara="1" wrap="square" lIns="91425" tIns="91425" rIns="91425" bIns="91425" anchor="t" anchorCtr="0">
             <a:noAutofit/>
           </a:bodyPr>
           <a:lstStyle/>
           <a:p>
-            <a:pPr indent="0" lvl="0" marL="0" rtl="0" algn="l">
+            <a:pPr marL="0" lvl="0" indent="0" algn="l" rtl="0">
               <a:spcBef>
                 <a:spcPts val="0"/>
               </a:spcBef>
@@ -8889,9 +8864,11 @@
       <p:sp>
         <p:nvSpPr>
           <p:cNvPr id="67" name="Google Shape;67;p15"/>
-          <p:cNvSpPr txBox="1"/>
+          <p:cNvSpPr txBox="1">
+            <a:spLocks noGrp="1"/>
+          </p:cNvSpPr>
           <p:nvPr>
-            <p:ph idx="1" type="body"/>
+            <p:ph type="body" idx="1"/>
           </p:nvPr>
         </p:nvSpPr>
         <p:spPr>
@@ -8904,12 +8881,12 @@
           </a:prstGeom>
         </p:spPr>
         <p:txBody>
-          <a:bodyPr anchorCtr="0" anchor="t" bIns="91425" lIns="91425" spcFirstLastPara="1" rIns="91425" wrap="square" tIns="91425">
+          <a:bodyPr spcFirstLastPara="1" wrap="square" lIns="91425" tIns="91425" rIns="91425" bIns="91425" anchor="t" anchorCtr="0">
             <a:noAutofit/>
           </a:bodyPr>
           <a:lstStyle/>
           <a:p>
-            <a:pPr indent="-342900" lvl="0" marL="457200" rtl="0" algn="l">
+            <a:pPr marL="457200" lvl="0" indent="-342900" algn="l" rtl="0">
               <a:lnSpc>
                 <a:spcPct val="150000"/>
               </a:lnSpc>
@@ -8929,7 +8906,7 @@
             <a:endParaRPr/>
           </a:p>
           <a:p>
-            <a:pPr indent="-342900" lvl="0" marL="457200" rtl="0" algn="l">
+            <a:pPr marL="457200" lvl="0" indent="-342900" algn="l" rtl="0">
               <a:lnSpc>
                 <a:spcPct val="150000"/>
               </a:lnSpc>
@@ -8949,7 +8926,7 @@
             <a:endParaRPr/>
           </a:p>
           <a:p>
-            <a:pPr indent="-342900" lvl="0" marL="457200" rtl="0" algn="l">
+            <a:pPr marL="457200" lvl="0" indent="-342900" algn="l" rtl="0">
               <a:lnSpc>
                 <a:spcPct val="150000"/>
               </a:lnSpc>
@@ -8967,11 +8944,11 @@
               <a:t>We </a:t>
             </a:r>
             <a:r>
-              <a:rPr b="1" i="1" lang="en"/>
+              <a:rPr lang="en" b="1" i="1"/>
               <a:t>strongly</a:t>
             </a:r>
             <a:r>
-              <a:rPr i="1" lang="en"/>
+              <a:rPr lang="en" i="1"/>
               <a:t> </a:t>
             </a:r>
             <a:r>
@@ -8981,7 +8958,7 @@
             <a:endParaRPr/>
           </a:p>
           <a:p>
-            <a:pPr indent="-342900" lvl="0" marL="457200" rtl="0" algn="l">
+            <a:pPr marL="457200" lvl="0" indent="-342900" algn="l" rtl="0">
               <a:lnSpc>
                 <a:spcPct val="150000"/>
               </a:lnSpc>
@@ -9001,7 +8978,7 @@
             <a:endParaRPr/>
           </a:p>
           <a:p>
-            <a:pPr indent="0" lvl="0" marL="457200" rtl="0" algn="l">
+            <a:pPr marL="457200" lvl="0" indent="0" algn="l" rtl="0">
               <a:lnSpc>
                 <a:spcPct val="150000"/>
               </a:lnSpc>
@@ -9013,9 +8990,6 @@
               </a:spcAft>
               <a:buNone/>
             </a:pPr>
-            <a:r>
-              <a:t/>
-            </a:r>
             <a:endParaRPr/>
           </a:p>
         </p:txBody>
@@ -9029,11 +9003,11 @@
 </file>
 
 <file path=ppt/slides/slide4.xml><?xml version="1.0" encoding="utf-8"?>
-<p:sld xmlns:a="http://schemas.openxmlformats.org/drawingml/2006/main" xmlns:r="http://schemas.openxmlformats.org/officeDocument/2006/relationships" xmlns:mc="http://schemas.openxmlformats.org/markup-compatibility/2006" xmlns:mv="urn:schemas-microsoft-com:mac:vml" xmlns:p="http://schemas.openxmlformats.org/presentationml/2006/main" xmlns:c="http://schemas.openxmlformats.org/drawingml/2006/chart" xmlns:dgm="http://schemas.openxmlformats.org/drawingml/2006/diagram" xmlns:o="urn:schemas-microsoft-com:office:office" xmlns:v="urn:schemas-microsoft-com:vml" xmlns:pvml="urn:schemas-microsoft-com:office:powerpoint" xmlns:com="http://schemas.openxmlformats.org/drawingml/2006/compatibility" xmlns:p14="http://schemas.microsoft.com/office/powerpoint/2010/main" xmlns:p15="http://schemas.microsoft.com/office/powerpoint/2012/main">
+<p:sld xmlns:a="http://schemas.openxmlformats.org/drawingml/2006/main" xmlns:r="http://schemas.openxmlformats.org/officeDocument/2006/relationships" xmlns:p="http://schemas.openxmlformats.org/presentationml/2006/main">
   <p:cSld>
     <p:spTree>
       <p:nvGrpSpPr>
-        <p:cNvPr id="71" name="Shape 71"/>
+        <p:cNvPr id="1" name="Shape 71"/>
         <p:cNvGrpSpPr/>
         <p:nvPr/>
       </p:nvGrpSpPr>
@@ -9048,7 +9022,9 @@
       <p:sp>
         <p:nvSpPr>
           <p:cNvPr id="72" name="Google Shape;72;p16"/>
-          <p:cNvSpPr txBox="1"/>
+          <p:cNvSpPr txBox="1">
+            <a:spLocks noGrp="1"/>
+          </p:cNvSpPr>
           <p:nvPr>
             <p:ph type="title"/>
           </p:nvPr>
@@ -9063,12 +9039,12 @@
           </a:prstGeom>
         </p:spPr>
         <p:txBody>
-          <a:bodyPr anchorCtr="0" anchor="t" bIns="91425" lIns="91425" spcFirstLastPara="1" rIns="91425" wrap="square" tIns="91425">
+          <a:bodyPr spcFirstLastPara="1" wrap="square" lIns="91425" tIns="91425" rIns="91425" bIns="91425" anchor="t" anchorCtr="0">
             <a:noAutofit/>
           </a:bodyPr>
           <a:lstStyle/>
           <a:p>
-            <a:pPr indent="0" lvl="0" marL="0" rtl="0" algn="l">
+            <a:pPr marL="0" lvl="0" indent="0" algn="l" rtl="0">
               <a:spcBef>
                 <a:spcPts val="0"/>
               </a:spcBef>
@@ -9077,9 +9053,6 @@
               </a:spcAft>
               <a:buNone/>
             </a:pPr>
-            <a:r>
-              <a:t/>
-            </a:r>
             <a:endParaRPr/>
           </a:p>
         </p:txBody>
@@ -9087,9 +9060,11 @@
       <p:sp>
         <p:nvSpPr>
           <p:cNvPr id="73" name="Google Shape;73;p16"/>
-          <p:cNvSpPr txBox="1"/>
+          <p:cNvSpPr txBox="1">
+            <a:spLocks noGrp="1"/>
+          </p:cNvSpPr>
           <p:nvPr>
-            <p:ph idx="1" type="body"/>
+            <p:ph type="body" idx="1"/>
           </p:nvPr>
         </p:nvSpPr>
         <p:spPr>
@@ -9102,12 +9077,12 @@
           </a:prstGeom>
         </p:spPr>
         <p:txBody>
-          <a:bodyPr anchorCtr="0" anchor="t" bIns="91425" lIns="91425" spcFirstLastPara="1" rIns="91425" wrap="square" tIns="91425">
+          <a:bodyPr spcFirstLastPara="1" wrap="square" lIns="91425" tIns="91425" rIns="91425" bIns="91425" anchor="t" anchorCtr="0">
             <a:noAutofit/>
           </a:bodyPr>
           <a:lstStyle/>
           <a:p>
-            <a:pPr indent="0" lvl="0" marL="0" rtl="0" algn="l">
+            <a:pPr marL="0" lvl="0" indent="0" algn="l" rtl="0">
               <a:spcBef>
                 <a:spcPts val="0"/>
               </a:spcBef>
@@ -9116,9 +9091,6 @@
               </a:spcAft>
               <a:buNone/>
             </a:pPr>
-            <a:r>
-              <a:t/>
-            </a:r>
             <a:endParaRPr/>
           </a:p>
         </p:txBody>
@@ -9160,11 +9132,11 @@
 </file>
 
 <file path=ppt/slides/slide5.xml><?xml version="1.0" encoding="utf-8"?>
-<p:sld xmlns:a="http://schemas.openxmlformats.org/drawingml/2006/main" xmlns:r="http://schemas.openxmlformats.org/officeDocument/2006/relationships" xmlns:mc="http://schemas.openxmlformats.org/markup-compatibility/2006" xmlns:mv="urn:schemas-microsoft-com:mac:vml" xmlns:p="http://schemas.openxmlformats.org/presentationml/2006/main" xmlns:c="http://schemas.openxmlformats.org/drawingml/2006/chart" xmlns:dgm="http://schemas.openxmlformats.org/drawingml/2006/diagram" xmlns:o="urn:schemas-microsoft-com:office:office" xmlns:v="urn:schemas-microsoft-com:vml" xmlns:pvml="urn:schemas-microsoft-com:office:powerpoint" xmlns:com="http://schemas.openxmlformats.org/drawingml/2006/compatibility" xmlns:p14="http://schemas.microsoft.com/office/powerpoint/2010/main" xmlns:p15="http://schemas.microsoft.com/office/powerpoint/2012/main">
+<p:sld xmlns:a="http://schemas.openxmlformats.org/drawingml/2006/main" xmlns:r="http://schemas.openxmlformats.org/officeDocument/2006/relationships" xmlns:p="http://schemas.openxmlformats.org/presentationml/2006/main">
   <p:cSld>
     <p:spTree>
       <p:nvGrpSpPr>
-        <p:cNvPr id="78" name="Shape 78"/>
+        <p:cNvPr id="1" name="Shape 78"/>
         <p:cNvGrpSpPr/>
         <p:nvPr/>
       </p:nvGrpSpPr>
@@ -9179,7 +9151,9 @@
       <p:sp>
         <p:nvSpPr>
           <p:cNvPr id="79" name="Google Shape;79;p17"/>
-          <p:cNvSpPr txBox="1"/>
+          <p:cNvSpPr txBox="1">
+            <a:spLocks noGrp="1"/>
+          </p:cNvSpPr>
           <p:nvPr>
             <p:ph type="title"/>
           </p:nvPr>
@@ -9194,12 +9168,12 @@
           </a:prstGeom>
         </p:spPr>
         <p:txBody>
-          <a:bodyPr anchorCtr="0" anchor="t" bIns="91425" lIns="91425" spcFirstLastPara="1" rIns="91425" wrap="square" tIns="91425">
+          <a:bodyPr spcFirstLastPara="1" wrap="square" lIns="91425" tIns="91425" rIns="91425" bIns="91425" anchor="t" anchorCtr="0">
             <a:noAutofit/>
           </a:bodyPr>
           <a:lstStyle/>
           <a:p>
-            <a:pPr indent="0" lvl="0" marL="0" rtl="0" algn="l">
+            <a:pPr marL="0" lvl="0" indent="0" algn="l" rtl="0">
               <a:spcBef>
                 <a:spcPts val="0"/>
               </a:spcBef>
@@ -9219,9 +9193,11 @@
       <p:sp>
         <p:nvSpPr>
           <p:cNvPr id="80" name="Google Shape;80;p17"/>
-          <p:cNvSpPr txBox="1"/>
+          <p:cNvSpPr txBox="1">
+            <a:spLocks noGrp="1"/>
+          </p:cNvSpPr>
           <p:nvPr>
-            <p:ph idx="1" type="body"/>
+            <p:ph type="body" idx="1"/>
           </p:nvPr>
         </p:nvSpPr>
         <p:spPr>
@@ -9234,12 +9210,12 @@
           </a:prstGeom>
         </p:spPr>
         <p:txBody>
-          <a:bodyPr anchorCtr="0" anchor="t" bIns="91425" lIns="91425" spcFirstLastPara="1" rIns="91425" wrap="square" tIns="91425">
+          <a:bodyPr spcFirstLastPara="1" wrap="square" lIns="91425" tIns="91425" rIns="91425" bIns="91425" anchor="t" anchorCtr="0">
             <a:noAutofit/>
           </a:bodyPr>
           <a:lstStyle/>
           <a:p>
-            <a:pPr indent="-342900" lvl="0" marL="457200" rtl="0" algn="l">
+            <a:pPr marL="457200" lvl="0" indent="-342900" algn="l" rtl="0">
               <a:lnSpc>
                 <a:spcPct val="150000"/>
               </a:lnSpc>
@@ -9259,7 +9235,7 @@
             <a:endParaRPr/>
           </a:p>
           <a:p>
-            <a:pPr indent="-342900" lvl="0" marL="457200" rtl="0" algn="l">
+            <a:pPr marL="457200" lvl="0" indent="-342900" algn="l" rtl="0">
               <a:lnSpc>
                 <a:spcPct val="150000"/>
               </a:lnSpc>
@@ -9279,7 +9255,7 @@
             <a:endParaRPr/>
           </a:p>
           <a:p>
-            <a:pPr indent="-342900" lvl="0" marL="457200" rtl="0" algn="l">
+            <a:pPr marL="457200" lvl="0" indent="-342900" algn="l" rtl="0">
               <a:lnSpc>
                 <a:spcPct val="150000"/>
               </a:lnSpc>
@@ -9299,7 +9275,7 @@
             <a:endParaRPr/>
           </a:p>
           <a:p>
-            <a:pPr indent="-342900" lvl="0" marL="457200" rtl="0" algn="l">
+            <a:pPr marL="457200" lvl="0" indent="-342900" algn="l" rtl="0">
               <a:lnSpc>
                 <a:spcPct val="150000"/>
               </a:lnSpc>
@@ -9329,11 +9305,11 @@
 </file>
 
 <file path=ppt/slides/slide6.xml><?xml version="1.0" encoding="utf-8"?>
-<p:sld xmlns:a="http://schemas.openxmlformats.org/drawingml/2006/main" xmlns:r="http://schemas.openxmlformats.org/officeDocument/2006/relationships" xmlns:mc="http://schemas.openxmlformats.org/markup-compatibility/2006" xmlns:mv="urn:schemas-microsoft-com:mac:vml" xmlns:p="http://schemas.openxmlformats.org/presentationml/2006/main" xmlns:c="http://schemas.openxmlformats.org/drawingml/2006/chart" xmlns:dgm="http://schemas.openxmlformats.org/drawingml/2006/diagram" xmlns:o="urn:schemas-microsoft-com:office:office" xmlns:v="urn:schemas-microsoft-com:vml" xmlns:pvml="urn:schemas-microsoft-com:office:powerpoint" xmlns:com="http://schemas.openxmlformats.org/drawingml/2006/compatibility" xmlns:p14="http://schemas.microsoft.com/office/powerpoint/2010/main" xmlns:p15="http://schemas.microsoft.com/office/powerpoint/2012/main">
+<p:sld xmlns:a="http://schemas.openxmlformats.org/drawingml/2006/main" xmlns:r="http://schemas.openxmlformats.org/officeDocument/2006/relationships" xmlns:p="http://schemas.openxmlformats.org/presentationml/2006/main">
   <p:cSld>
     <p:spTree>
       <p:nvGrpSpPr>
-        <p:cNvPr id="84" name="Shape 84"/>
+        <p:cNvPr id="1" name="Shape 84"/>
         <p:cNvGrpSpPr/>
         <p:nvPr/>
       </p:nvGrpSpPr>
@@ -9348,7 +9324,9 @@
       <p:sp>
         <p:nvSpPr>
           <p:cNvPr id="85" name="Google Shape;85;p18"/>
-          <p:cNvSpPr txBox="1"/>
+          <p:cNvSpPr txBox="1">
+            <a:spLocks noGrp="1"/>
+          </p:cNvSpPr>
           <p:nvPr>
             <p:ph type="title"/>
           </p:nvPr>
@@ -9363,12 +9341,12 @@
           </a:prstGeom>
         </p:spPr>
         <p:txBody>
-          <a:bodyPr anchorCtr="0" anchor="t" bIns="91425" lIns="91425" spcFirstLastPara="1" rIns="91425" wrap="square" tIns="91425">
+          <a:bodyPr spcFirstLastPara="1" wrap="square" lIns="91425" tIns="91425" rIns="91425" bIns="91425" anchor="t" anchorCtr="0">
             <a:noAutofit/>
           </a:bodyPr>
           <a:lstStyle/>
           <a:p>
-            <a:pPr indent="0" lvl="0" marL="0" rtl="0" algn="l">
+            <a:pPr marL="0" lvl="0" indent="0" algn="l" rtl="0">
               <a:spcBef>
                 <a:spcPts val="0"/>
               </a:spcBef>
@@ -9377,9 +9355,6 @@
               </a:spcAft>
               <a:buNone/>
             </a:pPr>
-            <a:r>
-              <a:t/>
-            </a:r>
             <a:endParaRPr/>
           </a:p>
         </p:txBody>
@@ -9387,9 +9362,11 @@
       <p:sp>
         <p:nvSpPr>
           <p:cNvPr id="86" name="Google Shape;86;p18"/>
-          <p:cNvSpPr txBox="1"/>
+          <p:cNvSpPr txBox="1">
+            <a:spLocks noGrp="1"/>
+          </p:cNvSpPr>
           <p:nvPr>
-            <p:ph idx="1" type="body"/>
+            <p:ph type="body" idx="1"/>
           </p:nvPr>
         </p:nvSpPr>
         <p:spPr>
@@ -9402,12 +9379,12 @@
           </a:prstGeom>
         </p:spPr>
         <p:txBody>
-          <a:bodyPr anchorCtr="0" anchor="t" bIns="91425" lIns="91425" spcFirstLastPara="1" rIns="91425" wrap="square" tIns="91425">
+          <a:bodyPr spcFirstLastPara="1" wrap="square" lIns="91425" tIns="91425" rIns="91425" bIns="91425" anchor="t" anchorCtr="0">
             <a:noAutofit/>
           </a:bodyPr>
           <a:lstStyle/>
           <a:p>
-            <a:pPr indent="0" lvl="0" marL="0" rtl="0" algn="l">
+            <a:pPr marL="0" lvl="0" indent="0" algn="l" rtl="0">
               <a:spcBef>
                 <a:spcPts val="0"/>
               </a:spcBef>
@@ -9416,9 +9393,6 @@
               </a:spcAft>
               <a:buNone/>
             </a:pPr>
-            <a:r>
-              <a:t/>
-            </a:r>
             <a:endParaRPr/>
           </a:p>
         </p:txBody>
@@ -9460,11 +9434,11 @@
 </file>
 
 <file path=ppt/slides/slide7.xml><?xml version="1.0" encoding="utf-8"?>
-<p:sld xmlns:a="http://schemas.openxmlformats.org/drawingml/2006/main" xmlns:r="http://schemas.openxmlformats.org/officeDocument/2006/relationships" xmlns:mc="http://schemas.openxmlformats.org/markup-compatibility/2006" xmlns:mv="urn:schemas-microsoft-com:mac:vml" xmlns:p="http://schemas.openxmlformats.org/presentationml/2006/main" xmlns:c="http://schemas.openxmlformats.org/drawingml/2006/chart" xmlns:dgm="http://schemas.openxmlformats.org/drawingml/2006/diagram" xmlns:o="urn:schemas-microsoft-com:office:office" xmlns:v="urn:schemas-microsoft-com:vml" xmlns:pvml="urn:schemas-microsoft-com:office:powerpoint" xmlns:com="http://schemas.openxmlformats.org/drawingml/2006/compatibility" xmlns:p14="http://schemas.microsoft.com/office/powerpoint/2010/main" xmlns:p15="http://schemas.microsoft.com/office/powerpoint/2012/main">
+<p:sld xmlns:a="http://schemas.openxmlformats.org/drawingml/2006/main" xmlns:r="http://schemas.openxmlformats.org/officeDocument/2006/relationships" xmlns:p="http://schemas.openxmlformats.org/presentationml/2006/main">
   <p:cSld>
     <p:spTree>
       <p:nvGrpSpPr>
-        <p:cNvPr id="91" name="Shape 91"/>
+        <p:cNvPr id="1" name="Shape 91"/>
         <p:cNvGrpSpPr/>
         <p:nvPr/>
       </p:nvGrpSpPr>
@@ -9479,7 +9453,9 @@
       <p:sp>
         <p:nvSpPr>
           <p:cNvPr id="92" name="Google Shape;92;p19"/>
-          <p:cNvSpPr txBox="1"/>
+          <p:cNvSpPr txBox="1">
+            <a:spLocks noGrp="1"/>
+          </p:cNvSpPr>
           <p:nvPr>
             <p:ph type="title"/>
           </p:nvPr>
@@ -9494,12 +9470,12 @@
           </a:prstGeom>
         </p:spPr>
         <p:txBody>
-          <a:bodyPr anchorCtr="0" anchor="t" bIns="91425" lIns="91425" spcFirstLastPara="1" rIns="91425" wrap="square" tIns="91425">
+          <a:bodyPr spcFirstLastPara="1" wrap="square" lIns="91425" tIns="91425" rIns="91425" bIns="91425" anchor="t" anchorCtr="0">
             <a:noAutofit/>
           </a:bodyPr>
           <a:lstStyle/>
           <a:p>
-            <a:pPr indent="0" lvl="0" marL="0" rtl="0" algn="l">
+            <a:pPr marL="0" lvl="0" indent="0" algn="l" rtl="0">
               <a:spcBef>
                 <a:spcPts val="0"/>
               </a:spcBef>
@@ -9519,9 +9495,11 @@
       <p:sp>
         <p:nvSpPr>
           <p:cNvPr id="93" name="Google Shape;93;p19"/>
-          <p:cNvSpPr txBox="1"/>
+          <p:cNvSpPr txBox="1">
+            <a:spLocks noGrp="1"/>
+          </p:cNvSpPr>
           <p:nvPr>
-            <p:ph idx="1" type="body"/>
+            <p:ph type="body" idx="1"/>
           </p:nvPr>
         </p:nvSpPr>
         <p:spPr>
@@ -9534,12 +9512,12 @@
           </a:prstGeom>
         </p:spPr>
         <p:txBody>
-          <a:bodyPr anchorCtr="0" anchor="t" bIns="91425" lIns="91425" spcFirstLastPara="1" rIns="91425" wrap="square" tIns="91425">
+          <a:bodyPr spcFirstLastPara="1" wrap="square" lIns="91425" tIns="91425" rIns="91425" bIns="91425" anchor="t" anchorCtr="0">
             <a:noAutofit/>
           </a:bodyPr>
           <a:lstStyle/>
           <a:p>
-            <a:pPr indent="-342900" lvl="0" marL="457200" rtl="0" algn="l">
+            <a:pPr marL="457200" lvl="0" indent="-342900" algn="l" rtl="0">
               <a:spcBef>
                 <a:spcPts val="0"/>
               </a:spcBef>
@@ -9556,7 +9534,7 @@
             <a:endParaRPr/>
           </a:p>
           <a:p>
-            <a:pPr indent="-342900" lvl="0" marL="457200" rtl="0" algn="l">
+            <a:pPr marL="457200" lvl="0" indent="-342900" algn="l" rtl="0">
               <a:spcBef>
                 <a:spcPts val="0"/>
               </a:spcBef>
@@ -9573,7 +9551,7 @@
             <a:endParaRPr/>
           </a:p>
           <a:p>
-            <a:pPr indent="-342900" lvl="0" marL="457200" rtl="0" algn="l">
+            <a:pPr marL="457200" lvl="0" indent="-342900" algn="l" rtl="0">
               <a:spcBef>
                 <a:spcPts val="0"/>
               </a:spcBef>
@@ -9590,7 +9568,7 @@
             <a:endParaRPr/>
           </a:p>
           <a:p>
-            <a:pPr indent="-342900" lvl="0" marL="457200" rtl="0" algn="l">
+            <a:pPr marL="457200" lvl="0" indent="-342900" algn="l" rtl="0">
               <a:spcBef>
                 <a:spcPts val="0"/>
               </a:spcBef>
@@ -9617,11 +9595,11 @@
 </file>
 
 <file path=ppt/slides/slide8.xml><?xml version="1.0" encoding="utf-8"?>
-<p:sld xmlns:a="http://schemas.openxmlformats.org/drawingml/2006/main" xmlns:r="http://schemas.openxmlformats.org/officeDocument/2006/relationships" xmlns:mc="http://schemas.openxmlformats.org/markup-compatibility/2006" xmlns:mv="urn:schemas-microsoft-com:mac:vml" xmlns:p="http://schemas.openxmlformats.org/presentationml/2006/main" xmlns:c="http://schemas.openxmlformats.org/drawingml/2006/chart" xmlns:dgm="http://schemas.openxmlformats.org/drawingml/2006/diagram" xmlns:o="urn:schemas-microsoft-com:office:office" xmlns:v="urn:schemas-microsoft-com:vml" xmlns:pvml="urn:schemas-microsoft-com:office:powerpoint" xmlns:com="http://schemas.openxmlformats.org/drawingml/2006/compatibility" xmlns:p14="http://schemas.microsoft.com/office/powerpoint/2010/main" xmlns:p15="http://schemas.microsoft.com/office/powerpoint/2012/main">
+<p:sld xmlns:a="http://schemas.openxmlformats.org/drawingml/2006/main" xmlns:r="http://schemas.openxmlformats.org/officeDocument/2006/relationships" xmlns:p="http://schemas.openxmlformats.org/presentationml/2006/main">
   <p:cSld>
     <p:spTree>
       <p:nvGrpSpPr>
-        <p:cNvPr id="97" name="Shape 97"/>
+        <p:cNvPr id="1" name="Shape 97"/>
         <p:cNvGrpSpPr/>
         <p:nvPr/>
       </p:nvGrpSpPr>
@@ -9636,7 +9614,9 @@
       <p:sp>
         <p:nvSpPr>
           <p:cNvPr id="98" name="Google Shape;98;p20"/>
-          <p:cNvSpPr txBox="1"/>
+          <p:cNvSpPr txBox="1">
+            <a:spLocks noGrp="1"/>
+          </p:cNvSpPr>
           <p:nvPr>
             <p:ph type="title"/>
           </p:nvPr>
@@ -9651,12 +9631,12 @@
           </a:prstGeom>
         </p:spPr>
         <p:txBody>
-          <a:bodyPr anchorCtr="0" anchor="t" bIns="91425" lIns="91425" spcFirstLastPara="1" rIns="91425" wrap="square" tIns="91425">
+          <a:bodyPr spcFirstLastPara="1" wrap="square" lIns="91425" tIns="91425" rIns="91425" bIns="91425" anchor="t" anchorCtr="0">
             <a:noAutofit/>
           </a:bodyPr>
           <a:lstStyle/>
           <a:p>
-            <a:pPr indent="0" lvl="0" marL="0" rtl="0" algn="l">
+            <a:pPr marL="0" lvl="0" indent="0" algn="l" rtl="0">
               <a:spcBef>
                 <a:spcPts val="0"/>
               </a:spcBef>
@@ -9665,9 +9645,6 @@
               </a:spcAft>
               <a:buNone/>
             </a:pPr>
-            <a:r>
-              <a:t/>
-            </a:r>
             <a:endParaRPr/>
           </a:p>
         </p:txBody>
@@ -9675,9 +9652,11 @@
       <p:sp>
         <p:nvSpPr>
           <p:cNvPr id="99" name="Google Shape;99;p20"/>
-          <p:cNvSpPr txBox="1"/>
+          <p:cNvSpPr txBox="1">
+            <a:spLocks noGrp="1"/>
+          </p:cNvSpPr>
           <p:nvPr>
-            <p:ph idx="1" type="body"/>
+            <p:ph type="body" idx="1"/>
           </p:nvPr>
         </p:nvSpPr>
         <p:spPr>
@@ -9690,12 +9669,12 @@
           </a:prstGeom>
         </p:spPr>
         <p:txBody>
-          <a:bodyPr anchorCtr="0" anchor="t" bIns="91425" lIns="91425" spcFirstLastPara="1" rIns="91425" wrap="square" tIns="91425">
+          <a:bodyPr spcFirstLastPara="1" wrap="square" lIns="91425" tIns="91425" rIns="91425" bIns="91425" anchor="t" anchorCtr="0">
             <a:noAutofit/>
           </a:bodyPr>
           <a:lstStyle/>
           <a:p>
-            <a:pPr indent="0" lvl="0" marL="0" rtl="0" algn="l">
+            <a:pPr marL="0" lvl="0" indent="0" algn="l" rtl="0">
               <a:spcBef>
                 <a:spcPts val="0"/>
               </a:spcBef>
@@ -9704,9 +9683,6 @@
               </a:spcAft>
               <a:buNone/>
             </a:pPr>
-            <a:r>
-              <a:t/>
-            </a:r>
             <a:endParaRPr/>
           </a:p>
         </p:txBody>
@@ -9748,11 +9724,11 @@
 </file>
 
 <file path=ppt/slides/slide9.xml><?xml version="1.0" encoding="utf-8"?>
-<p:sld xmlns:a="http://schemas.openxmlformats.org/drawingml/2006/main" xmlns:r="http://schemas.openxmlformats.org/officeDocument/2006/relationships" xmlns:mc="http://schemas.openxmlformats.org/markup-compatibility/2006" xmlns:mv="urn:schemas-microsoft-com:mac:vml" xmlns:p="http://schemas.openxmlformats.org/presentationml/2006/main" xmlns:c="http://schemas.openxmlformats.org/drawingml/2006/chart" xmlns:dgm="http://schemas.openxmlformats.org/drawingml/2006/diagram" xmlns:o="urn:schemas-microsoft-com:office:office" xmlns:v="urn:schemas-microsoft-com:vml" xmlns:pvml="urn:schemas-microsoft-com:office:powerpoint" xmlns:com="http://schemas.openxmlformats.org/drawingml/2006/compatibility" xmlns:p14="http://schemas.microsoft.com/office/powerpoint/2010/main" xmlns:p15="http://schemas.microsoft.com/office/powerpoint/2012/main">
+<p:sld xmlns:a="http://schemas.openxmlformats.org/drawingml/2006/main" xmlns:r="http://schemas.openxmlformats.org/officeDocument/2006/relationships" xmlns:p="http://schemas.openxmlformats.org/presentationml/2006/main">
   <p:cSld>
     <p:spTree>
       <p:nvGrpSpPr>
-        <p:cNvPr id="104" name="Shape 104"/>
+        <p:cNvPr id="1" name="Shape 104"/>
         <p:cNvGrpSpPr/>
         <p:nvPr/>
       </p:nvGrpSpPr>
@@ -9767,7 +9743,9 @@
       <p:sp>
         <p:nvSpPr>
           <p:cNvPr id="105" name="Google Shape;105;p21"/>
-          <p:cNvSpPr txBox="1"/>
+          <p:cNvSpPr txBox="1">
+            <a:spLocks noGrp="1"/>
+          </p:cNvSpPr>
           <p:nvPr>
             <p:ph type="title"/>
           </p:nvPr>
@@ -9782,12 +9760,12 @@
           </a:prstGeom>
         </p:spPr>
         <p:txBody>
-          <a:bodyPr anchorCtr="0" anchor="t" bIns="91425" lIns="91425" spcFirstLastPara="1" rIns="91425" wrap="square" tIns="91425">
+          <a:bodyPr spcFirstLastPara="1" wrap="square" lIns="91425" tIns="91425" rIns="91425" bIns="91425" anchor="t" anchorCtr="0">
             <a:noAutofit/>
           </a:bodyPr>
           <a:lstStyle/>
           <a:p>
-            <a:pPr indent="0" lvl="0" marL="0" rtl="0" algn="l">
+            <a:pPr marL="0" lvl="0" indent="0" algn="l" rtl="0">
               <a:spcBef>
                 <a:spcPts val="0"/>
               </a:spcBef>
@@ -9807,9 +9785,11 @@
       <p:sp>
         <p:nvSpPr>
           <p:cNvPr id="106" name="Google Shape;106;p21"/>
-          <p:cNvSpPr txBox="1"/>
+          <p:cNvSpPr txBox="1">
+            <a:spLocks noGrp="1"/>
+          </p:cNvSpPr>
           <p:nvPr>
-            <p:ph idx="1" type="body"/>
+            <p:ph type="body" idx="1"/>
           </p:nvPr>
         </p:nvSpPr>
         <p:spPr>
@@ -9822,12 +9802,12 @@
           </a:prstGeom>
         </p:spPr>
         <p:txBody>
-          <a:bodyPr anchorCtr="0" anchor="t" bIns="91425" lIns="91425" spcFirstLastPara="1" rIns="91425" wrap="square" tIns="91425">
+          <a:bodyPr spcFirstLastPara="1" wrap="square" lIns="91425" tIns="91425" rIns="91425" bIns="91425" anchor="t" anchorCtr="0">
             <a:noAutofit/>
           </a:bodyPr>
           <a:lstStyle/>
           <a:p>
-            <a:pPr indent="-342900" lvl="0" marL="457200" rtl="0" algn="l">
+            <a:pPr marL="457200" lvl="0" indent="-342900" algn="l" rtl="0">
               <a:lnSpc>
                 <a:spcPct val="150000"/>
               </a:lnSpc>
@@ -9847,7 +9827,7 @@
             <a:endParaRPr/>
           </a:p>
           <a:p>
-            <a:pPr indent="-342900" lvl="0" marL="457200" rtl="0" algn="l">
+            <a:pPr marL="457200" lvl="0" indent="-342900" algn="l" rtl="0">
               <a:lnSpc>
                 <a:spcPct val="150000"/>
               </a:lnSpc>
@@ -9867,7 +9847,7 @@
             <a:endParaRPr/>
           </a:p>
           <a:p>
-            <a:pPr indent="-342900" lvl="0" marL="457200" rtl="0" algn="l">
+            <a:pPr marL="457200" lvl="0" indent="-342900" algn="l" rtl="0">
               <a:lnSpc>
                 <a:spcPct val="150000"/>
               </a:lnSpc>
@@ -9887,7 +9867,7 @@
             <a:endParaRPr/>
           </a:p>
           <a:p>
-            <a:pPr indent="-342900" lvl="0" marL="457200" rtl="0" algn="l">
+            <a:pPr marL="457200" lvl="0" indent="-342900" algn="l" rtl="0">
               <a:lnSpc>
                 <a:spcPct val="150000"/>
               </a:lnSpc>
@@ -9907,7 +9887,7 @@
             <a:endParaRPr/>
           </a:p>
           <a:p>
-            <a:pPr indent="0" lvl="0" marL="0" rtl="0" algn="l">
+            <a:pPr marL="0" lvl="0" indent="0" algn="l" rtl="0">
               <a:lnSpc>
                 <a:spcPct val="150000"/>
               </a:lnSpc>
@@ -9919,9 +9899,6 @@
               </a:spcAft>
               <a:buNone/>
             </a:pPr>
-            <a:r>
-              <a:t/>
-            </a:r>
             <a:endParaRPr/>
           </a:p>
         </p:txBody>
@@ -9935,7 +9912,288 @@
 </file>
 
 <file path=ppt/theme/theme1.xml><?xml version="1.0" encoding="utf-8"?>
-<a:theme xmlns:a="http://schemas.openxmlformats.org/drawingml/2006/main" xmlns:r="http://schemas.openxmlformats.org/officeDocument/2006/relationships">
+<a:theme xmlns:a="http://schemas.openxmlformats.org/drawingml/2006/main" name="Simple Dark">
+  <a:themeElements>
+    <a:clrScheme name="Simple Dark">
+      <a:dk1>
+        <a:srgbClr val="FFFFFF"/>
+      </a:dk1>
+      <a:lt1>
+        <a:srgbClr val="212121"/>
+      </a:lt1>
+      <a:dk2>
+        <a:srgbClr val="303030"/>
+      </a:dk2>
+      <a:lt2>
+        <a:srgbClr val="ADADAD"/>
+      </a:lt2>
+      <a:accent1>
+        <a:srgbClr val="009688"/>
+      </a:accent1>
+      <a:accent2>
+        <a:srgbClr val="EEEEEE"/>
+      </a:accent2>
+      <a:accent3>
+        <a:srgbClr val="78909C"/>
+      </a:accent3>
+      <a:accent4>
+        <a:srgbClr val="FFAB40"/>
+      </a:accent4>
+      <a:accent5>
+        <a:srgbClr val="4DD0E1"/>
+      </a:accent5>
+      <a:accent6>
+        <a:srgbClr val="EEFF41"/>
+      </a:accent6>
+      <a:hlink>
+        <a:srgbClr val="4DD0E1"/>
+      </a:hlink>
+      <a:folHlink>
+        <a:srgbClr val="4DD0E1"/>
+      </a:folHlink>
+    </a:clrScheme>
+    <a:fontScheme name="Office">
+      <a:majorFont>
+        <a:latin typeface="Arial"/>
+        <a:ea typeface=""/>
+        <a:cs typeface=""/>
+        <a:font script="Jpan" typeface="ＭＳ Ｐゴシック"/>
+        <a:font script="Hang" typeface="맑은 고딕"/>
+        <a:font script="Hans" typeface="宋体"/>
+        <a:font script="Hant" typeface="新細明體"/>
+        <a:font script="Arab" typeface="Times New Roman"/>
+        <a:font script="Hebr" typeface="Times New Roman"/>
+        <a:font script="Thai" typeface="Angsana New"/>
+        <a:font script="Ethi" typeface="Nyala"/>
+        <a:font script="Beng" typeface="Vrinda"/>
+        <a:font script="Gujr" typeface="Shruti"/>
+        <a:font script="Khmr" typeface="MoolBoran"/>
+        <a:font script="Knda" typeface="Tunga"/>
+        <a:font script="Guru" typeface="Raavi"/>
+        <a:font script="Cans" typeface="Euphemia"/>
+        <a:font script="Cher" typeface="Plantagenet Cherokee"/>
+        <a:font script="Yiii" typeface="Microsoft Yi Baiti"/>
+        <a:font script="Tibt" typeface="Microsoft Himalaya"/>
+        <a:font script="Thaa" typeface="MV Boli"/>
+        <a:font script="Deva" typeface="Mangal"/>
+        <a:font script="Telu" typeface="Gautami"/>
+        <a:font script="Taml" typeface="Latha"/>
+        <a:font script="Syrc" typeface="Estrangelo Edessa"/>
+        <a:font script="Orya" typeface="Kalinga"/>
+        <a:font script="Mlym" typeface="Kartika"/>
+        <a:font script="Laoo" typeface="DokChampa"/>
+        <a:font script="Sinh" typeface="Iskoola Pota"/>
+        <a:font script="Mong" typeface="Mongolian Baiti"/>
+        <a:font script="Viet" typeface="Times New Roman"/>
+        <a:font script="Uigh" typeface="Microsoft Uighur"/>
+        <a:font script="Geor" typeface="Sylfaen"/>
+      </a:majorFont>
+      <a:minorFont>
+        <a:latin typeface="Arial"/>
+        <a:ea typeface=""/>
+        <a:cs typeface=""/>
+        <a:font script="Jpan" typeface="ＭＳ Ｐゴシック"/>
+        <a:font script="Hang" typeface="맑은 고딕"/>
+        <a:font script="Hans" typeface="宋体"/>
+        <a:font script="Hant" typeface="新細明體"/>
+        <a:font script="Arab" typeface="Arial"/>
+        <a:font script="Hebr" typeface="Arial"/>
+        <a:font script="Thai" typeface="Cordia New"/>
+        <a:font script="Ethi" typeface="Nyala"/>
+        <a:font script="Beng" typeface="Vrinda"/>
+        <a:font script="Gujr" typeface="Shruti"/>
+        <a:font script="Khmr" typeface="DaunPenh"/>
+        <a:font script="Knda" typeface="Tunga"/>
+        <a:font script="Guru" typeface="Raavi"/>
+        <a:font script="Cans" typeface="Euphemia"/>
+        <a:font script="Cher" typeface="Plantagenet Cherokee"/>
+        <a:font script="Yiii" typeface="Microsoft Yi Baiti"/>
+        <a:font script="Tibt" typeface="Microsoft Himalaya"/>
+        <a:font script="Thaa" typeface="MV Boli"/>
+        <a:font script="Deva" typeface="Mangal"/>
+        <a:font script="Telu" typeface="Gautami"/>
+        <a:font script="Taml" typeface="Latha"/>
+        <a:font script="Syrc" typeface="Estrangelo Edessa"/>
+        <a:font script="Orya" typeface="Kalinga"/>
+        <a:font script="Mlym" typeface="Kartika"/>
+        <a:font script="Laoo" typeface="DokChampa"/>
+        <a:font script="Sinh" typeface="Iskoola Pota"/>
+        <a:font script="Mong" typeface="Mongolian Baiti"/>
+        <a:font script="Viet" typeface="Arial"/>
+        <a:font script="Uigh" typeface="Microsoft Uighur"/>
+        <a:font script="Geor" typeface="Sylfaen"/>
+      </a:minorFont>
+    </a:fontScheme>
+    <a:fmtScheme name="Office">
+      <a:fillStyleLst>
+        <a:solidFill>
+          <a:schemeClr val="phClr"/>
+        </a:solidFill>
+        <a:gradFill rotWithShape="1">
+          <a:gsLst>
+            <a:gs pos="0">
+              <a:schemeClr val="phClr">
+                <a:tint val="50000"/>
+                <a:satMod val="300000"/>
+              </a:schemeClr>
+            </a:gs>
+            <a:gs pos="35000">
+              <a:schemeClr val="phClr">
+                <a:tint val="37000"/>
+                <a:satMod val="300000"/>
+              </a:schemeClr>
+            </a:gs>
+            <a:gs pos="100000">
+              <a:schemeClr val="phClr">
+                <a:tint val="15000"/>
+                <a:satMod val="350000"/>
+              </a:schemeClr>
+            </a:gs>
+          </a:gsLst>
+          <a:lin ang="16200000" scaled="1"/>
+        </a:gradFill>
+        <a:gradFill rotWithShape="1">
+          <a:gsLst>
+            <a:gs pos="0">
+              <a:schemeClr val="phClr">
+                <a:tint val="100000"/>
+                <a:shade val="100000"/>
+                <a:satMod val="130000"/>
+              </a:schemeClr>
+            </a:gs>
+            <a:gs pos="100000">
+              <a:schemeClr val="phClr">
+                <a:tint val="50000"/>
+                <a:shade val="100000"/>
+                <a:satMod val="350000"/>
+              </a:schemeClr>
+            </a:gs>
+          </a:gsLst>
+          <a:lin ang="16200000" scaled="0"/>
+        </a:gradFill>
+      </a:fillStyleLst>
+      <a:lnStyleLst>
+        <a:ln w="9525" cap="flat" cmpd="sng" algn="ctr">
+          <a:solidFill>
+            <a:schemeClr val="phClr">
+              <a:shade val="95000"/>
+              <a:satMod val="105000"/>
+            </a:schemeClr>
+          </a:solidFill>
+          <a:prstDash val="solid"/>
+        </a:ln>
+        <a:ln w="25400" cap="flat" cmpd="sng" algn="ctr">
+          <a:solidFill>
+            <a:schemeClr val="phClr"/>
+          </a:solidFill>
+          <a:prstDash val="solid"/>
+        </a:ln>
+        <a:ln w="38100" cap="flat" cmpd="sng" algn="ctr">
+          <a:solidFill>
+            <a:schemeClr val="phClr"/>
+          </a:solidFill>
+          <a:prstDash val="solid"/>
+        </a:ln>
+      </a:lnStyleLst>
+      <a:effectStyleLst>
+        <a:effectStyle>
+          <a:effectLst>
+            <a:outerShdw blurRad="40000" dist="20000" dir="5400000" rotWithShape="0">
+              <a:srgbClr val="000000">
+                <a:alpha val="38000"/>
+              </a:srgbClr>
+            </a:outerShdw>
+          </a:effectLst>
+        </a:effectStyle>
+        <a:effectStyle>
+          <a:effectLst>
+            <a:outerShdw blurRad="40000" dist="23000" dir="5400000" rotWithShape="0">
+              <a:srgbClr val="000000">
+                <a:alpha val="35000"/>
+              </a:srgbClr>
+            </a:outerShdw>
+          </a:effectLst>
+        </a:effectStyle>
+        <a:effectStyle>
+          <a:effectLst>
+            <a:outerShdw blurRad="40000" dist="23000" dir="5400000" rotWithShape="0">
+              <a:srgbClr val="000000">
+                <a:alpha val="35000"/>
+              </a:srgbClr>
+            </a:outerShdw>
+          </a:effectLst>
+          <a:scene3d>
+            <a:camera prst="orthographicFront">
+              <a:rot lat="0" lon="0" rev="0"/>
+            </a:camera>
+            <a:lightRig rig="threePt" dir="t">
+              <a:rot lat="0" lon="0" rev="1200000"/>
+            </a:lightRig>
+          </a:scene3d>
+          <a:sp3d>
+            <a:bevelT w="63500" h="25400"/>
+          </a:sp3d>
+        </a:effectStyle>
+      </a:effectStyleLst>
+      <a:bgFillStyleLst>
+        <a:solidFill>
+          <a:schemeClr val="phClr"/>
+        </a:solidFill>
+        <a:gradFill rotWithShape="1">
+          <a:gsLst>
+            <a:gs pos="0">
+              <a:schemeClr val="phClr">
+                <a:tint val="40000"/>
+                <a:satMod val="350000"/>
+              </a:schemeClr>
+            </a:gs>
+            <a:gs pos="40000">
+              <a:schemeClr val="phClr">
+                <a:tint val="45000"/>
+                <a:shade val="99000"/>
+                <a:satMod val="350000"/>
+              </a:schemeClr>
+            </a:gs>
+            <a:gs pos="100000">
+              <a:schemeClr val="phClr">
+                <a:shade val="20000"/>
+                <a:satMod val="255000"/>
+              </a:schemeClr>
+            </a:gs>
+          </a:gsLst>
+          <a:path path="circle">
+            <a:fillToRect l="50000" t="-80000" r="50000" b="180000"/>
+          </a:path>
+        </a:gradFill>
+        <a:gradFill rotWithShape="1">
+          <a:gsLst>
+            <a:gs pos="0">
+              <a:schemeClr val="phClr">
+                <a:tint val="80000"/>
+                <a:satMod val="300000"/>
+              </a:schemeClr>
+            </a:gs>
+            <a:gs pos="100000">
+              <a:schemeClr val="phClr">
+                <a:shade val="30000"/>
+                <a:satMod val="200000"/>
+              </a:schemeClr>
+            </a:gs>
+          </a:gsLst>
+          <a:path path="circle">
+            <a:fillToRect l="50000" t="50000" r="50000" b="50000"/>
+          </a:path>
+        </a:gradFill>
+      </a:bgFillStyleLst>
+    </a:fmtScheme>
+  </a:themeElements>
+  <a:objectDefaults/>
+  <a:extraClrSchemeLst/>
+</a:theme>
+</file>
+
+<file path=ppt/theme/theme2.xml><?xml version="1.0" encoding="utf-8"?>
+<a:theme xmlns:a="http://schemas.openxmlformats.org/drawingml/2006/main">
   <a:themeElements>
     <a:clrScheme name="Default">
       <a:dk1>
@@ -10210,284 +10468,7 @@
       </a:bgFillStyleLst>
     </a:fmtScheme>
   </a:themeElements>
-</a:theme>
-</file>
-
-<file path=ppt/theme/theme2.xml><?xml version="1.0" encoding="utf-8"?>
-<a:theme xmlns:a="http://schemas.openxmlformats.org/drawingml/2006/main" xmlns:r="http://schemas.openxmlformats.org/officeDocument/2006/relationships" name="Simple Dark">
-  <a:themeElements>
-    <a:clrScheme name="Simple Dark">
-      <a:dk1>
-        <a:srgbClr val="FFFFFF"/>
-      </a:dk1>
-      <a:lt1>
-        <a:srgbClr val="212121"/>
-      </a:lt1>
-      <a:dk2>
-        <a:srgbClr val="303030"/>
-      </a:dk2>
-      <a:lt2>
-        <a:srgbClr val="ADADAD"/>
-      </a:lt2>
-      <a:accent1>
-        <a:srgbClr val="009688"/>
-      </a:accent1>
-      <a:accent2>
-        <a:srgbClr val="EEEEEE"/>
-      </a:accent2>
-      <a:accent3>
-        <a:srgbClr val="78909C"/>
-      </a:accent3>
-      <a:accent4>
-        <a:srgbClr val="FFAB40"/>
-      </a:accent4>
-      <a:accent5>
-        <a:srgbClr val="4DD0E1"/>
-      </a:accent5>
-      <a:accent6>
-        <a:srgbClr val="EEFF41"/>
-      </a:accent6>
-      <a:hlink>
-        <a:srgbClr val="4DD0E1"/>
-      </a:hlink>
-      <a:folHlink>
-        <a:srgbClr val="4DD0E1"/>
-      </a:folHlink>
-    </a:clrScheme>
-    <a:fontScheme name="Office">
-      <a:majorFont>
-        <a:latin typeface="Arial"/>
-        <a:ea typeface=""/>
-        <a:cs typeface=""/>
-        <a:font script="Jpan" typeface="ＭＳ Ｐゴシック"/>
-        <a:font script="Hang" typeface="맑은 고딕"/>
-        <a:font script="Hans" typeface="宋体"/>
-        <a:font script="Hant" typeface="新細明體"/>
-        <a:font script="Arab" typeface="Times New Roman"/>
-        <a:font script="Hebr" typeface="Times New Roman"/>
-        <a:font script="Thai" typeface="Angsana New"/>
-        <a:font script="Ethi" typeface="Nyala"/>
-        <a:font script="Beng" typeface="Vrinda"/>
-        <a:font script="Gujr" typeface="Shruti"/>
-        <a:font script="Khmr" typeface="MoolBoran"/>
-        <a:font script="Knda" typeface="Tunga"/>
-        <a:font script="Guru" typeface="Raavi"/>
-        <a:font script="Cans" typeface="Euphemia"/>
-        <a:font script="Cher" typeface="Plantagenet Cherokee"/>
-        <a:font script="Yiii" typeface="Microsoft Yi Baiti"/>
-        <a:font script="Tibt" typeface="Microsoft Himalaya"/>
-        <a:font script="Thaa" typeface="MV Boli"/>
-        <a:font script="Deva" typeface="Mangal"/>
-        <a:font script="Telu" typeface="Gautami"/>
-        <a:font script="Taml" typeface="Latha"/>
-        <a:font script="Syrc" typeface="Estrangelo Edessa"/>
-        <a:font script="Orya" typeface="Kalinga"/>
-        <a:font script="Mlym" typeface="Kartika"/>
-        <a:font script="Laoo" typeface="DokChampa"/>
-        <a:font script="Sinh" typeface="Iskoola Pota"/>
-        <a:font script="Mong" typeface="Mongolian Baiti"/>
-        <a:font script="Viet" typeface="Times New Roman"/>
-        <a:font script="Uigh" typeface="Microsoft Uighur"/>
-        <a:font script="Geor" typeface="Sylfaen"/>
-      </a:majorFont>
-      <a:minorFont>
-        <a:latin typeface="Arial"/>
-        <a:ea typeface=""/>
-        <a:cs typeface=""/>
-        <a:font script="Jpan" typeface="ＭＳ Ｐゴシック"/>
-        <a:font script="Hang" typeface="맑은 고딕"/>
-        <a:font script="Hans" typeface="宋体"/>
-        <a:font script="Hant" typeface="新細明體"/>
-        <a:font script="Arab" typeface="Arial"/>
-        <a:font script="Hebr" typeface="Arial"/>
-        <a:font script="Thai" typeface="Cordia New"/>
-        <a:font script="Ethi" typeface="Nyala"/>
-        <a:font script="Beng" typeface="Vrinda"/>
-        <a:font script="Gujr" typeface="Shruti"/>
-        <a:font script="Khmr" typeface="DaunPenh"/>
-        <a:font script="Knda" typeface="Tunga"/>
-        <a:font script="Guru" typeface="Raavi"/>
-        <a:font script="Cans" typeface="Euphemia"/>
-        <a:font script="Cher" typeface="Plantagenet Cherokee"/>
-        <a:font script="Yiii" typeface="Microsoft Yi Baiti"/>
-        <a:font script="Tibt" typeface="Microsoft Himalaya"/>
-        <a:font script="Thaa" typeface="MV Boli"/>
-        <a:font script="Deva" typeface="Mangal"/>
-        <a:font script="Telu" typeface="Gautami"/>
-        <a:font script="Taml" typeface="Latha"/>
-        <a:font script="Syrc" typeface="Estrangelo Edessa"/>
-        <a:font script="Orya" typeface="Kalinga"/>
-        <a:font script="Mlym" typeface="Kartika"/>
-        <a:font script="Laoo" typeface="DokChampa"/>
-        <a:font script="Sinh" typeface="Iskoola Pota"/>
-        <a:font script="Mong" typeface="Mongolian Baiti"/>
-        <a:font script="Viet" typeface="Arial"/>
-        <a:font script="Uigh" typeface="Microsoft Uighur"/>
-        <a:font script="Geor" typeface="Sylfaen"/>
-      </a:minorFont>
-    </a:fontScheme>
-    <a:fmtScheme name="Office">
-      <a:fillStyleLst>
-        <a:solidFill>
-          <a:schemeClr val="phClr"/>
-        </a:solidFill>
-        <a:gradFill rotWithShape="1">
-          <a:gsLst>
-            <a:gs pos="0">
-              <a:schemeClr val="phClr">
-                <a:tint val="50000"/>
-                <a:satMod val="300000"/>
-              </a:schemeClr>
-            </a:gs>
-            <a:gs pos="35000">
-              <a:schemeClr val="phClr">
-                <a:tint val="37000"/>
-                <a:satMod val="300000"/>
-              </a:schemeClr>
-            </a:gs>
-            <a:gs pos="100000">
-              <a:schemeClr val="phClr">
-                <a:tint val="15000"/>
-                <a:satMod val="350000"/>
-              </a:schemeClr>
-            </a:gs>
-          </a:gsLst>
-          <a:lin ang="16200000" scaled="1"/>
-        </a:gradFill>
-        <a:gradFill rotWithShape="1">
-          <a:gsLst>
-            <a:gs pos="0">
-              <a:schemeClr val="phClr">
-                <a:tint val="100000"/>
-                <a:shade val="100000"/>
-                <a:satMod val="130000"/>
-              </a:schemeClr>
-            </a:gs>
-            <a:gs pos="100000">
-              <a:schemeClr val="phClr">
-                <a:tint val="50000"/>
-                <a:shade val="100000"/>
-                <a:satMod val="350000"/>
-              </a:schemeClr>
-            </a:gs>
-          </a:gsLst>
-          <a:lin ang="16200000" scaled="0"/>
-        </a:gradFill>
-      </a:fillStyleLst>
-      <a:lnStyleLst>
-        <a:ln w="9525" cap="flat" cmpd="sng" algn="ctr">
-          <a:solidFill>
-            <a:schemeClr val="phClr">
-              <a:shade val="95000"/>
-              <a:satMod val="105000"/>
-            </a:schemeClr>
-          </a:solidFill>
-          <a:prstDash val="solid"/>
-        </a:ln>
-        <a:ln w="25400" cap="flat" cmpd="sng" algn="ctr">
-          <a:solidFill>
-            <a:schemeClr val="phClr"/>
-          </a:solidFill>
-          <a:prstDash val="solid"/>
-        </a:ln>
-        <a:ln w="38100" cap="flat" cmpd="sng" algn="ctr">
-          <a:solidFill>
-            <a:schemeClr val="phClr"/>
-          </a:solidFill>
-          <a:prstDash val="solid"/>
-        </a:ln>
-      </a:lnStyleLst>
-      <a:effectStyleLst>
-        <a:effectStyle>
-          <a:effectLst>
-            <a:outerShdw blurRad="40000" dist="20000" dir="5400000" rotWithShape="0">
-              <a:srgbClr val="000000">
-                <a:alpha val="38000"/>
-              </a:srgbClr>
-            </a:outerShdw>
-          </a:effectLst>
-        </a:effectStyle>
-        <a:effectStyle>
-          <a:effectLst>
-            <a:outerShdw blurRad="40000" dist="23000" dir="5400000" rotWithShape="0">
-              <a:srgbClr val="000000">
-                <a:alpha val="35000"/>
-              </a:srgbClr>
-            </a:outerShdw>
-          </a:effectLst>
-        </a:effectStyle>
-        <a:effectStyle>
-          <a:effectLst>
-            <a:outerShdw blurRad="40000" dist="23000" dir="5400000" rotWithShape="0">
-              <a:srgbClr val="000000">
-                <a:alpha val="35000"/>
-              </a:srgbClr>
-            </a:outerShdw>
-          </a:effectLst>
-          <a:scene3d>
-            <a:camera prst="orthographicFront">
-              <a:rot lat="0" lon="0" rev="0"/>
-            </a:camera>
-            <a:lightRig rig="threePt" dir="t">
-              <a:rot lat="0" lon="0" rev="1200000"/>
-            </a:lightRig>
-          </a:scene3d>
-          <a:sp3d>
-            <a:bevelT w="63500" h="25400"/>
-          </a:sp3d>
-        </a:effectStyle>
-      </a:effectStyleLst>
-      <a:bgFillStyleLst>
-        <a:solidFill>
-          <a:schemeClr val="phClr"/>
-        </a:solidFill>
-        <a:gradFill rotWithShape="1">
-          <a:gsLst>
-            <a:gs pos="0">
-              <a:schemeClr val="phClr">
-                <a:tint val="40000"/>
-                <a:satMod val="350000"/>
-              </a:schemeClr>
-            </a:gs>
-            <a:gs pos="40000">
-              <a:schemeClr val="phClr">
-                <a:tint val="45000"/>
-                <a:shade val="99000"/>
-                <a:satMod val="350000"/>
-              </a:schemeClr>
-            </a:gs>
-            <a:gs pos="100000">
-              <a:schemeClr val="phClr">
-                <a:shade val="20000"/>
-                <a:satMod val="255000"/>
-              </a:schemeClr>
-            </a:gs>
-          </a:gsLst>
-          <a:path path="circle">
-            <a:fillToRect l="50000" t="-80000" r="50000" b="180000"/>
-          </a:path>
-        </a:gradFill>
-        <a:gradFill rotWithShape="1">
-          <a:gsLst>
-            <a:gs pos="0">
-              <a:schemeClr val="phClr">
-                <a:tint val="80000"/>
-                <a:satMod val="300000"/>
-              </a:schemeClr>
-            </a:gs>
-            <a:gs pos="100000">
-              <a:schemeClr val="phClr">
-                <a:shade val="30000"/>
-                <a:satMod val="200000"/>
-              </a:schemeClr>
-            </a:gs>
-          </a:gsLst>
-          <a:path path="circle">
-            <a:fillToRect l="50000" t="50000" r="50000" b="50000"/>
-          </a:path>
-        </a:gradFill>
-      </a:bgFillStyleLst>
-    </a:fmtScheme>
-  </a:themeElements>
+  <a:objectDefaults/>
+  <a:extraClrSchemeLst/>
 </a:theme>
 </file>
--- a/Installation and Git Workshop.pptx
+++ b/Installation and Git Workshop.pptx
@@ -1577,7 +1577,7 @@
         </p:nvSpPr>
         <p:spPr>
           <a:xfrm>
-            <a:off x="381300" y="685800"/>
+            <a:off x="381000" y="685800"/>
             <a:ext cx="6096000" cy="3429000"/>
           </a:xfrm>
           <a:custGeom>
@@ -8563,10 +8563,9 @@
               <a:buChar char="●"/>
             </a:pPr>
             <a:r>
-              <a:rPr lang="en"/>
+              <a:rPr lang="en-US" dirty="0"/>
               <a:t>Packages:</a:t>
             </a:r>
-            <a:endParaRPr/>
           </a:p>
           <a:p>
             <a:pPr marL="914400" lvl="1" indent="-317500" algn="l" rtl="0">
@@ -8580,10 +8579,9 @@
               <a:buChar char="○"/>
             </a:pPr>
             <a:r>
-              <a:rPr lang="en"/>
+              <a:rPr lang="en-US" dirty="0"/>
               <a:t>Anaconda (+Python)</a:t>
             </a:r>
-            <a:endParaRPr/>
           </a:p>
           <a:p>
             <a:pPr marL="1371600" lvl="2" indent="-317500" algn="l" rtl="0">
@@ -8597,7 +8595,7 @@
               <a:buChar char="■"/>
             </a:pPr>
             <a:r>
-              <a:rPr lang="en" sz="1100" u="sng">
+              <a:rPr lang="en-US" sz="1100" u="sng" dirty="0">
                 <a:solidFill>
                   <a:schemeClr val="hlink"/>
                 </a:solidFill>
@@ -8605,7 +8603,7 @@
               </a:rPr>
               <a:t>https://www.anaconda.com/distribution/#download-section</a:t>
             </a:r>
-            <a:endParaRPr/>
+            <a:endParaRPr lang="en-US" dirty="0"/>
           </a:p>
           <a:p>
             <a:pPr marL="1371600" lvl="2" indent="-317500" algn="l" rtl="0">
@@ -8619,7 +8617,7 @@
               <a:buChar char="■"/>
             </a:pPr>
             <a:r>
-              <a:rPr lang="en" sz="1100" u="sng">
+              <a:rPr lang="en-US" sz="1100" u="sng" dirty="0">
                 <a:solidFill>
                   <a:schemeClr val="hlink"/>
                 </a:solidFill>
@@ -8627,7 +8625,7 @@
               </a:rPr>
               <a:t>https://docs.conda.io/projects/conda/en/4.6.0/_downloads/52a95608c49671267e40c689e0bc00ca/conda-cheatsheet.pdf</a:t>
             </a:r>
-            <a:endParaRPr/>
+            <a:endParaRPr lang="en-US" dirty="0"/>
           </a:p>
           <a:p>
             <a:pPr marL="914400" lvl="1" indent="-317500" algn="l" rtl="0">
@@ -8641,10 +8639,9 @@
               <a:buChar char="○"/>
             </a:pPr>
             <a:r>
-              <a:rPr lang="en"/>
+              <a:rPr lang="en-US" dirty="0"/>
               <a:t>Notepad++</a:t>
             </a:r>
-            <a:endParaRPr/>
           </a:p>
           <a:p>
             <a:pPr marL="1371600" lvl="2" indent="-317500" algn="l" rtl="0">
@@ -8658,7 +8655,7 @@
               <a:buChar char="■"/>
             </a:pPr>
             <a:r>
-              <a:rPr lang="en" sz="1100" u="sng">
+              <a:rPr lang="en-US" sz="1100" u="sng" dirty="0">
                 <a:solidFill>
                   <a:schemeClr val="hlink"/>
                 </a:solidFill>
@@ -8666,7 +8663,7 @@
               </a:rPr>
               <a:t>https://notepad-plus-plus.org/</a:t>
             </a:r>
-            <a:endParaRPr/>
+            <a:endParaRPr lang="en-US" dirty="0"/>
           </a:p>
           <a:p>
             <a:pPr marL="914400" lvl="1" indent="-317500" algn="l" rtl="0">
@@ -8680,10 +8677,9 @@
               <a:buChar char="○"/>
             </a:pPr>
             <a:r>
-              <a:rPr lang="en"/>
-              <a:t>Torch</a:t>
+              <a:rPr lang="en-US" dirty="0"/>
+              <a:t>PyCharm</a:t>
             </a:r>
-            <a:endParaRPr/>
           </a:p>
           <a:p>
             <a:pPr marL="1371600" lvl="2" indent="-317500" algn="l" rtl="0">
@@ -8697,7 +8693,45 @@
               <a:buChar char="■"/>
             </a:pPr>
             <a:r>
-              <a:rPr lang="en" sz="1100" u="sng">
+              <a:rPr lang="en-US" sz="1100" u="sng" dirty="0">
+                <a:solidFill>
+                  <a:schemeClr val="hlink"/>
+                </a:solidFill>
+              </a:rPr>
+              <a:t>https://www.jetbrains.com/pycharm/download/#section=windows</a:t>
+            </a:r>
+            <a:endParaRPr lang="en-US" dirty="0"/>
+          </a:p>
+          <a:p>
+            <a:pPr marL="914400" lvl="1" indent="-317500" algn="l" rtl="0">
+              <a:spcBef>
+                <a:spcPts val="0"/>
+              </a:spcBef>
+              <a:spcAft>
+                <a:spcPts val="0"/>
+              </a:spcAft>
+              <a:buSzPts val="1400"/>
+              <a:buChar char="○"/>
+            </a:pPr>
+            <a:r>
+              <a:rPr lang="en" dirty="0"/>
+              <a:t>Torch</a:t>
+            </a:r>
+            <a:endParaRPr lang="en-US" dirty="0"/>
+          </a:p>
+          <a:p>
+            <a:pPr marL="1371600" lvl="2" indent="-317500" algn="l" rtl="0">
+              <a:spcBef>
+                <a:spcPts val="0"/>
+              </a:spcBef>
+              <a:spcAft>
+                <a:spcPts val="0"/>
+              </a:spcAft>
+              <a:buSzPts val="1400"/>
+              <a:buChar char="■"/>
+            </a:pPr>
+            <a:r>
+              <a:rPr lang="en-US" sz="1100" u="sng" dirty="0">
                 <a:solidFill>
                   <a:schemeClr val="hlink"/>
                 </a:solidFill>
@@ -8705,7 +8739,7 @@
               </a:rPr>
               <a:t>https://pytorch.org/get-started/locally/</a:t>
             </a:r>
-            <a:endParaRPr/>
+            <a:endParaRPr lang="en-US" dirty="0"/>
           </a:p>
           <a:p>
             <a:pPr marL="914400" lvl="1" indent="-317500" algn="l" rtl="0">
@@ -8719,10 +8753,9 @@
               <a:buChar char="○"/>
             </a:pPr>
             <a:r>
-              <a:rPr lang="en"/>
+              <a:rPr lang="en-US" dirty="0"/>
               <a:t>Scikit Learn</a:t>
             </a:r>
-            <a:endParaRPr/>
           </a:p>
           <a:p>
             <a:pPr marL="1371600" lvl="2" indent="-317500" algn="l" rtl="0">
@@ -8736,7 +8769,7 @@
               <a:buChar char="■"/>
             </a:pPr>
             <a:r>
-              <a:rPr lang="en" sz="1000">
+              <a:rPr lang="en-US" sz="1000" dirty="0" err="1">
                 <a:solidFill>
                   <a:srgbClr val="FFFFFF"/>
                 </a:solidFill>
@@ -8745,9 +8778,21 @@
                 <a:cs typeface="Consolas"/>
                 <a:sym typeface="Consolas"/>
               </a:rPr>
-              <a:t>conda install scikit-learn</a:t>
+              <a:t>conda</a:t>
             </a:r>
-            <a:endParaRPr>
+            <a:r>
+              <a:rPr lang="en-US" sz="1000" dirty="0">
+                <a:solidFill>
+                  <a:srgbClr val="FFFFFF"/>
+                </a:solidFill>
+                <a:latin typeface="Consolas"/>
+                <a:ea typeface="Consolas"/>
+                <a:cs typeface="Consolas"/>
+                <a:sym typeface="Consolas"/>
+              </a:rPr>
+              <a:t> install scikit-learn</a:t>
+            </a:r>
+            <a:endParaRPr lang="en-US" dirty="0">
               <a:solidFill>
                 <a:srgbClr val="FFFFFF"/>
               </a:solidFill>
@@ -8765,10 +8810,9 @@
               <a:buChar char="○"/>
             </a:pPr>
             <a:r>
-              <a:rPr lang="en"/>
+              <a:rPr lang="en-US" dirty="0"/>
               <a:t>Git</a:t>
             </a:r>
-            <a:endParaRPr/>
           </a:p>
           <a:p>
             <a:pPr marL="1371600" lvl="2" indent="-317500" algn="l" rtl="0">
@@ -8782,7 +8826,7 @@
               <a:buChar char="■"/>
             </a:pPr>
             <a:r>
-              <a:rPr lang="en" sz="1100" u="sng">
+              <a:rPr lang="en-US" sz="1100" u="sng" dirty="0">
                 <a:solidFill>
                   <a:schemeClr val="hlink"/>
                 </a:solidFill>
@@ -8790,7 +8834,7 @@
               </a:rPr>
               <a:t>https://git-scm.com/book/en/v2/Getting-Started-Installing-Git</a:t>
             </a:r>
-            <a:endParaRPr/>
+            <a:endParaRPr lang="en-US" dirty="0"/>
           </a:p>
         </p:txBody>
       </p:sp>
